--- a/FP.pptx
+++ b/FP.pptx
@@ -5,7 +5,7 @@
     <p:sldMasterId id="2147483660" r:id="rId1"/>
   </p:sldMasterIdLst>
   <p:notesMasterIdLst>
-    <p:notesMasterId r:id="rId18"/>
+    <p:notesMasterId r:id="rId20"/>
   </p:notesMasterIdLst>
   <p:sldIdLst>
     <p:sldId id="256" r:id="rId2"/>
@@ -24,6 +24,8 @@
     <p:sldId id="269" r:id="rId15"/>
     <p:sldId id="270" r:id="rId16"/>
     <p:sldId id="271" r:id="rId17"/>
+    <p:sldId id="272" r:id="rId18"/>
+    <p:sldId id="273" r:id="rId19"/>
   </p:sldIdLst>
   <p:sldSz cx="9144000" cy="6858000" type="screen4x3"/>
   <p:notesSz cx="6858000" cy="9144000"/>
@@ -15509,6 +15511,66 @@
           </a:p>
         </p:txBody>
       </p:sp>
+      <p:sp>
+        <p:nvSpPr>
+          <p:cNvPr id="3" name="TextBox 2"/>
+          <p:cNvSpPr txBox="1"/>
+          <p:nvPr/>
+        </p:nvSpPr>
+        <p:spPr>
+          <a:xfrm>
+            <a:off x="755576" y="1772816"/>
+            <a:ext cx="7856638" cy="646331"/>
+          </a:xfrm>
+          <a:prstGeom prst="rect">
+            <a:avLst/>
+          </a:prstGeom>
+          <a:noFill/>
+        </p:spPr>
+        <p:txBody>
+          <a:bodyPr wrap="none" rtlCol="0">
+            <a:spAutoFit/>
+          </a:bodyPr>
+          <a:lstStyle/>
+          <a:p>
+            <a:r>
+              <a:rPr lang="en-US" dirty="0" smtClean="0"/>
+              <a:t>A technique of evaluating a function with multiple arguments as a sequence of </a:t>
+            </a:r>
+          </a:p>
+          <a:p>
+            <a:r>
+              <a:rPr lang="en-US" dirty="0" smtClean="0"/>
+              <a:t>functions with single argument.</a:t>
+            </a:r>
+            <a:endParaRPr lang="uk-UA" dirty="0"/>
+          </a:p>
+        </p:txBody>
+      </p:sp>
+      <p:pic>
+        <p:nvPicPr>
+          <p:cNvPr id="4" name="Picture 3"/>
+          <p:cNvPicPr>
+            <a:picLocks noChangeAspect="1"/>
+          </p:cNvPicPr>
+          <p:nvPr/>
+        </p:nvPicPr>
+        <p:blipFill>
+          <a:blip r:embed="rId2"/>
+          <a:stretch>
+            <a:fillRect/>
+          </a:stretch>
+        </p:blipFill>
+        <p:spPr>
+          <a:xfrm>
+            <a:off x="750113" y="2749570"/>
+            <a:ext cx="7659183" cy="1800200"/>
+          </a:xfrm>
+          <a:prstGeom prst="rect">
+            <a:avLst/>
+          </a:prstGeom>
+        </p:spPr>
+      </p:pic>
     </p:spTree>
     <p:extLst>
       <p:ext uri="{BB962C8B-B14F-4D97-AF65-F5344CB8AC3E}">
@@ -16040,6 +16102,194 @@
     <p:extLst>
       <p:ext uri="{BB962C8B-B14F-4D97-AF65-F5344CB8AC3E}">
         <p14:creationId xmlns:p14="http://schemas.microsoft.com/office/powerpoint/2010/main" val="2673348524"/>
+      </p:ext>
+    </p:extLst>
+  </p:cSld>
+  <p:clrMapOvr>
+    <a:masterClrMapping/>
+  </p:clrMapOvr>
+</p:sld>
+</file>
+
+<file path=ppt/slides/slide17.xml><?xml version="1.0" encoding="utf-8"?>
+<p:sld xmlns:a="http://schemas.openxmlformats.org/drawingml/2006/main" xmlns:r="http://schemas.openxmlformats.org/officeDocument/2006/relationships" xmlns:p="http://schemas.openxmlformats.org/presentationml/2006/main">
+  <p:cSld>
+    <p:spTree>
+      <p:nvGrpSpPr>
+        <p:cNvPr id="1" name=""/>
+        <p:cNvGrpSpPr/>
+        <p:nvPr/>
+      </p:nvGrpSpPr>
+      <p:grpSpPr>
+        <a:xfrm>
+          <a:off x="0" y="0"/>
+          <a:ext cx="0" cy="0"/>
+          <a:chOff x="0" y="0"/>
+          <a:chExt cx="0" cy="0"/>
+        </a:xfrm>
+      </p:grpSpPr>
+      <p:sp>
+        <p:nvSpPr>
+          <p:cNvPr id="2" name="TextBox 1"/>
+          <p:cNvSpPr txBox="1"/>
+          <p:nvPr/>
+        </p:nvSpPr>
+        <p:spPr>
+          <a:xfrm>
+            <a:off x="539552" y="1340768"/>
+            <a:ext cx="8186857" cy="3970318"/>
+          </a:xfrm>
+          <a:prstGeom prst="rect">
+            <a:avLst/>
+          </a:prstGeom>
+          <a:noFill/>
+        </p:spPr>
+        <p:txBody>
+          <a:bodyPr wrap="none" rtlCol="0">
+            <a:spAutoFit/>
+          </a:bodyPr>
+          <a:lstStyle/>
+          <a:p>
+            <a:r>
+              <a:rPr lang="en-US" dirty="0" smtClean="0"/>
+              <a:t>Let’s try another example. </a:t>
+            </a:r>
+          </a:p>
+          <a:p>
+            <a:r>
+              <a:rPr lang="en-US" dirty="0" smtClean="0"/>
+              <a:t>Here we provide a functional-friendly implementation of a simple checkout system</a:t>
+            </a:r>
+          </a:p>
+          <a:p>
+            <a:r>
+              <a:rPr lang="en-US" dirty="0" smtClean="0"/>
+              <a:t>that handle the logic due to rules that look like this:</a:t>
+            </a:r>
+          </a:p>
+          <a:p>
+            <a:endParaRPr lang="en-US" dirty="0"/>
+          </a:p>
+          <a:p>
+            <a:endParaRPr lang="en-US" dirty="0" smtClean="0"/>
+          </a:p>
+          <a:p>
+            <a:endParaRPr lang="en-US" dirty="0"/>
+          </a:p>
+          <a:p>
+            <a:endParaRPr lang="en-US" dirty="0" smtClean="0"/>
+          </a:p>
+          <a:p>
+            <a:endParaRPr lang="en-US" dirty="0"/>
+          </a:p>
+          <a:p>
+            <a:endParaRPr lang="en-US" dirty="0" smtClean="0"/>
+          </a:p>
+          <a:p>
+            <a:endParaRPr lang="en-US" dirty="0"/>
+          </a:p>
+          <a:p>
+            <a:endParaRPr lang="en-US" dirty="0" smtClean="0"/>
+          </a:p>
+          <a:p>
+            <a:r>
+              <a:rPr lang="en-US" dirty="0" smtClean="0"/>
+              <a:t>  Seems like a simple object-oriented task, but now we will create a functional</a:t>
+            </a:r>
+          </a:p>
+          <a:p>
+            <a:r>
+              <a:rPr lang="en-US" dirty="0" smtClean="0"/>
+              <a:t>implementation blending it with some of the Scala’s object-oriented features.</a:t>
+            </a:r>
+          </a:p>
+          <a:p>
+            <a:endParaRPr lang="uk-UA" dirty="0"/>
+          </a:p>
+        </p:txBody>
+      </p:sp>
+      <p:pic>
+        <p:nvPicPr>
+          <p:cNvPr id="3" name="Picture 2"/>
+          <p:cNvPicPr>
+            <a:picLocks noChangeAspect="1"/>
+          </p:cNvPicPr>
+          <p:nvPr/>
+        </p:nvPicPr>
+        <p:blipFill>
+          <a:blip r:embed="rId2"/>
+          <a:stretch>
+            <a:fillRect/>
+          </a:stretch>
+        </p:blipFill>
+        <p:spPr>
+          <a:xfrm>
+            <a:off x="2771800" y="2276872"/>
+            <a:ext cx="3006253" cy="1752524"/>
+          </a:xfrm>
+          <a:prstGeom prst="rect">
+            <a:avLst/>
+          </a:prstGeom>
+        </p:spPr>
+      </p:pic>
+    </p:spTree>
+    <p:extLst>
+      <p:ext uri="{BB962C8B-B14F-4D97-AF65-F5344CB8AC3E}">
+        <p14:creationId xmlns:p14="http://schemas.microsoft.com/office/powerpoint/2010/main" val="2293637662"/>
+      </p:ext>
+    </p:extLst>
+  </p:cSld>
+  <p:clrMapOvr>
+    <a:masterClrMapping/>
+  </p:clrMapOvr>
+</p:sld>
+</file>
+
+<file path=ppt/slides/slide18.xml><?xml version="1.0" encoding="utf-8"?>
+<p:sld xmlns:a="http://schemas.openxmlformats.org/drawingml/2006/main" xmlns:r="http://schemas.openxmlformats.org/officeDocument/2006/relationships" xmlns:p="http://schemas.openxmlformats.org/presentationml/2006/main">
+  <p:cSld>
+    <p:spTree>
+      <p:nvGrpSpPr>
+        <p:cNvPr id="1" name=""/>
+        <p:cNvGrpSpPr/>
+        <p:nvPr/>
+      </p:nvGrpSpPr>
+      <p:grpSpPr>
+        <a:xfrm>
+          <a:off x="0" y="0"/>
+          <a:ext cx="0" cy="0"/>
+          <a:chOff x="0" y="0"/>
+          <a:chExt cx="0" cy="0"/>
+        </a:xfrm>
+      </p:grpSpPr>
+      <p:pic>
+        <p:nvPicPr>
+          <p:cNvPr id="4" name="Picture 3"/>
+          <p:cNvPicPr>
+            <a:picLocks noChangeAspect="1"/>
+          </p:cNvPicPr>
+          <p:nvPr/>
+        </p:nvPicPr>
+        <p:blipFill>
+          <a:blip r:embed="rId2"/>
+          <a:stretch>
+            <a:fillRect/>
+          </a:stretch>
+        </p:blipFill>
+        <p:spPr>
+          <a:xfrm>
+            <a:off x="467544" y="1236374"/>
+            <a:ext cx="12598255" cy="5589240"/>
+          </a:xfrm>
+          <a:prstGeom prst="rect">
+            <a:avLst/>
+          </a:prstGeom>
+        </p:spPr>
+      </p:pic>
+    </p:spTree>
+    <p:extLst>
+      <p:ext uri="{BB962C8B-B14F-4D97-AF65-F5344CB8AC3E}">
+        <p14:creationId xmlns:p14="http://schemas.microsoft.com/office/powerpoint/2010/main" val="499425018"/>
       </p:ext>
     </p:extLst>
   </p:cSld>
@@ -16656,11 +16906,7 @@
             </a:pPr>
             <a:r>
               <a:rPr lang="en-US" sz="2800" dirty="0" smtClean="0"/>
-              <a:t> Is referentially </a:t>
-            </a:r>
-            <a:r>
-              <a:rPr lang="en-US" sz="2800" dirty="0" smtClean="0"/>
-              <a:t>transparent</a:t>
+              <a:t> Is referentially transparent</a:t>
             </a:r>
           </a:p>
         </p:txBody>

--- a/FP.pptx
+++ b/FP.pptx
@@ -5,7 +5,7 @@
     <p:sldMasterId id="2147483660" r:id="rId1"/>
   </p:sldMasterIdLst>
   <p:notesMasterIdLst>
-    <p:notesMasterId r:id="rId20"/>
+    <p:notesMasterId r:id="rId23"/>
   </p:notesMasterIdLst>
   <p:sldIdLst>
     <p:sldId id="256" r:id="rId2"/>
@@ -20,12 +20,15 @@
     <p:sldId id="265" r:id="rId11"/>
     <p:sldId id="266" r:id="rId12"/>
     <p:sldId id="267" r:id="rId13"/>
-    <p:sldId id="268" r:id="rId14"/>
-    <p:sldId id="269" r:id="rId15"/>
-    <p:sldId id="270" r:id="rId16"/>
-    <p:sldId id="271" r:id="rId17"/>
-    <p:sldId id="272" r:id="rId18"/>
-    <p:sldId id="273" r:id="rId19"/>
+    <p:sldId id="275" r:id="rId14"/>
+    <p:sldId id="274" r:id="rId15"/>
+    <p:sldId id="276" r:id="rId16"/>
+    <p:sldId id="269" r:id="rId17"/>
+    <p:sldId id="270" r:id="rId18"/>
+    <p:sldId id="271" r:id="rId19"/>
+    <p:sldId id="272" r:id="rId20"/>
+    <p:sldId id="273" r:id="rId21"/>
+    <p:sldId id="277" r:id="rId22"/>
   </p:sldIdLst>
   <p:sldSz cx="9144000" cy="6858000" type="screen4x3"/>
   <p:notesSz cx="6858000" cy="9144000"/>
@@ -126,7 +129,7 @@
   </p:defaultTextStyle>
   <p:extLst>
     <p:ext uri="{EFAFB233-063F-42B5-8137-9DF3F51BA10A}">
-      <p15:sldGuideLst xmlns:p15="http://schemas.microsoft.com/office/powerpoint/2012/main">
+      <p15:sldGuideLst xmlns:p15="http://schemas.microsoft.com/office/powerpoint/2012/main" xmlns="">
         <p15:guide id="1" orient="horz" pos="2160">
           <p15:clr>
             <a:srgbClr val="A4A3A4"/>
@@ -225,7 +228,7 @@
           <a:p>
             <a:fld id="{2B9F30B2-1395-4BE0-8133-102C004F9E2F}" type="datetimeFigureOut">
               <a:rPr lang="uk-UA" smtClean="0"/>
-              <a:t>13.01.2017</a:t>
+              <a:t>15.01.2017</a:t>
             </a:fld>
             <a:endParaRPr lang="uk-UA"/>
           </a:p>
@@ -558,7 +561,7 @@
           <a:p>
             <a:fld id="{6A62D7F2-D497-4877-96DA-6639326F3746}" type="slidenum">
               <a:rPr lang="uk-UA" smtClean="0"/>
-              <a:t>15</a:t>
+              <a:t>17</a:t>
             </a:fld>
             <a:endParaRPr lang="uk-UA"/>
           </a:p>
@@ -2389,7 +2392,7 @@
           <a:p>
             <a:fld id="{B4C71EC6-210F-42DE-9C53-41977AD35B3D}" type="datetimeFigureOut">
               <a:rPr lang="ru-RU" smtClean="0"/>
-              <a:t>13.01.2017</a:t>
+              <a:t>15.01.2017</a:t>
             </a:fld>
             <a:endParaRPr lang="ru-RU"/>
           </a:p>
@@ -2570,7 +2573,7 @@
           <a:p>
             <a:fld id="{B4C71EC6-210F-42DE-9C53-41977AD35B3D}" type="datetimeFigureOut">
               <a:rPr lang="ru-RU" smtClean="0"/>
-              <a:t>13.01.2017</a:t>
+              <a:t>15.01.2017</a:t>
             </a:fld>
             <a:endParaRPr lang="ru-RU"/>
           </a:p>
@@ -2721,7 +2724,7 @@
           <a:p>
             <a:fld id="{B4C71EC6-210F-42DE-9C53-41977AD35B3D}" type="datetimeFigureOut">
               <a:rPr lang="ru-RU" smtClean="0"/>
-              <a:t>13.01.2017</a:t>
+              <a:t>15.01.2017</a:t>
             </a:fld>
             <a:endParaRPr lang="ru-RU"/>
           </a:p>
@@ -4547,7 +4550,7 @@
           <a:p>
             <a:fld id="{B4C71EC6-210F-42DE-9C53-41977AD35B3D}" type="datetimeFigureOut">
               <a:rPr lang="ru-RU" smtClean="0"/>
-              <a:t>13.01.2017</a:t>
+              <a:t>15.01.2017</a:t>
             </a:fld>
             <a:endParaRPr lang="ru-RU"/>
           </a:p>
@@ -6417,7 +6420,7 @@
           <a:p>
             <a:fld id="{B4C71EC6-210F-42DE-9C53-41977AD35B3D}" type="datetimeFigureOut">
               <a:rPr lang="ru-RU" smtClean="0"/>
-              <a:t>13.01.2017</a:t>
+              <a:t>15.01.2017</a:t>
             </a:fld>
             <a:endParaRPr lang="ru-RU"/>
           </a:p>
@@ -6530,7 +6533,7 @@
           <a:p>
             <a:fld id="{B4C71EC6-210F-42DE-9C53-41977AD35B3D}" type="datetimeFigureOut">
               <a:rPr lang="ru-RU" smtClean="0"/>
-              <a:t>13.01.2017</a:t>
+              <a:t>15.01.2017</a:t>
             </a:fld>
             <a:endParaRPr lang="ru-RU"/>
           </a:p>
@@ -7071,7 +7074,7 @@
           <a:p>
             <a:fld id="{B4C71EC6-210F-42DE-9C53-41977AD35B3D}" type="datetimeFigureOut">
               <a:rPr lang="ru-RU" smtClean="0"/>
-              <a:t>13.01.2017</a:t>
+              <a:t>15.01.2017</a:t>
             </a:fld>
             <a:endParaRPr lang="ru-RU"/>
           </a:p>
@@ -7184,7 +7187,7 @@
           <a:p>
             <a:fld id="{B4C71EC6-210F-42DE-9C53-41977AD35B3D}" type="datetimeFigureOut">
               <a:rPr lang="ru-RU" smtClean="0"/>
-              <a:t>13.01.2017</a:t>
+              <a:t>15.01.2017</a:t>
             </a:fld>
             <a:endParaRPr lang="ru-RU"/>
           </a:p>
@@ -8895,7 +8898,7 @@
           <a:p>
             <a:fld id="{B4C71EC6-210F-42DE-9C53-41977AD35B3D}" type="datetimeFigureOut">
               <a:rPr lang="ru-RU" smtClean="0"/>
-              <a:t>13.01.2017</a:t>
+              <a:t>15.01.2017</a:t>
             </a:fld>
             <a:endParaRPr lang="ru-RU"/>
           </a:p>
@@ -9046,7 +9049,7 @@
           <a:p>
             <a:fld id="{B4C71EC6-210F-42DE-9C53-41977AD35B3D}" type="datetimeFigureOut">
               <a:rPr lang="ru-RU" smtClean="0"/>
-              <a:t>13.01.2017</a:t>
+              <a:t>15.01.2017</a:t>
             </a:fld>
             <a:endParaRPr lang="ru-RU"/>
           </a:p>
@@ -12661,7 +12664,7 @@
           <a:p>
             <a:fld id="{B4C71EC6-210F-42DE-9C53-41977AD35B3D}" type="datetimeFigureOut">
               <a:rPr lang="ru-RU" smtClean="0"/>
-              <a:t>13.01.2017</a:t>
+              <a:t>15.01.2017</a:t>
             </a:fld>
             <a:endParaRPr lang="ru-RU"/>
           </a:p>
@@ -14520,7 +14523,7 @@
           <a:p>
             <a:fld id="{B4C71EC6-210F-42DE-9C53-41977AD35B3D}" type="datetimeFigureOut">
               <a:rPr lang="ru-RU" smtClean="0"/>
-              <a:t>13.01.2017</a:t>
+              <a:t>15.01.2017</a:t>
             </a:fld>
             <a:endParaRPr lang="ru-RU"/>
           </a:p>
@@ -15305,7 +15308,7 @@
         </p:nvSpPr>
         <p:spPr>
           <a:xfrm>
-            <a:off x="467544" y="1628800"/>
+            <a:off x="497188" y="1452786"/>
             <a:ext cx="7664278" cy="5632311"/>
           </a:xfrm>
           <a:prstGeom prst="rect">
@@ -15489,8 +15492,8 @@
         </p:nvSpPr>
         <p:spPr>
           <a:xfrm>
-            <a:off x="755576" y="980728"/>
-            <a:ext cx="1512168" cy="461665"/>
+            <a:off x="755576" y="1211560"/>
+            <a:ext cx="1944216" cy="584775"/>
           </a:xfrm>
           <a:prstGeom prst="rect">
             <a:avLst/>
@@ -15504,10 +15507,10 @@
           <a:lstStyle/>
           <a:p>
             <a:r>
-              <a:rPr lang="en-US" sz="2400" dirty="0" smtClean="0"/>
+              <a:rPr lang="en-US" sz="3200" dirty="0" smtClean="0"/>
               <a:t>Currying</a:t>
             </a:r>
-            <a:endParaRPr lang="uk-UA" dirty="0"/>
+            <a:endParaRPr lang="uk-UA" sz="2400" dirty="0"/>
           </a:p>
         </p:txBody>
       </p:sp>
@@ -15549,26 +15552,66 @@
       </p:sp>
       <p:pic>
         <p:nvPicPr>
-          <p:cNvPr id="4" name="Picture 3"/>
+          <p:cNvPr id="1026" name="Picture 2"/>
           <p:cNvPicPr>
-            <a:picLocks noChangeAspect="1"/>
+            <a:picLocks noChangeAspect="1" noChangeArrowheads="1"/>
           </p:cNvPicPr>
           <p:nvPr/>
         </p:nvPicPr>
         <p:blipFill>
-          <a:blip r:embed="rId2"/>
+          <a:blip r:embed="rId2">
+            <a:extLst>
+              <a:ext uri="{28A0092B-C50C-407E-A947-70E740481C1C}">
+                <a14:useLocalDpi xmlns:a14="http://schemas.microsoft.com/office/drawing/2010/main" val="0"/>
+              </a:ext>
+            </a:extLst>
+          </a:blip>
+          <a:srcRect/>
           <a:stretch>
             <a:fillRect/>
           </a:stretch>
         </p:blipFill>
-        <p:spPr>
+        <p:spPr bwMode="auto">
           <a:xfrm>
-            <a:off x="750113" y="2749570"/>
-            <a:ext cx="7659183" cy="1800200"/>
+            <a:off x="805769" y="2924944"/>
+            <a:ext cx="7848872" cy="1902968"/>
           </a:xfrm>
           <a:prstGeom prst="rect">
             <a:avLst/>
           </a:prstGeom>
+          <a:noFill/>
+          <a:ln>
+            <a:noFill/>
+          </a:ln>
+          <a:effectLst/>
+          <a:extLst>
+            <a:ext uri="{909E8E84-426E-40DD-AFC4-6F175D3DCCD1}">
+              <a14:hiddenFill xmlns:a14="http://schemas.microsoft.com/office/drawing/2010/main">
+                <a:solidFill>
+                  <a:schemeClr val="accent1"/>
+                </a:solidFill>
+              </a14:hiddenFill>
+            </a:ext>
+            <a:ext uri="{91240B29-F687-4F45-9708-019B960494DF}">
+              <a14:hiddenLine xmlns:a14="http://schemas.microsoft.com/office/drawing/2010/main" w="9525">
+                <a:solidFill>
+                  <a:schemeClr val="tx1"/>
+                </a:solidFill>
+                <a:miter lim="800000"/>
+                <a:headEnd/>
+                <a:tailEnd/>
+              </a14:hiddenLine>
+            </a:ext>
+            <a:ext uri="{AF507438-7753-43E0-B8FC-AC1667EBCBE1}">
+              <a14:hiddenEffects xmlns:a14="http://schemas.microsoft.com/office/drawing/2010/main">
+                <a:effectLst>
+                  <a:outerShdw dist="35921" dir="2700000" algn="ctr" rotWithShape="0">
+                    <a:schemeClr val="bg2"/>
+                  </a:outerShdw>
+                </a:effectLst>
+              </a14:hiddenEffects>
+            </a:ext>
+          </a:extLst>
         </p:spPr>
       </p:pic>
     </p:spTree>
@@ -15609,8 +15652,8 @@
         </p:nvSpPr>
         <p:spPr>
           <a:xfrm>
-            <a:off x="539552" y="1124744"/>
-            <a:ext cx="1039067" cy="369332"/>
+            <a:off x="467544" y="1045415"/>
+            <a:ext cx="1197764" cy="461665"/>
           </a:xfrm>
           <a:prstGeom prst="rect">
             <a:avLst/>
@@ -15624,13 +15667,182 @@
           <a:lstStyle/>
           <a:p>
             <a:r>
-              <a:rPr lang="en-US" dirty="0" err="1" smtClean="0"/>
-              <a:t>Functors</a:t>
+              <a:rPr lang="en-US" sz="2400" dirty="0" err="1" smtClean="0"/>
+              <a:t>Functor</a:t>
             </a:r>
-            <a:endParaRPr lang="uk-UA" dirty="0"/>
+            <a:endParaRPr lang="uk-UA" sz="2400" dirty="0"/>
           </a:p>
         </p:txBody>
       </p:sp>
+      <p:pic>
+        <p:nvPicPr>
+          <p:cNvPr id="1026" name="Picture 2"/>
+          <p:cNvPicPr>
+            <a:picLocks noChangeAspect="1" noChangeArrowheads="1"/>
+          </p:cNvPicPr>
+          <p:nvPr/>
+        </p:nvPicPr>
+        <p:blipFill>
+          <a:blip r:embed="rId2">
+            <a:extLst>
+              <a:ext uri="{28A0092B-C50C-407E-A947-70E740481C1C}">
+                <a14:useLocalDpi xmlns:a14="http://schemas.microsoft.com/office/drawing/2010/main" val="0"/>
+              </a:ext>
+            </a:extLst>
+          </a:blip>
+          <a:srcRect/>
+          <a:stretch>
+            <a:fillRect/>
+          </a:stretch>
+        </p:blipFill>
+        <p:spPr bwMode="auto">
+          <a:xfrm>
+            <a:off x="581985" y="1628800"/>
+            <a:ext cx="6164483" cy="864096"/>
+          </a:xfrm>
+          <a:prstGeom prst="rect">
+            <a:avLst/>
+          </a:prstGeom>
+          <a:noFill/>
+          <a:ln>
+            <a:noFill/>
+          </a:ln>
+          <a:effectLst/>
+          <a:extLst>
+            <a:ext uri="{909E8E84-426E-40DD-AFC4-6F175D3DCCD1}">
+              <a14:hiddenFill xmlns:a14="http://schemas.microsoft.com/office/drawing/2010/main">
+                <a:solidFill>
+                  <a:schemeClr val="accent1"/>
+                </a:solidFill>
+              </a14:hiddenFill>
+            </a:ext>
+            <a:ext uri="{91240B29-F687-4F45-9708-019B960494DF}">
+              <a14:hiddenLine xmlns:a14="http://schemas.microsoft.com/office/drawing/2010/main" w="9525">
+                <a:solidFill>
+                  <a:schemeClr val="tx1"/>
+                </a:solidFill>
+                <a:miter lim="800000"/>
+                <a:headEnd/>
+                <a:tailEnd/>
+              </a14:hiddenLine>
+            </a:ext>
+            <a:ext uri="{AF507438-7753-43E0-B8FC-AC1667EBCBE1}">
+              <a14:hiddenEffects xmlns:a14="http://schemas.microsoft.com/office/drawing/2010/main">
+                <a:effectLst>
+                  <a:outerShdw dist="35921" dir="2700000" algn="ctr" rotWithShape="0">
+                    <a:schemeClr val="bg2"/>
+                  </a:outerShdw>
+                </a:effectLst>
+              </a14:hiddenEffects>
+            </a:ext>
+          </a:extLst>
+        </p:spPr>
+      </p:pic>
+      <p:pic>
+        <p:nvPicPr>
+          <p:cNvPr id="1027" name="Picture 3" descr="C:\Users\Admin\Desktop\fmap_just.png"/>
+          <p:cNvPicPr>
+            <a:picLocks noChangeAspect="1" noChangeArrowheads="1"/>
+          </p:cNvPicPr>
+          <p:nvPr/>
+        </p:nvPicPr>
+        <p:blipFill>
+          <a:blip r:embed="rId3">
+            <a:extLst>
+              <a:ext uri="{28A0092B-C50C-407E-A947-70E740481C1C}">
+                <a14:useLocalDpi xmlns:a14="http://schemas.microsoft.com/office/drawing/2010/main" val="0"/>
+              </a:ext>
+            </a:extLst>
+          </a:blip>
+          <a:srcRect/>
+          <a:stretch>
+            <a:fillRect/>
+          </a:stretch>
+        </p:blipFill>
+        <p:spPr bwMode="auto">
+          <a:xfrm>
+            <a:off x="611559" y="4241783"/>
+            <a:ext cx="7980031" cy="2266766"/>
+          </a:xfrm>
+          <a:prstGeom prst="rect">
+            <a:avLst/>
+          </a:prstGeom>
+          <a:noFill/>
+          <a:extLst>
+            <a:ext uri="{909E8E84-426E-40DD-AFC4-6F175D3DCCD1}">
+              <a14:hiddenFill xmlns:a14="http://schemas.microsoft.com/office/drawing/2010/main">
+                <a:solidFill>
+                  <a:srgbClr val="FFFFFF"/>
+                </a:solidFill>
+              </a14:hiddenFill>
+            </a:ext>
+          </a:extLst>
+        </p:spPr>
+      </p:pic>
+      <p:pic>
+        <p:nvPicPr>
+          <p:cNvPr id="1028" name="Picture 4"/>
+          <p:cNvPicPr>
+            <a:picLocks noChangeAspect="1" noChangeArrowheads="1"/>
+          </p:cNvPicPr>
+          <p:nvPr/>
+        </p:nvPicPr>
+        <p:blipFill>
+          <a:blip r:embed="rId4">
+            <a:extLst>
+              <a:ext uri="{28A0092B-C50C-407E-A947-70E740481C1C}">
+                <a14:useLocalDpi xmlns:a14="http://schemas.microsoft.com/office/drawing/2010/main" val="0"/>
+              </a:ext>
+            </a:extLst>
+          </a:blip>
+          <a:srcRect/>
+          <a:stretch>
+            <a:fillRect/>
+          </a:stretch>
+        </p:blipFill>
+        <p:spPr bwMode="auto">
+          <a:xfrm>
+            <a:off x="1187624" y="2276872"/>
+            <a:ext cx="5991920" cy="1975359"/>
+          </a:xfrm>
+          <a:prstGeom prst="rect">
+            <a:avLst/>
+          </a:prstGeom>
+          <a:noFill/>
+          <a:ln>
+            <a:noFill/>
+          </a:ln>
+          <a:effectLst/>
+          <a:extLst>
+            <a:ext uri="{909E8E84-426E-40DD-AFC4-6F175D3DCCD1}">
+              <a14:hiddenFill xmlns:a14="http://schemas.microsoft.com/office/drawing/2010/main">
+                <a:solidFill>
+                  <a:schemeClr val="accent1"/>
+                </a:solidFill>
+              </a14:hiddenFill>
+            </a:ext>
+            <a:ext uri="{91240B29-F687-4F45-9708-019B960494DF}">
+              <a14:hiddenLine xmlns:a14="http://schemas.microsoft.com/office/drawing/2010/main" w="9525">
+                <a:solidFill>
+                  <a:schemeClr val="tx1"/>
+                </a:solidFill>
+                <a:miter lim="800000"/>
+                <a:headEnd/>
+                <a:tailEnd/>
+              </a14:hiddenLine>
+            </a:ext>
+            <a:ext uri="{AF507438-7753-43E0-B8FC-AC1667EBCBE1}">
+              <a14:hiddenEffects xmlns:a14="http://schemas.microsoft.com/office/drawing/2010/main">
+                <a:effectLst>
+                  <a:outerShdw dist="35921" dir="2700000" algn="ctr" rotWithShape="0">
+                    <a:schemeClr val="bg2"/>
+                  </a:outerShdw>
+                </a:effectLst>
+              </a14:hiddenEffects>
+            </a:ext>
+          </a:extLst>
+        </p:spPr>
+      </p:pic>
     </p:spTree>
     <p:extLst>
       <p:ext uri="{BB962C8B-B14F-4D97-AF65-F5344CB8AC3E}">
@@ -15669,8 +15881,8 @@
         </p:nvSpPr>
         <p:spPr>
           <a:xfrm>
-            <a:off x="683568" y="1196752"/>
-            <a:ext cx="2279791" cy="369332"/>
+            <a:off x="406088" y="908720"/>
+            <a:ext cx="1106393" cy="461665"/>
           </a:xfrm>
           <a:prstGeom prst="rect">
             <a:avLst/>
@@ -15684,17 +15896,221 @@
           <a:lstStyle/>
           <a:p>
             <a:r>
-              <a:rPr lang="en-US" dirty="0" smtClean="0"/>
-              <a:t>Monoids and monads</a:t>
+              <a:rPr lang="en-US" sz="2400" dirty="0" smtClean="0"/>
+              <a:t>Monad</a:t>
             </a:r>
-            <a:endParaRPr lang="uk-UA" dirty="0"/>
+            <a:endParaRPr lang="ru-RU" sz="2400" dirty="0"/>
           </a:p>
         </p:txBody>
       </p:sp>
+      <p:pic>
+        <p:nvPicPr>
+          <p:cNvPr id="2050" name="Picture 2"/>
+          <p:cNvPicPr>
+            <a:picLocks noChangeAspect="1" noChangeArrowheads="1"/>
+          </p:cNvPicPr>
+          <p:nvPr/>
+        </p:nvPicPr>
+        <p:blipFill>
+          <a:blip r:embed="rId2">
+            <a:extLst>
+              <a:ext uri="{28A0092B-C50C-407E-A947-70E740481C1C}">
+                <a14:useLocalDpi xmlns:a14="http://schemas.microsoft.com/office/drawing/2010/main" val="0"/>
+              </a:ext>
+            </a:extLst>
+          </a:blip>
+          <a:srcRect/>
+          <a:stretch>
+            <a:fillRect/>
+          </a:stretch>
+        </p:blipFill>
+        <p:spPr bwMode="auto">
+          <a:xfrm>
+            <a:off x="323528" y="1509528"/>
+            <a:ext cx="6192688" cy="1032115"/>
+          </a:xfrm>
+          <a:prstGeom prst="rect">
+            <a:avLst/>
+          </a:prstGeom>
+          <a:noFill/>
+          <a:ln>
+            <a:noFill/>
+          </a:ln>
+          <a:effectLst/>
+          <a:extLst>
+            <a:ext uri="{909E8E84-426E-40DD-AFC4-6F175D3DCCD1}">
+              <a14:hiddenFill xmlns:a14="http://schemas.microsoft.com/office/drawing/2010/main">
+                <a:solidFill>
+                  <a:schemeClr val="accent1"/>
+                </a:solidFill>
+              </a14:hiddenFill>
+            </a:ext>
+            <a:ext uri="{91240B29-F687-4F45-9708-019B960494DF}">
+              <a14:hiddenLine xmlns:a14="http://schemas.microsoft.com/office/drawing/2010/main" w="9525">
+                <a:solidFill>
+                  <a:schemeClr val="tx1"/>
+                </a:solidFill>
+                <a:miter lim="800000"/>
+                <a:headEnd/>
+                <a:tailEnd/>
+              </a14:hiddenLine>
+            </a:ext>
+            <a:ext uri="{AF507438-7753-43E0-B8FC-AC1667EBCBE1}">
+              <a14:hiddenEffects xmlns:a14="http://schemas.microsoft.com/office/drawing/2010/main">
+                <a:effectLst>
+                  <a:outerShdw dist="35921" dir="2700000" algn="ctr" rotWithShape="0">
+                    <a:schemeClr val="bg2"/>
+                  </a:outerShdw>
+                </a:effectLst>
+              </a14:hiddenEffects>
+            </a:ext>
+          </a:extLst>
+        </p:spPr>
+      </p:pic>
+      <p:pic>
+        <p:nvPicPr>
+          <p:cNvPr id="2051" name="Picture 3" descr="C:\Users\Admin\Desktop\half.png"/>
+          <p:cNvPicPr>
+            <a:picLocks noChangeAspect="1" noChangeArrowheads="1"/>
+          </p:cNvPicPr>
+          <p:nvPr/>
+        </p:nvPicPr>
+        <p:blipFill>
+          <a:blip r:embed="rId3">
+            <a:extLst>
+              <a:ext uri="{28A0092B-C50C-407E-A947-70E740481C1C}">
+                <a14:useLocalDpi xmlns:a14="http://schemas.microsoft.com/office/drawing/2010/main" val="0"/>
+              </a:ext>
+            </a:extLst>
+          </a:blip>
+          <a:srcRect/>
+          <a:stretch>
+            <a:fillRect/>
+          </a:stretch>
+        </p:blipFill>
+        <p:spPr bwMode="auto">
+          <a:xfrm>
+            <a:off x="1547664" y="3833705"/>
+            <a:ext cx="2612817" cy="1944217"/>
+          </a:xfrm>
+          <a:prstGeom prst="rect">
+            <a:avLst/>
+          </a:prstGeom>
+          <a:noFill/>
+          <a:extLst>
+            <a:ext uri="{909E8E84-426E-40DD-AFC4-6F175D3DCCD1}">
+              <a14:hiddenFill xmlns:a14="http://schemas.microsoft.com/office/drawing/2010/main">
+                <a:solidFill>
+                  <a:srgbClr val="FFFFFF"/>
+                </a:solidFill>
+              </a14:hiddenFill>
+            </a:ext>
+          </a:extLst>
+        </p:spPr>
+      </p:pic>
+      <p:sp>
+        <p:nvSpPr>
+          <p:cNvPr id="3" name="TextBox 2"/>
+          <p:cNvSpPr txBox="1"/>
+          <p:nvPr/>
+        </p:nvSpPr>
+        <p:spPr>
+          <a:xfrm>
+            <a:off x="131891" y="2719904"/>
+            <a:ext cx="5173211" cy="923330"/>
+          </a:xfrm>
+          <a:prstGeom prst="rect">
+            <a:avLst/>
+          </a:prstGeom>
+          <a:noFill/>
+        </p:spPr>
+        <p:txBody>
+          <a:bodyPr wrap="none" rtlCol="0">
+            <a:spAutoFit/>
+          </a:bodyPr>
+          <a:lstStyle/>
+          <a:p>
+            <a:r>
+              <a:rPr lang="en-US" dirty="0" smtClean="0"/>
+              <a:t>For example if function ‘half’ </a:t>
+            </a:r>
+          </a:p>
+          <a:p>
+            <a:r>
+              <a:rPr lang="en-US" dirty="0" smtClean="0"/>
+              <a:t>returns a wrapped value then a Monad knows how </a:t>
+            </a:r>
+          </a:p>
+          <a:p>
+            <a:r>
+              <a:rPr lang="en-US" dirty="0" smtClean="0"/>
+              <a:t>to apply it to its value (to </a:t>
+            </a:r>
+            <a:r>
+              <a:rPr lang="en-US" b="1" i="1" dirty="0" err="1" smtClean="0"/>
+              <a:t>flatMap</a:t>
+            </a:r>
+            <a:r>
+              <a:rPr lang="en-US" dirty="0" smtClean="0"/>
+              <a:t> it or to </a:t>
+            </a:r>
+            <a:r>
+              <a:rPr lang="en-US" b="1" i="1" dirty="0" smtClean="0"/>
+              <a:t>bind</a:t>
+            </a:r>
+            <a:r>
+              <a:rPr lang="en-US" dirty="0" smtClean="0"/>
+              <a:t>).</a:t>
+            </a:r>
+            <a:endParaRPr lang="ru-RU" dirty="0"/>
+          </a:p>
+        </p:txBody>
+      </p:sp>
+      <p:pic>
+        <p:nvPicPr>
+          <p:cNvPr id="2052" name="Picture 4" descr="C:\Users\Admin\Desktop\monad_just.png"/>
+          <p:cNvPicPr>
+            <a:picLocks noChangeAspect="1" noChangeArrowheads="1"/>
+          </p:cNvPicPr>
+          <p:nvPr/>
+        </p:nvPicPr>
+        <p:blipFill>
+          <a:blip r:embed="rId4">
+            <a:extLst>
+              <a:ext uri="{28A0092B-C50C-407E-A947-70E740481C1C}">
+                <a14:useLocalDpi xmlns:a14="http://schemas.microsoft.com/office/drawing/2010/main" val="0"/>
+              </a:ext>
+            </a:extLst>
+          </a:blip>
+          <a:srcRect/>
+          <a:stretch>
+            <a:fillRect/>
+          </a:stretch>
+        </p:blipFill>
+        <p:spPr bwMode="auto">
+          <a:xfrm>
+            <a:off x="5148064" y="2276872"/>
+            <a:ext cx="3514555" cy="4320480"/>
+          </a:xfrm>
+          <a:prstGeom prst="rect">
+            <a:avLst/>
+          </a:prstGeom>
+          <a:noFill/>
+          <a:extLst>
+            <a:ext uri="{909E8E84-426E-40DD-AFC4-6F175D3DCCD1}">
+              <a14:hiddenFill xmlns:a14="http://schemas.microsoft.com/office/drawing/2010/main">
+                <a:solidFill>
+                  <a:srgbClr val="FFFFFF"/>
+                </a:solidFill>
+              </a14:hiddenFill>
+            </a:ext>
+          </a:extLst>
+        </p:spPr>
+      </p:pic>
     </p:spTree>
     <p:extLst>
       <p:ext uri="{BB962C8B-B14F-4D97-AF65-F5344CB8AC3E}">
-        <p14:creationId xmlns:p14="http://schemas.microsoft.com/office/powerpoint/2010/main" val="3559572917"/>
+        <p14:creationId xmlns:p14="http://schemas.microsoft.com/office/powerpoint/2010/main" val="838394650"/>
       </p:ext>
     </p:extLst>
   </p:cSld>
@@ -15705,6 +16121,372 @@
 </file>
 
 <file path=ppt/slides/slide14.xml><?xml version="1.0" encoding="utf-8"?>
+<p:sld xmlns:a="http://schemas.openxmlformats.org/drawingml/2006/main" xmlns:r="http://schemas.openxmlformats.org/officeDocument/2006/relationships" xmlns:p="http://schemas.openxmlformats.org/presentationml/2006/main">
+  <p:cSld>
+    <p:spTree>
+      <p:nvGrpSpPr>
+        <p:cNvPr id="1" name=""/>
+        <p:cNvGrpSpPr/>
+        <p:nvPr/>
+      </p:nvGrpSpPr>
+      <p:grpSpPr>
+        <a:xfrm>
+          <a:off x="0" y="0"/>
+          <a:ext cx="0" cy="0"/>
+          <a:chOff x="0" y="0"/>
+          <a:chExt cx="0" cy="0"/>
+        </a:xfrm>
+      </p:grpSpPr>
+      <p:sp>
+        <p:nvSpPr>
+          <p:cNvPr id="2" name="TextBox 1"/>
+          <p:cNvSpPr txBox="1"/>
+          <p:nvPr/>
+        </p:nvSpPr>
+        <p:spPr>
+          <a:xfrm>
+            <a:off x="683568" y="1051677"/>
+            <a:ext cx="2052165" cy="369332"/>
+          </a:xfrm>
+          <a:prstGeom prst="rect">
+            <a:avLst/>
+          </a:prstGeom>
+          <a:noFill/>
+        </p:spPr>
+        <p:txBody>
+          <a:bodyPr wrap="none" rtlCol="0">
+            <a:spAutoFit/>
+          </a:bodyPr>
+          <a:lstStyle/>
+          <a:p>
+            <a:r>
+              <a:rPr lang="en-US" dirty="0" smtClean="0"/>
+              <a:t>Exception handling</a:t>
+            </a:r>
+            <a:endParaRPr lang="ru-RU" dirty="0"/>
+          </a:p>
+        </p:txBody>
+      </p:sp>
+      <p:sp>
+        <p:nvSpPr>
+          <p:cNvPr id="3" name="TextBox 2"/>
+          <p:cNvSpPr txBox="1"/>
+          <p:nvPr/>
+        </p:nvSpPr>
+        <p:spPr>
+          <a:xfrm>
+            <a:off x="827584" y="1772816"/>
+            <a:ext cx="1423788" cy="2308324"/>
+          </a:xfrm>
+          <a:prstGeom prst="rect">
+            <a:avLst/>
+          </a:prstGeom>
+          <a:noFill/>
+        </p:spPr>
+        <p:txBody>
+          <a:bodyPr wrap="none" rtlCol="0">
+            <a:spAutoFit/>
+          </a:bodyPr>
+          <a:lstStyle/>
+          <a:p>
+            <a:r>
+              <a:rPr lang="en-US" dirty="0" smtClean="0"/>
+              <a:t>Using Try:</a:t>
+            </a:r>
+          </a:p>
+          <a:p>
+            <a:endParaRPr lang="en-US" dirty="0" smtClean="0"/>
+          </a:p>
+          <a:p>
+            <a:endParaRPr lang="en-US" dirty="0"/>
+          </a:p>
+          <a:p>
+            <a:endParaRPr lang="en-US" dirty="0" smtClean="0"/>
+          </a:p>
+          <a:p>
+            <a:endParaRPr lang="en-US" dirty="0"/>
+          </a:p>
+          <a:p>
+            <a:endParaRPr lang="en-US" dirty="0" smtClean="0"/>
+          </a:p>
+          <a:p>
+            <a:endParaRPr lang="en-US" dirty="0"/>
+          </a:p>
+          <a:p>
+            <a:r>
+              <a:rPr lang="en-US" dirty="0" smtClean="0"/>
+              <a:t>Using Either:</a:t>
+            </a:r>
+            <a:endParaRPr lang="ru-RU" dirty="0"/>
+          </a:p>
+        </p:txBody>
+      </p:sp>
+      <p:pic>
+        <p:nvPicPr>
+          <p:cNvPr id="2050" name="Picture 2"/>
+          <p:cNvPicPr>
+            <a:picLocks noChangeAspect="1" noChangeArrowheads="1"/>
+          </p:cNvPicPr>
+          <p:nvPr/>
+        </p:nvPicPr>
+        <p:blipFill>
+          <a:blip r:embed="rId2">
+            <a:extLst>
+              <a:ext uri="{28A0092B-C50C-407E-A947-70E740481C1C}">
+                <a14:useLocalDpi xmlns:a14="http://schemas.microsoft.com/office/drawing/2010/main" val="0"/>
+              </a:ext>
+            </a:extLst>
+          </a:blip>
+          <a:srcRect/>
+          <a:stretch>
+            <a:fillRect/>
+          </a:stretch>
+        </p:blipFill>
+        <p:spPr bwMode="auto">
+          <a:xfrm>
+            <a:off x="827584" y="2204864"/>
+            <a:ext cx="5586482" cy="1440160"/>
+          </a:xfrm>
+          <a:prstGeom prst="rect">
+            <a:avLst/>
+          </a:prstGeom>
+          <a:noFill/>
+          <a:ln>
+            <a:noFill/>
+          </a:ln>
+          <a:effectLst/>
+          <a:extLst>
+            <a:ext uri="{909E8E84-426E-40DD-AFC4-6F175D3DCCD1}">
+              <a14:hiddenFill xmlns:a14="http://schemas.microsoft.com/office/drawing/2010/main">
+                <a:solidFill>
+                  <a:schemeClr val="accent1"/>
+                </a:solidFill>
+              </a14:hiddenFill>
+            </a:ext>
+            <a:ext uri="{91240B29-F687-4F45-9708-019B960494DF}">
+              <a14:hiddenLine xmlns:a14="http://schemas.microsoft.com/office/drawing/2010/main" w="9525">
+                <a:solidFill>
+                  <a:schemeClr val="tx1"/>
+                </a:solidFill>
+                <a:miter lim="800000"/>
+                <a:headEnd/>
+                <a:tailEnd/>
+              </a14:hiddenLine>
+            </a:ext>
+            <a:ext uri="{AF507438-7753-43E0-B8FC-AC1667EBCBE1}">
+              <a14:hiddenEffects xmlns:a14="http://schemas.microsoft.com/office/drawing/2010/main">
+                <a:effectLst>
+                  <a:outerShdw dist="35921" dir="2700000" algn="ctr" rotWithShape="0">
+                    <a:schemeClr val="bg2"/>
+                  </a:outerShdw>
+                </a:effectLst>
+              </a14:hiddenEffects>
+            </a:ext>
+          </a:extLst>
+        </p:spPr>
+      </p:pic>
+      <p:pic>
+        <p:nvPicPr>
+          <p:cNvPr id="2051" name="Picture 3"/>
+          <p:cNvPicPr>
+            <a:picLocks noChangeAspect="1" noChangeArrowheads="1"/>
+          </p:cNvPicPr>
+          <p:nvPr/>
+        </p:nvPicPr>
+        <p:blipFill>
+          <a:blip r:embed="rId3">
+            <a:extLst>
+              <a:ext uri="{28A0092B-C50C-407E-A947-70E740481C1C}">
+                <a14:useLocalDpi xmlns:a14="http://schemas.microsoft.com/office/drawing/2010/main" val="0"/>
+              </a:ext>
+            </a:extLst>
+          </a:blip>
+          <a:srcRect/>
+          <a:stretch>
+            <a:fillRect/>
+          </a:stretch>
+        </p:blipFill>
+        <p:spPr bwMode="auto">
+          <a:xfrm>
+            <a:off x="800736" y="4221088"/>
+            <a:ext cx="6990173" cy="1507827"/>
+          </a:xfrm>
+          <a:prstGeom prst="rect">
+            <a:avLst/>
+          </a:prstGeom>
+          <a:noFill/>
+          <a:ln>
+            <a:noFill/>
+          </a:ln>
+          <a:effectLst/>
+          <a:extLst>
+            <a:ext uri="{909E8E84-426E-40DD-AFC4-6F175D3DCCD1}">
+              <a14:hiddenFill xmlns:a14="http://schemas.microsoft.com/office/drawing/2010/main">
+                <a:solidFill>
+                  <a:schemeClr val="accent1"/>
+                </a:solidFill>
+              </a14:hiddenFill>
+            </a:ext>
+            <a:ext uri="{91240B29-F687-4F45-9708-019B960494DF}">
+              <a14:hiddenLine xmlns:a14="http://schemas.microsoft.com/office/drawing/2010/main" w="9525">
+                <a:solidFill>
+                  <a:schemeClr val="tx1"/>
+                </a:solidFill>
+                <a:miter lim="800000"/>
+                <a:headEnd/>
+                <a:tailEnd/>
+              </a14:hiddenLine>
+            </a:ext>
+            <a:ext uri="{AF507438-7753-43E0-B8FC-AC1667EBCBE1}">
+              <a14:hiddenEffects xmlns:a14="http://schemas.microsoft.com/office/drawing/2010/main">
+                <a:effectLst>
+                  <a:outerShdw dist="35921" dir="2700000" algn="ctr" rotWithShape="0">
+                    <a:schemeClr val="bg2"/>
+                  </a:outerShdw>
+                </a:effectLst>
+              </a14:hiddenEffects>
+            </a:ext>
+          </a:extLst>
+        </p:spPr>
+      </p:pic>
+    </p:spTree>
+    <p:extLst>
+      <p:ext uri="{BB962C8B-B14F-4D97-AF65-F5344CB8AC3E}">
+        <p14:creationId xmlns:p14="http://schemas.microsoft.com/office/powerpoint/2010/main" val="1400119497"/>
+      </p:ext>
+    </p:extLst>
+  </p:cSld>
+  <p:clrMapOvr>
+    <a:masterClrMapping/>
+  </p:clrMapOvr>
+</p:sld>
+</file>
+
+<file path=ppt/slides/slide15.xml><?xml version="1.0" encoding="utf-8"?>
+<p:sld xmlns:a="http://schemas.openxmlformats.org/drawingml/2006/main" xmlns:r="http://schemas.openxmlformats.org/officeDocument/2006/relationships" xmlns:p="http://schemas.openxmlformats.org/presentationml/2006/main">
+  <p:cSld>
+    <p:spTree>
+      <p:nvGrpSpPr>
+        <p:cNvPr id="1" name=""/>
+        <p:cNvGrpSpPr/>
+        <p:nvPr/>
+      </p:nvGrpSpPr>
+      <p:grpSpPr>
+        <a:xfrm>
+          <a:off x="0" y="0"/>
+          <a:ext cx="0" cy="0"/>
+          <a:chOff x="0" y="0"/>
+          <a:chExt cx="0" cy="0"/>
+        </a:xfrm>
+      </p:grpSpPr>
+      <p:sp>
+        <p:nvSpPr>
+          <p:cNvPr id="2" name="TextBox 1"/>
+          <p:cNvSpPr txBox="1"/>
+          <p:nvPr/>
+        </p:nvSpPr>
+        <p:spPr>
+          <a:xfrm>
+            <a:off x="559351" y="1052736"/>
+            <a:ext cx="2441694" cy="461665"/>
+          </a:xfrm>
+          <a:prstGeom prst="rect">
+            <a:avLst/>
+          </a:prstGeom>
+          <a:noFill/>
+        </p:spPr>
+        <p:txBody>
+          <a:bodyPr wrap="none" rtlCol="0">
+            <a:spAutoFit/>
+          </a:bodyPr>
+          <a:lstStyle/>
+          <a:p>
+            <a:r>
+              <a:rPr lang="en-US" sz="2400" dirty="0" smtClean="0"/>
+              <a:t>Input and Output</a:t>
+            </a:r>
+            <a:endParaRPr lang="ru-RU" sz="2400" dirty="0"/>
+          </a:p>
+        </p:txBody>
+      </p:sp>
+      <p:pic>
+        <p:nvPicPr>
+          <p:cNvPr id="3074" name="Picture 2"/>
+          <p:cNvPicPr>
+            <a:picLocks noChangeAspect="1" noChangeArrowheads="1"/>
+          </p:cNvPicPr>
+          <p:nvPr/>
+        </p:nvPicPr>
+        <p:blipFill>
+          <a:blip r:embed="rId2">
+            <a:extLst>
+              <a:ext uri="{28A0092B-C50C-407E-A947-70E740481C1C}">
+                <a14:useLocalDpi xmlns:a14="http://schemas.microsoft.com/office/drawing/2010/main" val="0"/>
+              </a:ext>
+            </a:extLst>
+          </a:blip>
+          <a:srcRect/>
+          <a:stretch>
+            <a:fillRect/>
+          </a:stretch>
+        </p:blipFill>
+        <p:spPr bwMode="auto">
+          <a:xfrm>
+            <a:off x="611560" y="1583304"/>
+            <a:ext cx="6984776" cy="4618598"/>
+          </a:xfrm>
+          <a:prstGeom prst="rect">
+            <a:avLst/>
+          </a:prstGeom>
+          <a:noFill/>
+          <a:ln>
+            <a:noFill/>
+          </a:ln>
+          <a:effectLst/>
+          <a:extLst>
+            <a:ext uri="{909E8E84-426E-40DD-AFC4-6F175D3DCCD1}">
+              <a14:hiddenFill xmlns:a14="http://schemas.microsoft.com/office/drawing/2010/main">
+                <a:solidFill>
+                  <a:schemeClr val="accent1"/>
+                </a:solidFill>
+              </a14:hiddenFill>
+            </a:ext>
+            <a:ext uri="{91240B29-F687-4F45-9708-019B960494DF}">
+              <a14:hiddenLine xmlns:a14="http://schemas.microsoft.com/office/drawing/2010/main" w="9525">
+                <a:solidFill>
+                  <a:schemeClr val="tx1"/>
+                </a:solidFill>
+                <a:miter lim="800000"/>
+                <a:headEnd/>
+                <a:tailEnd/>
+              </a14:hiddenLine>
+            </a:ext>
+            <a:ext uri="{AF507438-7753-43E0-B8FC-AC1667EBCBE1}">
+              <a14:hiddenEffects xmlns:a14="http://schemas.microsoft.com/office/drawing/2010/main">
+                <a:effectLst>
+                  <a:outerShdw dist="35921" dir="2700000" algn="ctr" rotWithShape="0">
+                    <a:schemeClr val="bg2"/>
+                  </a:outerShdw>
+                </a:effectLst>
+              </a14:hiddenEffects>
+            </a:ext>
+          </a:extLst>
+        </p:spPr>
+      </p:pic>
+    </p:spTree>
+    <p:extLst>
+      <p:ext uri="{BB962C8B-B14F-4D97-AF65-F5344CB8AC3E}">
+        <p14:creationId xmlns:p14="http://schemas.microsoft.com/office/powerpoint/2010/main" val="1415715513"/>
+      </p:ext>
+    </p:extLst>
+  </p:cSld>
+  <p:clrMapOvr>
+    <a:masterClrMapping/>
+  </p:clrMapOvr>
+</p:sld>
+</file>
+
+<file path=ppt/slides/slide16.xml><?xml version="1.0" encoding="utf-8"?>
 <p:sld xmlns:a="http://schemas.openxmlformats.org/drawingml/2006/main" xmlns:r="http://schemas.openxmlformats.org/officeDocument/2006/relationships" xmlns:p="http://schemas.openxmlformats.org/presentationml/2006/main">
   <p:cSld>
     <p:spTree>
@@ -15848,7 +16630,7 @@
 </p:sld>
 </file>
 
-<file path=ppt/slides/slide15.xml><?xml version="1.0" encoding="utf-8"?>
+<file path=ppt/slides/slide17.xml><?xml version="1.0" encoding="utf-8"?>
 <p:sld xmlns:a="http://schemas.openxmlformats.org/drawingml/2006/main" xmlns:r="http://schemas.openxmlformats.org/officeDocument/2006/relationships" xmlns:p="http://schemas.openxmlformats.org/presentationml/2006/main">
   <p:cSld>
     <p:spTree>
@@ -15935,7 +16717,7 @@
         </p:blipFill>
         <p:spPr>
           <a:xfrm>
-            <a:off x="251520" y="3356991"/>
+            <a:off x="467544" y="3210112"/>
             <a:ext cx="8064896" cy="3055949"/>
           </a:xfrm>
           <a:prstGeom prst="rect">
@@ -15956,7 +16738,7 @@
 </p:sld>
 </file>
 
-<file path=ppt/slides/slide16.xml><?xml version="1.0" encoding="utf-8"?>
+<file path=ppt/slides/slide18.xml><?xml version="1.0" encoding="utf-8"?>
 <p:sld xmlns:a="http://schemas.openxmlformats.org/drawingml/2006/main" xmlns:r="http://schemas.openxmlformats.org/officeDocument/2006/relationships" xmlns:p="http://schemas.openxmlformats.org/presentationml/2006/main">
   <p:cSld>
     <p:spTree>
@@ -16111,7 +16893,7 @@
 </p:sld>
 </file>
 
-<file path=ppt/slides/slide17.xml><?xml version="1.0" encoding="utf-8"?>
+<file path=ppt/slides/slide19.xml><?xml version="1.0" encoding="utf-8"?>
 <p:sld xmlns:a="http://schemas.openxmlformats.org/drawingml/2006/main" xmlns:r="http://schemas.openxmlformats.org/officeDocument/2006/relationships" xmlns:p="http://schemas.openxmlformats.org/presentationml/2006/main">
   <p:cSld>
     <p:spTree>
@@ -16164,7 +16946,7 @@
           <a:p>
             <a:r>
               <a:rPr lang="en-US" dirty="0" smtClean="0"/>
-              <a:t>that handle the logic due to rules that look like this:</a:t>
+              <a:t>that handles the logic due to rules that look like this:</a:t>
             </a:r>
           </a:p>
           <a:p>
@@ -16245,7 +17027,109 @@
 </p:sld>
 </file>
 
-<file path=ppt/slides/slide18.xml><?xml version="1.0" encoding="utf-8"?>
+<file path=ppt/slides/slide2.xml><?xml version="1.0" encoding="utf-8"?>
+<p:sld xmlns:a="http://schemas.openxmlformats.org/drawingml/2006/main" xmlns:r="http://schemas.openxmlformats.org/officeDocument/2006/relationships" xmlns:p="http://schemas.openxmlformats.org/presentationml/2006/main">
+  <p:cSld>
+    <p:spTree>
+      <p:nvGrpSpPr>
+        <p:cNvPr id="1" name=""/>
+        <p:cNvGrpSpPr/>
+        <p:nvPr/>
+      </p:nvGrpSpPr>
+      <p:grpSpPr>
+        <a:xfrm>
+          <a:off x="0" y="0"/>
+          <a:ext cx="0" cy="0"/>
+          <a:chOff x="0" y="0"/>
+          <a:chExt cx="0" cy="0"/>
+        </a:xfrm>
+      </p:grpSpPr>
+      <p:sp>
+        <p:nvSpPr>
+          <p:cNvPr id="4" name="TextBox 3"/>
+          <p:cNvSpPr txBox="1"/>
+          <p:nvPr/>
+        </p:nvSpPr>
+        <p:spPr>
+          <a:xfrm>
+            <a:off x="467544" y="764704"/>
+            <a:ext cx="4248472" cy="3077766"/>
+          </a:xfrm>
+          <a:prstGeom prst="rect">
+            <a:avLst/>
+          </a:prstGeom>
+          <a:noFill/>
+        </p:spPr>
+        <p:txBody>
+          <a:bodyPr wrap="square" rtlCol="0">
+            <a:spAutoFit/>
+          </a:bodyPr>
+          <a:lstStyle/>
+          <a:p>
+            <a:r>
+              <a:rPr lang="en-US" sz="4400" b="1" dirty="0" smtClean="0">
+                <a:solidFill>
+                  <a:schemeClr val="bg1"/>
+                </a:solidFill>
+              </a:rPr>
+              <a:t>Summary</a:t>
+            </a:r>
+          </a:p>
+          <a:p>
+            <a:endParaRPr lang="en-US" dirty="0" smtClean="0"/>
+          </a:p>
+          <a:p>
+            <a:endParaRPr lang="en-US" dirty="0"/>
+          </a:p>
+          <a:p>
+            <a:endParaRPr lang="en-US" dirty="0"/>
+          </a:p>
+          <a:p>
+            <a:pPr marL="285750" indent="-285750">
+              <a:buFont typeface="Arial" pitchFamily="34" charset="0"/>
+              <a:buChar char="•"/>
+            </a:pPr>
+            <a:r>
+              <a:rPr lang="en-US" sz="3200" dirty="0" smtClean="0"/>
+              <a:t>Goals and overview</a:t>
+            </a:r>
+          </a:p>
+          <a:p>
+            <a:pPr marL="285750" indent="-285750">
+              <a:buFont typeface="Arial" pitchFamily="34" charset="0"/>
+              <a:buChar char="•"/>
+            </a:pPr>
+            <a:r>
+              <a:rPr lang="en-US" sz="3200" dirty="0" smtClean="0"/>
+              <a:t>Features and patterns</a:t>
+            </a:r>
+          </a:p>
+          <a:p>
+            <a:pPr marL="285750" indent="-285750">
+              <a:buFont typeface="Arial" pitchFamily="34" charset="0"/>
+              <a:buChar char="•"/>
+            </a:pPr>
+            <a:r>
+              <a:rPr lang="en-US" sz="3200" dirty="0" smtClean="0"/>
+              <a:t>Code snippets</a:t>
+            </a:r>
+          </a:p>
+        </p:txBody>
+      </p:sp>
+    </p:spTree>
+    <p:extLst>
+      <p:ext uri="{BB962C8B-B14F-4D97-AF65-F5344CB8AC3E}">
+        <p14:creationId xmlns:p14="http://schemas.microsoft.com/office/powerpoint/2010/main" val="197664691"/>
+      </p:ext>
+    </p:extLst>
+  </p:cSld>
+  <p:clrMapOvr>
+    <a:masterClrMapping/>
+  </p:clrMapOvr>
+</p:sld>
+</file>
+
+<file path=ppt/slides/slide20.xml><?xml version="1.0" encoding="utf-8"?>
 <p:sld xmlns:a="http://schemas.openxmlformats.org/drawingml/2006/main" xmlns:r="http://schemas.openxmlformats.org/officeDocument/2006/relationships" xmlns:p="http://schemas.openxmlformats.org/presentationml/2006/main">
   <p:cSld>
     <p:spTree>
@@ -16278,7 +17162,7 @@
         </p:blipFill>
         <p:spPr>
           <a:xfrm>
-            <a:off x="467544" y="1236374"/>
+            <a:off x="473884" y="908720"/>
             <a:ext cx="12598255" cy="5589240"/>
           </a:xfrm>
           <a:prstGeom prst="rect">
@@ -16296,10 +17180,17 @@
   <p:clrMapOvr>
     <a:masterClrMapping/>
   </p:clrMapOvr>
+  <p:timing>
+    <p:tnLst>
+      <p:par>
+        <p:cTn id="1" dur="indefinite" restart="never" nodeType="tmRoot"/>
+      </p:par>
+    </p:tnLst>
+  </p:timing>
 </p:sld>
 </file>
 
-<file path=ppt/slides/slide2.xml><?xml version="1.0" encoding="utf-8"?>
+<file path=ppt/slides/slide21.xml><?xml version="1.0" encoding="utf-8"?>
 <p:sld xmlns:a="http://schemas.openxmlformats.org/drawingml/2006/main" xmlns:r="http://schemas.openxmlformats.org/officeDocument/2006/relationships" xmlns:p="http://schemas.openxmlformats.org/presentationml/2006/main">
   <p:cSld>
     <p:spTree>
@@ -16318,14 +17209,14 @@
       </p:grpSpPr>
       <p:sp>
         <p:nvSpPr>
-          <p:cNvPr id="4" name="TextBox 3"/>
+          <p:cNvPr id="2" name="TextBox 1"/>
           <p:cNvSpPr txBox="1"/>
           <p:nvPr/>
         </p:nvSpPr>
         <p:spPr>
           <a:xfrm>
-            <a:off x="467544" y="764704"/>
-            <a:ext cx="4248472" cy="3570208"/>
+            <a:off x="471270" y="1124744"/>
+            <a:ext cx="1672253" cy="461665"/>
           </a:xfrm>
           <a:prstGeom prst="rect">
             <a:avLst/>
@@ -16333,81 +17224,171 @@
           <a:noFill/>
         </p:spPr>
         <p:txBody>
-          <a:bodyPr wrap="square" rtlCol="0">
+          <a:bodyPr wrap="none" rtlCol="0">
             <a:spAutoFit/>
           </a:bodyPr>
           <a:lstStyle/>
           <a:p>
             <a:r>
-              <a:rPr lang="en-US" sz="4400" b="1" dirty="0" smtClean="0">
-                <a:solidFill>
-                  <a:schemeClr val="bg1"/>
-                </a:solidFill>
+              <a:rPr lang="en-US" sz="2400" dirty="0" smtClean="0"/>
+              <a:t>Useful links</a:t>
+            </a:r>
+            <a:endParaRPr lang="ru-RU" sz="2400" dirty="0"/>
+          </a:p>
+        </p:txBody>
+      </p:sp>
+      <p:sp>
+        <p:nvSpPr>
+          <p:cNvPr id="4" name="TextBox 3"/>
+          <p:cNvSpPr txBox="1"/>
+          <p:nvPr/>
+        </p:nvSpPr>
+        <p:spPr>
+          <a:xfrm>
+            <a:off x="471269" y="1587890"/>
+            <a:ext cx="8369599" cy="1754326"/>
+          </a:xfrm>
+          <a:prstGeom prst="rect">
+            <a:avLst/>
+          </a:prstGeom>
+          <a:noFill/>
+        </p:spPr>
+        <p:txBody>
+          <a:bodyPr wrap="none" rtlCol="0">
+            <a:spAutoFit/>
+          </a:bodyPr>
+          <a:lstStyle/>
+          <a:p>
+            <a:r>
+              <a:rPr lang="en-US" dirty="0" smtClean="0">
+                <a:hlinkClick r:id="rId2"/>
               </a:rPr>
-              <a:t>Summary</a:t>
+              <a:t>http://danielwestheide.com/scala/neophytes.html</a:t>
             </a:r>
-          </a:p>
-          <a:p>
+            <a:endParaRPr lang="en-US" dirty="0" smtClean="0">
+              <a:hlinkClick r:id="rId2"/>
+            </a:endParaRPr>
+          </a:p>
+          <a:p>
+            <a:r>
+              <a:rPr lang="en-US" dirty="0" smtClean="0">
+                <a:hlinkClick r:id="rId2"/>
+              </a:rPr>
+              <a:t>http</a:t>
+            </a:r>
+            <a:r>
+              <a:rPr lang="en-US" dirty="0" smtClean="0">
+                <a:hlinkClick r:id="rId2"/>
+              </a:rPr>
+              <a:t>://</a:t>
+            </a:r>
+            <a:r>
+              <a:rPr lang="en-US" dirty="0" smtClean="0">
+                <a:hlinkClick r:id="rId2"/>
+              </a:rPr>
+              <a:t>twitter.github.io/scala_school/index.html</a:t>
+            </a:r>
             <a:endParaRPr lang="en-US" dirty="0" smtClean="0"/>
           </a:p>
           <a:p>
+            <a:r>
+              <a:rPr lang="en-US" dirty="0" smtClean="0">
+                <a:hlinkClick r:id="rId3"/>
+              </a:rPr>
+              <a:t>http://twitter.github.io/effectivescala/index.html</a:t>
+            </a:r>
+            <a:endParaRPr lang="en-US" dirty="0" smtClean="0"/>
+          </a:p>
+          <a:p>
+            <a:r>
+              <a:rPr lang="en-US" dirty="0" smtClean="0">
+                <a:hlinkClick r:id="rId4"/>
+              </a:rPr>
+              <a:t>http://eed3si9n.com/learning-scalaz</a:t>
+            </a:r>
+            <a:r>
+              <a:rPr lang="en-US" dirty="0" smtClean="0">
+                <a:hlinkClick r:id="rId4"/>
+              </a:rPr>
+              <a:t>/</a:t>
+            </a:r>
             <a:endParaRPr lang="en-US" dirty="0"/>
           </a:p>
           <a:p>
+            <a:r>
+              <a:rPr lang="en-US" dirty="0" smtClean="0">
+                <a:hlinkClick r:id="rId5"/>
+              </a:rPr>
+              <a:t>http://adit.io/posts/2013-04-17-functors,_applicatives,_and_monads_in_pictures.html</a:t>
+            </a:r>
+            <a:endParaRPr lang="en-US" dirty="0" smtClean="0"/>
+          </a:p>
+          <a:p>
+            <a:r>
+              <a:rPr lang="en-US" dirty="0" smtClean="0">
+                <a:hlinkClick r:id="rId6"/>
+              </a:rPr>
+              <a:t>http://iloveponies.github.io/120-hour-epic-sax-marathon/index.html</a:t>
+            </a:r>
+            <a:endParaRPr lang="ru-RU" dirty="0"/>
+          </a:p>
+        </p:txBody>
+      </p:sp>
+      <p:sp>
+        <p:nvSpPr>
+          <p:cNvPr id="3" name="TextBox 2"/>
+          <p:cNvSpPr txBox="1"/>
+          <p:nvPr/>
+        </p:nvSpPr>
+        <p:spPr>
+          <a:xfrm>
+            <a:off x="471270" y="3711728"/>
+            <a:ext cx="7241085" cy="738664"/>
+          </a:xfrm>
+          <a:prstGeom prst="rect">
+            <a:avLst/>
+          </a:prstGeom>
+          <a:noFill/>
+        </p:spPr>
+        <p:txBody>
+          <a:bodyPr wrap="none" rtlCol="0">
+            <a:spAutoFit/>
+          </a:bodyPr>
+          <a:lstStyle/>
+          <a:p>
+            <a:r>
+              <a:rPr lang="en-US" sz="2400" dirty="0" smtClean="0"/>
+              <a:t>Related literature:</a:t>
+            </a:r>
+          </a:p>
+          <a:p>
+            <a:r>
+              <a:rPr lang="en-US" dirty="0" smtClean="0">
+                <a:hlinkClick r:id="rId7"/>
+              </a:rPr>
+              <a:t>https://drive.google.com/open?id=0B2Re1JYCm9aNM2hzTU1QWGVLNms</a:t>
+            </a:r>
             <a:endParaRPr lang="en-US" dirty="0"/>
-          </a:p>
-          <a:p>
-            <a:pPr marL="285750" indent="-285750">
-              <a:buFont typeface="Arial" pitchFamily="34" charset="0"/>
-              <a:buChar char="•"/>
-            </a:pPr>
-            <a:r>
-              <a:rPr lang="en-US" sz="3200" dirty="0" smtClean="0"/>
-              <a:t>Goals and overview</a:t>
-            </a:r>
-          </a:p>
-          <a:p>
-            <a:pPr marL="285750" indent="-285750">
-              <a:buFont typeface="Arial" pitchFamily="34" charset="0"/>
-              <a:buChar char="•"/>
-            </a:pPr>
-            <a:r>
-              <a:rPr lang="en-US" sz="3200" dirty="0" smtClean="0"/>
-              <a:t>Features and patterns</a:t>
-            </a:r>
-          </a:p>
-          <a:p>
-            <a:pPr marL="285750" indent="-285750">
-              <a:buFont typeface="Arial" pitchFamily="34" charset="0"/>
-              <a:buChar char="•"/>
-            </a:pPr>
-            <a:r>
-              <a:rPr lang="en-US" sz="3200" dirty="0" smtClean="0"/>
-              <a:t>Code snippets</a:t>
-            </a:r>
-          </a:p>
-          <a:p>
-            <a:pPr marL="285750" indent="-285750">
-              <a:buFont typeface="Arial" pitchFamily="34" charset="0"/>
-              <a:buChar char="•"/>
-            </a:pPr>
-            <a:r>
-              <a:rPr lang="en-US" sz="3200" dirty="0" smtClean="0"/>
-              <a:t>FP in production</a:t>
-            </a:r>
           </a:p>
         </p:txBody>
       </p:sp>
     </p:spTree>
     <p:extLst>
       <p:ext uri="{BB962C8B-B14F-4D97-AF65-F5344CB8AC3E}">
-        <p14:creationId xmlns:p14="http://schemas.microsoft.com/office/powerpoint/2010/main" val="197664691"/>
+        <p14:creationId xmlns:p14="http://schemas.microsoft.com/office/powerpoint/2010/main" val="1731159474"/>
       </p:ext>
     </p:extLst>
   </p:cSld>
   <p:clrMapOvr>
     <a:masterClrMapping/>
   </p:clrMapOvr>
+  <p:timing>
+    <p:tnLst>
+      <p:par>
+        <p:cTn id="1" dur="indefinite" restart="never" nodeType="tmRoot"/>
+      </p:par>
+    </p:tnLst>
+  </p:timing>
 </p:sld>
 </file>
 
@@ -16882,11 +17863,6 @@
               <a:rPr lang="en-US" sz="3200" dirty="0" smtClean="0"/>
               <a:t>Pure function</a:t>
             </a:r>
-          </a:p>
-          <a:p>
-            <a:pPr marL="0" indent="0">
-              <a:buNone/>
-            </a:pPr>
             <a:endParaRPr lang="en-US" dirty="0" smtClean="0"/>
           </a:p>
           <a:p>
@@ -16976,7 +17952,7 @@
         </p:blipFill>
         <p:spPr>
           <a:xfrm>
-            <a:off x="1012315" y="3969687"/>
+            <a:off x="1012315" y="3717032"/>
             <a:ext cx="6915150" cy="2600325"/>
           </a:xfrm>
           <a:prstGeom prst="rect">
@@ -17268,7 +18244,7 @@
         </p:blipFill>
         <p:spPr>
           <a:xfrm>
-            <a:off x="467544" y="1861740"/>
+            <a:off x="467544" y="1711899"/>
             <a:ext cx="8430276" cy="1887736"/>
           </a:xfrm>
           <a:prstGeom prst="rect">
@@ -17292,7 +18268,7 @@
         </p:blipFill>
         <p:spPr>
           <a:xfrm>
-            <a:off x="453379" y="3897638"/>
+            <a:off x="453379" y="3789040"/>
             <a:ext cx="8583117" cy="2174088"/>
           </a:xfrm>
           <a:prstGeom prst="rect">
@@ -17882,7 +18858,7 @@
     </a:clrScheme>
     <a:fontScheme name="Office">
       <a:majorFont>
-        <a:latin typeface="Calibri Light" panose="020F0302020204030204"/>
+        <a:latin typeface="Calibri Light"/>
         <a:ea typeface=""/>
         <a:cs typeface=""/>
         <a:font script="Jpan" typeface="ＭＳ Ｐゴシック"/>
@@ -17917,7 +18893,7 @@
         <a:font script="Geor" typeface="Sylfaen"/>
       </a:majorFont>
       <a:minorFont>
-        <a:latin typeface="Calibri" panose="020F0502020204030204"/>
+        <a:latin typeface="Calibri"/>
         <a:ea typeface=""/>
         <a:cs typeface=""/>
         <a:font script="Jpan" typeface="ＭＳ Ｐゴシック"/>
@@ -18094,7 +19070,7 @@
   <a:extraClrSchemeLst/>
   <a:extLst>
     <a:ext uri="{05A4C25C-085E-4340-85A3-A5531E510DB2}">
-      <thm15:themeFamily xmlns:thm15="http://schemas.microsoft.com/office/thememl/2012/main" name="Office Theme" id="{62F939B6-93AF-4DB8-9C6B-D6C7DFDC589F}" vid="{4A3C46E8-61CC-4603-A589-7422A47A8E4A}"/>
+      <thm15:themeFamily xmlns:thm15="http://schemas.microsoft.com/office/thememl/2012/main" xmlns="" name="Office Theme" id="{62F939B6-93AF-4DB8-9C6B-D6C7DFDC589F}" vid="{4A3C46E8-61CC-4603-A589-7422A47A8E4A}"/>
     </a:ext>
   </a:extLst>
 </a:theme>

--- a/FP.pptx
+++ b/FP.pptx
@@ -5,7 +5,7 @@
     <p:sldMasterId id="2147483660" r:id="rId1"/>
   </p:sldMasterIdLst>
   <p:notesMasterIdLst>
-    <p:notesMasterId r:id="rId23"/>
+    <p:notesMasterId r:id="rId24"/>
   </p:notesMasterIdLst>
   <p:sldIdLst>
     <p:sldId id="256" r:id="rId2"/>
@@ -15,22 +15,23 @@
     <p:sldId id="260" r:id="rId6"/>
     <p:sldId id="261" r:id="rId7"/>
     <p:sldId id="262" r:id="rId8"/>
-    <p:sldId id="263" r:id="rId9"/>
-    <p:sldId id="264" r:id="rId10"/>
-    <p:sldId id="265" r:id="rId11"/>
-    <p:sldId id="266" r:id="rId12"/>
-    <p:sldId id="267" r:id="rId13"/>
-    <p:sldId id="275" r:id="rId14"/>
-    <p:sldId id="274" r:id="rId15"/>
-    <p:sldId id="276" r:id="rId16"/>
-    <p:sldId id="269" r:id="rId17"/>
-    <p:sldId id="270" r:id="rId18"/>
-    <p:sldId id="271" r:id="rId19"/>
-    <p:sldId id="272" r:id="rId20"/>
-    <p:sldId id="273" r:id="rId21"/>
-    <p:sldId id="277" r:id="rId22"/>
+    <p:sldId id="278" r:id="rId9"/>
+    <p:sldId id="263" r:id="rId10"/>
+    <p:sldId id="264" r:id="rId11"/>
+    <p:sldId id="265" r:id="rId12"/>
+    <p:sldId id="266" r:id="rId13"/>
+    <p:sldId id="267" r:id="rId14"/>
+    <p:sldId id="275" r:id="rId15"/>
+    <p:sldId id="274" r:id="rId16"/>
+    <p:sldId id="276" r:id="rId17"/>
+    <p:sldId id="269" r:id="rId18"/>
+    <p:sldId id="270" r:id="rId19"/>
+    <p:sldId id="271" r:id="rId20"/>
+    <p:sldId id="272" r:id="rId21"/>
+    <p:sldId id="273" r:id="rId22"/>
+    <p:sldId id="277" r:id="rId23"/>
   </p:sldIdLst>
-  <p:sldSz cx="9144000" cy="6858000" type="screen4x3"/>
+  <p:sldSz cx="9144000" cy="5143500" type="screen16x9"/>
   <p:notesSz cx="6858000" cy="9144000"/>
   <p:defaultTextStyle>
     <a:defPPr>
@@ -129,7 +130,7 @@
   </p:defaultTextStyle>
   <p:extLst>
     <p:ext uri="{EFAFB233-063F-42B5-8137-9DF3F51BA10A}">
-      <p15:sldGuideLst xmlns:p15="http://schemas.microsoft.com/office/powerpoint/2012/main" xmlns="">
+      <p15:sldGuideLst xmlns="" xmlns:p15="http://schemas.microsoft.com/office/powerpoint/2012/main">
         <p15:guide id="1" orient="horz" pos="2160">
           <p15:clr>
             <a:srgbClr val="A4A3A4"/>
@@ -228,7 +229,7 @@
           <a:p>
             <a:fld id="{2B9F30B2-1395-4BE0-8133-102C004F9E2F}" type="datetimeFigureOut">
               <a:rPr lang="uk-UA" smtClean="0"/>
-              <a:t>15.01.2017</a:t>
+              <a:t>17.01.2017</a:t>
             </a:fld>
             <a:endParaRPr lang="uk-UA"/>
           </a:p>
@@ -246,8 +247,8 @@
         </p:nvSpPr>
         <p:spPr>
           <a:xfrm>
-            <a:off x="1371600" y="1143000"/>
-            <a:ext cx="4114800" cy="3086100"/>
+            <a:off x="685800" y="1143000"/>
+            <a:ext cx="5486400" cy="3086100"/>
           </a:xfrm>
           <a:prstGeom prst="rect">
             <a:avLst/>
@@ -515,6 +516,90 @@
       </p:grpSpPr>
       <p:sp>
         <p:nvSpPr>
+          <p:cNvPr id="2" name="Образ слайда 1"/>
+          <p:cNvSpPr>
+            <a:spLocks noGrp="1" noRot="1" noChangeAspect="1"/>
+          </p:cNvSpPr>
+          <p:nvPr>
+            <p:ph type="sldImg"/>
+          </p:nvPr>
+        </p:nvSpPr>
+        <p:spPr/>
+      </p:sp>
+      <p:sp>
+        <p:nvSpPr>
+          <p:cNvPr id="3" name="Заметки 2"/>
+          <p:cNvSpPr>
+            <a:spLocks noGrp="1"/>
+          </p:cNvSpPr>
+          <p:nvPr>
+            <p:ph type="body" idx="1"/>
+          </p:nvPr>
+        </p:nvSpPr>
+        <p:spPr/>
+        <p:txBody>
+          <a:bodyPr/>
+          <a:lstStyle/>
+          <a:p>
+            <a:endParaRPr lang="ru-RU" dirty="0"/>
+          </a:p>
+        </p:txBody>
+      </p:sp>
+      <p:sp>
+        <p:nvSpPr>
+          <p:cNvPr id="4" name="Номер слайда 3"/>
+          <p:cNvSpPr>
+            <a:spLocks noGrp="1"/>
+          </p:cNvSpPr>
+          <p:nvPr>
+            <p:ph type="sldNum" sz="quarter" idx="10"/>
+          </p:nvPr>
+        </p:nvSpPr>
+        <p:spPr/>
+        <p:txBody>
+          <a:bodyPr/>
+          <a:lstStyle/>
+          <a:p>
+            <a:fld id="{6A62D7F2-D497-4877-96DA-6639326F3746}" type="slidenum">
+              <a:rPr lang="uk-UA" smtClean="0"/>
+              <a:t>7</a:t>
+            </a:fld>
+            <a:endParaRPr lang="uk-UA"/>
+          </a:p>
+        </p:txBody>
+      </p:sp>
+    </p:spTree>
+    <p:extLst>
+      <p:ext uri="{BB962C8B-B14F-4D97-AF65-F5344CB8AC3E}">
+        <p14:creationId xmlns:p14="http://schemas.microsoft.com/office/powerpoint/2010/main" val="2903134522"/>
+      </p:ext>
+    </p:extLst>
+  </p:cSld>
+  <p:clrMapOvr>
+    <a:masterClrMapping/>
+  </p:clrMapOvr>
+</p:notes>
+</file>
+
+<file path=ppt/notesSlides/notesSlide2.xml><?xml version="1.0" encoding="utf-8"?>
+<p:notes xmlns:a="http://schemas.openxmlformats.org/drawingml/2006/main" xmlns:r="http://schemas.openxmlformats.org/officeDocument/2006/relationships" xmlns:p="http://schemas.openxmlformats.org/presentationml/2006/main">
+  <p:cSld>
+    <p:spTree>
+      <p:nvGrpSpPr>
+        <p:cNvPr id="1" name=""/>
+        <p:cNvGrpSpPr/>
+        <p:nvPr/>
+      </p:nvGrpSpPr>
+      <p:grpSpPr>
+        <a:xfrm>
+          <a:off x="0" y="0"/>
+          <a:ext cx="0" cy="0"/>
+          <a:chOff x="0" y="0"/>
+          <a:chExt cx="0" cy="0"/>
+        </a:xfrm>
+      </p:grpSpPr>
+      <p:sp>
+        <p:nvSpPr>
           <p:cNvPr id="2" name="Slide Image Placeholder 1"/>
           <p:cNvSpPr>
             <a:spLocks noGrp="1" noRot="1" noChangeAspect="1"/>
@@ -523,7 +608,12 @@
             <p:ph type="sldImg"/>
           </p:nvPr>
         </p:nvSpPr>
-        <p:spPr/>
+        <p:spPr>
+          <a:xfrm>
+            <a:off x="685800" y="1143000"/>
+            <a:ext cx="5486400" cy="3086100"/>
+          </a:xfrm>
+        </p:spPr>
       </p:sp>
       <p:sp>
         <p:nvSpPr>
@@ -561,7 +651,7 @@
           <a:p>
             <a:fld id="{6A62D7F2-D497-4877-96DA-6639326F3746}" type="slidenum">
               <a:rPr lang="uk-UA" smtClean="0"/>
-              <a:t>17</a:t>
+              <a:t>18</a:t>
             </a:fld>
             <a:endParaRPr lang="uk-UA"/>
           </a:p>
@@ -605,8 +695,8 @@
         </p:nvSpPr>
         <p:spPr>
           <a:xfrm>
-            <a:off x="228600" y="228600"/>
-            <a:ext cx="8695944" cy="6035040"/>
+            <a:off x="228600" y="171450"/>
+            <a:ext cx="8695944" cy="4526280"/>
           </a:xfrm>
           <a:prstGeom prst="roundRect">
             <a:avLst>
@@ -668,8 +758,8 @@
         </p:nvGrpSpPr>
         <p:grpSpPr bwMode="hidden">
           <a:xfrm>
-            <a:off x="211665" y="5353963"/>
-            <a:ext cx="8723376" cy="1331580"/>
+            <a:off x="211665" y="4015472"/>
+            <a:ext cx="8723376" cy="998685"/>
             <a:chOff x="-3905250" y="4294188"/>
             <a:chExt cx="13011150" cy="1892300"/>
           </a:xfrm>
@@ -2230,8 +2320,8 @@
         </p:nvSpPr>
         <p:spPr>
           <a:xfrm>
-            <a:off x="685800" y="1600200"/>
-            <a:ext cx="7772400" cy="1780108"/>
+            <a:off x="685800" y="1200150"/>
+            <a:ext cx="7772400" cy="1335081"/>
           </a:xfrm>
         </p:spPr>
         <p:txBody>
@@ -2268,8 +2358,8 @@
         </p:nvSpPr>
         <p:spPr>
           <a:xfrm>
-            <a:off x="1371600" y="3556001"/>
-            <a:ext cx="6400800" cy="1473200"/>
+            <a:off x="1371600" y="2667001"/>
+            <a:ext cx="6400800" cy="1104900"/>
           </a:xfrm>
         </p:spPr>
         <p:txBody>
@@ -2392,7 +2482,7 @@
           <a:p>
             <a:fld id="{B4C71EC6-210F-42DE-9C53-41977AD35B3D}" type="datetimeFigureOut">
               <a:rPr lang="ru-RU" smtClean="0"/>
-              <a:t>15.01.2017</a:t>
+              <a:t>17.01.2017</a:t>
             </a:fld>
             <a:endParaRPr lang="ru-RU"/>
           </a:p>
@@ -2573,7 +2663,7 @@
           <a:p>
             <a:fld id="{B4C71EC6-210F-42DE-9C53-41977AD35B3D}" type="datetimeFigureOut">
               <a:rPr lang="ru-RU" smtClean="0"/>
-              <a:t>15.01.2017</a:t>
+              <a:t>17.01.2017</a:t>
             </a:fld>
             <a:endParaRPr lang="ru-RU"/>
           </a:p>
@@ -2654,8 +2744,8 @@
         </p:nvSpPr>
         <p:spPr bwMode="hidden">
           <a:xfrm>
-            <a:off x="228600" y="228600"/>
-            <a:ext cx="8695944" cy="1426464"/>
+            <a:off x="228600" y="171450"/>
+            <a:ext cx="8695944" cy="1069848"/>
           </a:xfrm>
           <a:prstGeom prst="roundRect">
             <a:avLst>
@@ -2724,7 +2814,7 @@
           <a:p>
             <a:fld id="{B4C71EC6-210F-42DE-9C53-41977AD35B3D}" type="datetimeFigureOut">
               <a:rPr lang="ru-RU" smtClean="0"/>
-              <a:t>15.01.2017</a:t>
+              <a:t>17.01.2017</a:t>
             </a:fld>
             <a:endParaRPr lang="ru-RU"/>
           </a:p>
@@ -2782,8 +2872,8 @@
         </p:nvGrpSpPr>
         <p:grpSpPr bwMode="hidden">
           <a:xfrm>
-            <a:off x="211665" y="714191"/>
-            <a:ext cx="8723376" cy="1331580"/>
+            <a:off x="211665" y="535643"/>
+            <a:ext cx="8723376" cy="998685"/>
             <a:chOff x="-3905250" y="4294188"/>
             <a:chExt cx="13011150" cy="1892300"/>
           </a:xfrm>
@@ -4344,8 +4434,8 @@
         </p:nvSpPr>
         <p:spPr>
           <a:xfrm>
-            <a:off x="6629400" y="1447800"/>
-            <a:ext cx="2057400" cy="4487333"/>
+            <a:off x="6629400" y="1085850"/>
+            <a:ext cx="2057400" cy="3365500"/>
           </a:xfrm>
         </p:spPr>
         <p:txBody>
@@ -4380,8 +4470,8 @@
         </p:nvSpPr>
         <p:spPr>
           <a:xfrm>
-            <a:off x="457200" y="1447800"/>
-            <a:ext cx="6019800" cy="4487334"/>
+            <a:off x="457200" y="1085850"/>
+            <a:ext cx="6019800" cy="3365501"/>
           </a:xfrm>
         </p:spPr>
         <p:txBody>
@@ -4550,7 +4640,7 @@
           <a:p>
             <a:fld id="{B4C71EC6-210F-42DE-9C53-41977AD35B3D}" type="datetimeFigureOut">
               <a:rPr lang="ru-RU" smtClean="0"/>
-              <a:t>15.01.2017</a:t>
+              <a:t>17.01.2017</a:t>
             </a:fld>
             <a:endParaRPr lang="ru-RU"/>
           </a:p>
@@ -4654,8 +4744,8 @@
         </p:nvSpPr>
         <p:spPr>
           <a:xfrm>
-            <a:off x="228600" y="228600"/>
-            <a:ext cx="8695944" cy="4736592"/>
+            <a:off x="228600" y="171450"/>
+            <a:ext cx="8695944" cy="3552444"/>
           </a:xfrm>
           <a:prstGeom prst="roundRect">
             <a:avLst>
@@ -4717,8 +4807,8 @@
         </p:nvSpPr>
         <p:spPr bwMode="hidden">
           <a:xfrm>
-            <a:off x="6047438" y="4203592"/>
-            <a:ext cx="2876429" cy="714026"/>
+            <a:off x="6047439" y="3152694"/>
+            <a:ext cx="2876429" cy="535520"/>
           </a:xfrm>
           <a:custGeom>
             <a:avLst/>
@@ -5109,8 +5199,8 @@
         </p:nvSpPr>
         <p:spPr bwMode="hidden">
           <a:xfrm>
-            <a:off x="2619320" y="4075290"/>
-            <a:ext cx="5544515" cy="850138"/>
+            <a:off x="2619320" y="3056467"/>
+            <a:ext cx="5544515" cy="637604"/>
           </a:xfrm>
           <a:custGeom>
             <a:avLst/>
@@ -5486,8 +5576,8 @@
         </p:nvSpPr>
         <p:spPr bwMode="hidden">
           <a:xfrm>
-            <a:off x="2828728" y="4087562"/>
-            <a:ext cx="5467980" cy="774272"/>
+            <a:off x="2828728" y="3065672"/>
+            <a:ext cx="5467980" cy="580704"/>
           </a:xfrm>
           <a:custGeom>
             <a:avLst/>
@@ -5720,8 +5810,8 @@
         </p:nvSpPr>
         <p:spPr bwMode="hidden">
           <a:xfrm>
-            <a:off x="5609489" y="4074174"/>
-            <a:ext cx="3308000" cy="651549"/>
+            <a:off x="5609489" y="3055631"/>
+            <a:ext cx="3308000" cy="488662"/>
           </a:xfrm>
           <a:custGeom>
             <a:avLst/>
@@ -5888,8 +5978,8 @@
         </p:nvSpPr>
         <p:spPr bwMode="hidden">
           <a:xfrm>
-            <a:off x="211665" y="4058555"/>
-            <a:ext cx="8723376" cy="1329874"/>
+            <a:off x="211665" y="3043916"/>
+            <a:ext cx="8723376" cy="997406"/>
           </a:xfrm>
           <a:custGeom>
             <a:avLst/>
@@ -6262,8 +6352,8 @@
         </p:nvSpPr>
         <p:spPr>
           <a:xfrm>
-            <a:off x="690032" y="2463560"/>
-            <a:ext cx="7772400" cy="1524000"/>
+            <a:off x="690032" y="1847670"/>
+            <a:ext cx="7772400" cy="1143000"/>
           </a:xfrm>
         </p:spPr>
         <p:txBody>
@@ -6296,8 +6386,8 @@
         </p:nvSpPr>
         <p:spPr>
           <a:xfrm>
-            <a:off x="1367365" y="1437448"/>
-            <a:ext cx="6417734" cy="939801"/>
+            <a:off x="1367365" y="1078086"/>
+            <a:ext cx="6417734" cy="704851"/>
           </a:xfrm>
         </p:spPr>
         <p:txBody>
@@ -6420,7 +6510,7 @@
           <a:p>
             <a:fld id="{B4C71EC6-210F-42DE-9C53-41977AD35B3D}" type="datetimeFigureOut">
               <a:rPr lang="ru-RU" smtClean="0"/>
-              <a:t>15.01.2017</a:t>
+              <a:t>17.01.2017</a:t>
             </a:fld>
             <a:endParaRPr lang="ru-RU"/>
           </a:p>
@@ -6533,7 +6623,7 @@
           <a:p>
             <a:fld id="{B4C71EC6-210F-42DE-9C53-41977AD35B3D}" type="datetimeFigureOut">
               <a:rPr lang="ru-RU" smtClean="0"/>
-              <a:t>15.01.2017</a:t>
+              <a:t>17.01.2017</a:t>
             </a:fld>
             <a:endParaRPr lang="ru-RU"/>
           </a:p>
@@ -6593,8 +6683,8 @@
         </p:nvSpPr>
         <p:spPr>
           <a:xfrm>
-            <a:off x="676655" y="2679192"/>
-            <a:ext cx="3822192" cy="3447288"/>
+            <a:off x="676655" y="2009394"/>
+            <a:ext cx="3822192" cy="2585466"/>
           </a:xfrm>
         </p:spPr>
         <p:txBody>
@@ -6650,8 +6740,8 @@
         </p:nvSpPr>
         <p:spPr>
           <a:xfrm>
-            <a:off x="4645152" y="2679192"/>
-            <a:ext cx="3822192" cy="3447288"/>
+            <a:off x="4645152" y="2009394"/>
+            <a:ext cx="3822192" cy="2585466"/>
           </a:xfrm>
         </p:spPr>
         <p:txBody>
@@ -6759,8 +6849,8 @@
         </p:nvSpPr>
         <p:spPr>
           <a:xfrm>
-            <a:off x="676656" y="2678114"/>
-            <a:ext cx="3822192" cy="639762"/>
+            <a:off x="676656" y="2008585"/>
+            <a:ext cx="3822192" cy="479822"/>
           </a:xfrm>
         </p:spPr>
         <p:txBody>
@@ -6829,8 +6919,8 @@
         </p:nvSpPr>
         <p:spPr>
           <a:xfrm>
-            <a:off x="677332" y="3429000"/>
-            <a:ext cx="3820055" cy="2697163"/>
+            <a:off x="677333" y="2571751"/>
+            <a:ext cx="3820055" cy="2022872"/>
           </a:xfrm>
         </p:spPr>
         <p:txBody>
@@ -6914,8 +7004,8 @@
         </p:nvSpPr>
         <p:spPr>
           <a:xfrm>
-            <a:off x="4648200" y="2678113"/>
-            <a:ext cx="3822192" cy="639762"/>
+            <a:off x="4648200" y="2008585"/>
+            <a:ext cx="3822192" cy="479822"/>
           </a:xfrm>
         </p:spPr>
         <p:txBody>
@@ -6984,8 +7074,8 @@
         </p:nvSpPr>
         <p:spPr>
           <a:xfrm>
-            <a:off x="4645025" y="3429000"/>
-            <a:ext cx="3822192" cy="2697163"/>
+            <a:off x="4645025" y="2571751"/>
+            <a:ext cx="3822192" cy="2022872"/>
           </a:xfrm>
         </p:spPr>
         <p:txBody>
@@ -7074,7 +7164,7 @@
           <a:p>
             <a:fld id="{B4C71EC6-210F-42DE-9C53-41977AD35B3D}" type="datetimeFigureOut">
               <a:rPr lang="ru-RU" smtClean="0"/>
-              <a:t>15.01.2017</a:t>
+              <a:t>17.01.2017</a:t>
             </a:fld>
             <a:endParaRPr lang="ru-RU"/>
           </a:p>
@@ -7187,7 +7277,7 @@
           <a:p>
             <a:fld id="{B4C71EC6-210F-42DE-9C53-41977AD35B3D}" type="datetimeFigureOut">
               <a:rPr lang="ru-RU" smtClean="0"/>
-              <a:t>15.01.2017</a:t>
+              <a:t>17.01.2017</a:t>
             </a:fld>
             <a:endParaRPr lang="ru-RU"/>
           </a:p>
@@ -7268,8 +7358,8 @@
         </p:nvSpPr>
         <p:spPr>
           <a:xfrm>
-            <a:off x="228600" y="228600"/>
-            <a:ext cx="8695944" cy="1426464"/>
+            <a:off x="228600" y="171450"/>
+            <a:ext cx="8695944" cy="1069848"/>
           </a:xfrm>
           <a:prstGeom prst="roundRect">
             <a:avLst>
@@ -7331,8 +7421,8 @@
         </p:nvGrpSpPr>
         <p:grpSpPr bwMode="hidden">
           <a:xfrm>
-            <a:off x="211665" y="714191"/>
-            <a:ext cx="8723376" cy="1329874"/>
+            <a:off x="211665" y="535643"/>
+            <a:ext cx="8723376" cy="997406"/>
             <a:chOff x="-3905251" y="4294188"/>
             <a:chExt cx="13027839" cy="1892300"/>
           </a:xfrm>
@@ -8898,7 +8988,7 @@
           <a:p>
             <a:fld id="{B4C71EC6-210F-42DE-9C53-41977AD35B3D}" type="datetimeFigureOut">
               <a:rPr lang="ru-RU" smtClean="0"/>
-              <a:t>15.01.2017</a:t>
+              <a:t>17.01.2017</a:t>
             </a:fld>
             <a:endParaRPr lang="ru-RU"/>
           </a:p>
@@ -8979,8 +9069,8 @@
         </p:nvSpPr>
         <p:spPr>
           <a:xfrm>
-            <a:off x="228600" y="228600"/>
-            <a:ext cx="8695944" cy="1426464"/>
+            <a:off x="228600" y="171450"/>
+            <a:ext cx="8695944" cy="1069848"/>
           </a:xfrm>
           <a:prstGeom prst="roundRect">
             <a:avLst>
@@ -9049,7 +9139,7 @@
           <a:p>
             <a:fld id="{B4C71EC6-210F-42DE-9C53-41977AD35B3D}" type="datetimeFigureOut">
               <a:rPr lang="ru-RU" smtClean="0"/>
-              <a:t>15.01.2017</a:t>
+              <a:t>17.01.2017</a:t>
             </a:fld>
             <a:endParaRPr lang="ru-RU"/>
           </a:p>
@@ -9109,8 +9199,8 @@
         </p:nvSpPr>
         <p:spPr>
           <a:xfrm>
-            <a:off x="914400" y="3581400"/>
-            <a:ext cx="3352800" cy="1905001"/>
+            <a:off x="914400" y="2686050"/>
+            <a:ext cx="3352800" cy="1428751"/>
           </a:xfrm>
         </p:spPr>
         <p:txBody>
@@ -9184,8 +9274,8 @@
         </p:nvGrpSpPr>
         <p:grpSpPr bwMode="hidden">
           <a:xfrm>
-            <a:off x="211665" y="714191"/>
-            <a:ext cx="8723376" cy="1331580"/>
+            <a:off x="211665" y="535643"/>
+            <a:ext cx="8723376" cy="998685"/>
             <a:chOff x="-3905250" y="4294188"/>
             <a:chExt cx="13011150" cy="1892300"/>
           </a:xfrm>
@@ -10746,8 +10836,8 @@
         </p:nvSpPr>
         <p:spPr>
           <a:xfrm>
-            <a:off x="914400" y="2286000"/>
-            <a:ext cx="3352800" cy="1252728"/>
+            <a:off x="914400" y="1714500"/>
+            <a:ext cx="3352800" cy="939546"/>
           </a:xfrm>
         </p:spPr>
         <p:txBody>
@@ -10784,8 +10874,8 @@
         </p:nvSpPr>
         <p:spPr>
           <a:xfrm>
-            <a:off x="4651962" y="1828800"/>
-            <a:ext cx="3904076" cy="3810000"/>
+            <a:off x="4651962" y="1371600"/>
+            <a:ext cx="3904076" cy="2857500"/>
           </a:xfrm>
         </p:spPr>
         <p:txBody>
@@ -10925,8 +11015,8 @@
         </p:nvSpPr>
         <p:spPr>
           <a:xfrm>
-            <a:off x="228600" y="228600"/>
-            <a:ext cx="8695944" cy="6035040"/>
+            <a:off x="228600" y="171450"/>
+            <a:ext cx="8695944" cy="4526280"/>
           </a:xfrm>
           <a:prstGeom prst="roundRect">
             <a:avLst>
@@ -10988,8 +11078,8 @@
         </p:nvGrpSpPr>
         <p:grpSpPr bwMode="hidden">
           <a:xfrm>
-            <a:off x="211665" y="5353963"/>
-            <a:ext cx="8723376" cy="1331580"/>
+            <a:off x="211665" y="4015472"/>
+            <a:ext cx="8723376" cy="998685"/>
             <a:chOff x="-3905250" y="4294188"/>
             <a:chExt cx="13011150" cy="1892300"/>
           </a:xfrm>
@@ -12550,8 +12640,8 @@
         </p:nvSpPr>
         <p:spPr>
           <a:xfrm>
-            <a:off x="4874155" y="338667"/>
-            <a:ext cx="3812645" cy="2429934"/>
+            <a:off x="4874156" y="254000"/>
+            <a:ext cx="3812645" cy="1822451"/>
           </a:xfrm>
         </p:spPr>
         <p:txBody>
@@ -12588,8 +12678,8 @@
         </p:nvSpPr>
         <p:spPr>
           <a:xfrm>
-            <a:off x="4868333" y="2785533"/>
-            <a:ext cx="3818467" cy="2421467"/>
+            <a:off x="4868334" y="2089150"/>
+            <a:ext cx="3818467" cy="1816100"/>
           </a:xfrm>
         </p:spPr>
         <p:txBody>
@@ -12664,7 +12754,7 @@
           <a:p>
             <a:fld id="{B4C71EC6-210F-42DE-9C53-41977AD35B3D}" type="datetimeFigureOut">
               <a:rPr lang="ru-RU" smtClean="0"/>
-              <a:t>15.01.2017</a:t>
+              <a:t>17.01.2017</a:t>
             </a:fld>
             <a:endParaRPr lang="ru-RU"/>
           </a:p>
@@ -12724,8 +12814,8 @@
         </p:nvSpPr>
         <p:spPr>
           <a:xfrm>
-            <a:off x="838200" y="1371600"/>
-            <a:ext cx="3566160" cy="2926080"/>
+            <a:off x="838200" y="1028700"/>
+            <a:ext cx="3566160" cy="2194560"/>
           </a:xfrm>
           <a:prstGeom prst="roundRect">
             <a:avLst>
@@ -12844,8 +12934,8 @@
         </p:nvSpPr>
         <p:spPr>
           <a:xfrm>
-            <a:off x="228600" y="228600"/>
-            <a:ext cx="8695944" cy="2468880"/>
+            <a:off x="228600" y="171450"/>
+            <a:ext cx="8695944" cy="1851660"/>
           </a:xfrm>
           <a:prstGeom prst="roundRect">
             <a:avLst>
@@ -12907,8 +12997,8 @@
         </p:nvGrpSpPr>
         <p:grpSpPr bwMode="hidden">
           <a:xfrm>
-            <a:off x="211665" y="1679429"/>
-            <a:ext cx="8723376" cy="1329874"/>
+            <a:off x="211665" y="1259572"/>
+            <a:ext cx="8723376" cy="997406"/>
             <a:chOff x="-3905251" y="4294188"/>
             <a:chExt cx="13027839" cy="1892300"/>
           </a:xfrm>
@@ -14469,8 +14559,8 @@
         </p:nvSpPr>
         <p:spPr>
           <a:xfrm>
-            <a:off x="457200" y="338328"/>
-            <a:ext cx="8229600" cy="1252728"/>
+            <a:off x="457200" y="253746"/>
+            <a:ext cx="8229600" cy="939546"/>
           </a:xfrm>
           <a:prstGeom prst="rect">
             <a:avLst/>
@@ -14502,8 +14592,8 @@
         </p:nvSpPr>
         <p:spPr>
           <a:xfrm>
-            <a:off x="5163672" y="6250164"/>
-            <a:ext cx="3786690" cy="365125"/>
+            <a:off x="5163672" y="4687623"/>
+            <a:ext cx="3786690" cy="273844"/>
           </a:xfrm>
           <a:prstGeom prst="rect">
             <a:avLst/>
@@ -14523,7 +14613,7 @@
           <a:p>
             <a:fld id="{B4C71EC6-210F-42DE-9C53-41977AD35B3D}" type="datetimeFigureOut">
               <a:rPr lang="ru-RU" smtClean="0"/>
-              <a:t>15.01.2017</a:t>
+              <a:t>17.01.2017</a:t>
             </a:fld>
             <a:endParaRPr lang="ru-RU"/>
           </a:p>
@@ -14541,8 +14631,8 @@
         </p:nvSpPr>
         <p:spPr>
           <a:xfrm>
-            <a:off x="193638" y="6250164"/>
-            <a:ext cx="3786691" cy="365125"/>
+            <a:off x="193639" y="4687623"/>
+            <a:ext cx="3786691" cy="273844"/>
           </a:xfrm>
           <a:prstGeom prst="rect">
             <a:avLst/>
@@ -14576,8 +14666,8 @@
         </p:nvSpPr>
         <p:spPr>
           <a:xfrm>
-            <a:off x="3991088" y="6250163"/>
-            <a:ext cx="1161826" cy="365125"/>
+            <a:off x="3991088" y="4687623"/>
+            <a:ext cx="1161826" cy="273844"/>
           </a:xfrm>
           <a:prstGeom prst="rect">
             <a:avLst/>
@@ -14615,8 +14705,8 @@
         </p:nvSpPr>
         <p:spPr>
           <a:xfrm>
-            <a:off x="872067" y="2675467"/>
-            <a:ext cx="7408333" cy="3450696"/>
+            <a:off x="872068" y="2006600"/>
+            <a:ext cx="7408333" cy="2588022"/>
           </a:xfrm>
           <a:prstGeom prst="rect">
             <a:avLst/>
@@ -15051,12 +15141,14 @@
         </p:nvSpPr>
         <p:spPr>
           <a:xfrm>
-            <a:off x="827584" y="2204864"/>
-            <a:ext cx="7772400" cy="1470025"/>
+            <a:off x="827584" y="1653648"/>
+            <a:ext cx="7772400" cy="1102519"/>
           </a:xfrm>
         </p:spPr>
         <p:txBody>
-          <a:bodyPr/>
+          <a:bodyPr>
+            <a:normAutofit fontScale="90000"/>
+          </a:bodyPr>
           <a:lstStyle/>
           <a:p>
             <a:r>
@@ -15101,8 +15193,8 @@
         </p:blipFill>
         <p:spPr bwMode="auto">
           <a:xfrm>
-            <a:off x="6361758" y="28355"/>
-            <a:ext cx="2597966" cy="2597966"/>
+            <a:off x="6361758" y="21266"/>
+            <a:ext cx="2597966" cy="1948475"/>
           </a:xfrm>
           <a:prstGeom prst="rect">
             <a:avLst/>
@@ -15142,8 +15234,8 @@
         </p:blipFill>
         <p:spPr bwMode="auto">
           <a:xfrm>
-            <a:off x="6602934" y="4453812"/>
-            <a:ext cx="2088232" cy="2088232"/>
+            <a:off x="6602934" y="3340359"/>
+            <a:ext cx="2088232" cy="1566174"/>
           </a:xfrm>
           <a:prstGeom prst="rect">
             <a:avLst/>
@@ -15183,8 +15275,8 @@
         </p:blipFill>
         <p:spPr bwMode="auto">
           <a:xfrm>
-            <a:off x="523285" y="535250"/>
-            <a:ext cx="1584176" cy="1584176"/>
+            <a:off x="523285" y="401438"/>
+            <a:ext cx="1584176" cy="1188132"/>
           </a:xfrm>
           <a:prstGeom prst="rect">
             <a:avLst/>
@@ -15224,8 +15316,8 @@
         </p:blipFill>
         <p:spPr bwMode="auto">
           <a:xfrm>
-            <a:off x="271257" y="4382072"/>
-            <a:ext cx="2088232" cy="2088233"/>
+            <a:off x="271257" y="3286554"/>
+            <a:ext cx="2088232" cy="1566175"/>
           </a:xfrm>
           <a:prstGeom prst="rect">
             <a:avLst/>
@@ -15274,13 +15366,139 @@
       </p:grpSpPr>
       <p:sp>
         <p:nvSpPr>
+          <p:cNvPr id="2" name="TextBox 1"/>
+          <p:cNvSpPr txBox="1"/>
+          <p:nvPr/>
+        </p:nvSpPr>
+        <p:spPr>
+          <a:xfrm>
+            <a:off x="539553" y="789552"/>
+            <a:ext cx="3993401" cy="1692771"/>
+          </a:xfrm>
+          <a:prstGeom prst="rect">
+            <a:avLst/>
+          </a:prstGeom>
+          <a:noFill/>
+        </p:spPr>
+        <p:txBody>
+          <a:bodyPr wrap="none" rtlCol="0">
+            <a:spAutoFit/>
+          </a:bodyPr>
+          <a:lstStyle/>
+          <a:p>
+            <a:r>
+              <a:rPr lang="en-US" sz="2400" dirty="0" smtClean="0"/>
+              <a:t>Tail </a:t>
+            </a:r>
+            <a:r>
+              <a:rPr lang="en-US" sz="2400" dirty="0" smtClean="0"/>
+              <a:t>recursion</a:t>
+            </a:r>
+            <a:endParaRPr lang="en-US" sz="2000" dirty="0" smtClean="0"/>
+          </a:p>
+          <a:p>
+            <a:pPr marL="342900" indent="-342900">
+              <a:buFont typeface="Wingdings" panose="05000000000000000000" pitchFamily="2" charset="2"/>
+              <a:buChar char="§"/>
+            </a:pPr>
+            <a:r>
+              <a:rPr lang="en-US" sz="2000" dirty="0" smtClean="0"/>
+              <a:t>Significantly boost performance</a:t>
+            </a:r>
+          </a:p>
+          <a:p>
+            <a:pPr marL="342900" indent="-342900">
+              <a:buFont typeface="Wingdings" panose="05000000000000000000" pitchFamily="2" charset="2"/>
+              <a:buChar char="§"/>
+            </a:pPr>
+            <a:r>
+              <a:rPr lang="en-US" sz="2000" dirty="0" smtClean="0"/>
+              <a:t>Avoid </a:t>
+            </a:r>
+            <a:r>
+              <a:rPr lang="en-US" sz="2000" dirty="0" err="1" smtClean="0"/>
+              <a:t>StackOverflowException</a:t>
+            </a:r>
+            <a:endParaRPr lang="en-US" sz="2000" dirty="0" smtClean="0"/>
+          </a:p>
+          <a:p>
+            <a:endParaRPr lang="en-US" sz="2000" dirty="0"/>
+          </a:p>
+          <a:p>
+            <a:endParaRPr lang="en-US" sz="2000" dirty="0"/>
+          </a:p>
+        </p:txBody>
+      </p:sp>
+      <p:pic>
+        <p:nvPicPr>
+          <p:cNvPr id="3" name="Picture 2"/>
+          <p:cNvPicPr>
+            <a:picLocks noChangeAspect="1"/>
+          </p:cNvPicPr>
+          <p:nvPr/>
+        </p:nvPicPr>
+        <p:blipFill>
+          <a:blip r:embed="rId2"/>
+          <a:stretch>
+            <a:fillRect/>
+          </a:stretch>
+        </p:blipFill>
+        <p:spPr>
+          <a:xfrm>
+            <a:off x="587591" y="1869672"/>
+            <a:ext cx="6072641" cy="3048022"/>
+          </a:xfrm>
+          <a:prstGeom prst="rect">
+            <a:avLst/>
+          </a:prstGeom>
+        </p:spPr>
+      </p:pic>
+    </p:spTree>
+    <p:extLst>
+      <p:ext uri="{BB962C8B-B14F-4D97-AF65-F5344CB8AC3E}">
+        <p14:creationId xmlns:p14="http://schemas.microsoft.com/office/powerpoint/2010/main" val="1859288455"/>
+      </p:ext>
+    </p:extLst>
+  </p:cSld>
+  <p:clrMapOvr>
+    <a:masterClrMapping/>
+  </p:clrMapOvr>
+  <p:timing>
+    <p:tnLst>
+      <p:par>
+        <p:cTn id="1" dur="indefinite" restart="never" nodeType="tmRoot"/>
+      </p:par>
+    </p:tnLst>
+  </p:timing>
+</p:sld>
+</file>
+
+<file path=ppt/slides/slide11.xml><?xml version="1.0" encoding="utf-8"?>
+<p:sld xmlns:a="http://schemas.openxmlformats.org/drawingml/2006/main" xmlns:r="http://schemas.openxmlformats.org/officeDocument/2006/relationships" xmlns:p="http://schemas.openxmlformats.org/presentationml/2006/main">
+  <p:cSld>
+    <p:spTree>
+      <p:nvGrpSpPr>
+        <p:cNvPr id="1" name=""/>
+        <p:cNvGrpSpPr/>
+        <p:nvPr/>
+      </p:nvGrpSpPr>
+      <p:grpSpPr>
+        <a:xfrm>
+          <a:off x="0" y="0"/>
+          <a:ext cx="0" cy="0"/>
+          <a:chOff x="0" y="0"/>
+          <a:chExt cx="0" cy="0"/>
+        </a:xfrm>
+      </p:grpSpPr>
+      <p:sp>
+        <p:nvSpPr>
           <p:cNvPr id="2" name="Rectangle 1"/>
           <p:cNvSpPr/>
           <p:nvPr/>
         </p:nvSpPr>
         <p:spPr>
           <a:xfrm>
-            <a:off x="467544" y="980728"/>
+            <a:off x="467545" y="735546"/>
             <a:ext cx="1900649" cy="461665"/>
           </a:xfrm>
           <a:prstGeom prst="rect">
@@ -15308,8 +15526,8 @@
         </p:nvSpPr>
         <p:spPr>
           <a:xfrm>
-            <a:off x="497188" y="1452786"/>
-            <a:ext cx="7664278" cy="5632311"/>
+            <a:off x="497188" y="1089590"/>
+            <a:ext cx="7664278" cy="4524315"/>
           </a:xfrm>
           <a:prstGeom prst="rect">
             <a:avLst/>
@@ -15337,9 +15555,6 @@
             <a:endParaRPr lang="en-US" dirty="0"/>
           </a:p>
           <a:p>
-            <a:endParaRPr lang="en-US" dirty="0"/>
-          </a:p>
-          <a:p>
             <a:r>
               <a:rPr lang="en-US" dirty="0" smtClean="0"/>
               <a:t>It could also use tail recursion:</a:t>
@@ -15356,15 +15571,6 @@
           </a:p>
           <a:p>
             <a:endParaRPr lang="en-US" dirty="0" smtClean="0"/>
-          </a:p>
-          <a:p>
-            <a:endParaRPr lang="en-US" dirty="0"/>
-          </a:p>
-          <a:p>
-            <a:endParaRPr lang="en-US" dirty="0" smtClean="0"/>
-          </a:p>
-          <a:p>
-            <a:endParaRPr lang="en-US" dirty="0"/>
           </a:p>
           <a:p>
             <a:endParaRPr lang="en-US" dirty="0" smtClean="0"/>
@@ -15422,8 +15628,8 @@
         </p:blipFill>
         <p:spPr>
           <a:xfrm>
-            <a:off x="467545" y="1975867"/>
-            <a:ext cx="5688632" cy="906883"/>
+            <a:off x="467545" y="1481901"/>
+            <a:ext cx="4680519" cy="680162"/>
           </a:xfrm>
           <a:prstGeom prst="rect">
             <a:avLst/>
@@ -15446,8 +15652,8 @@
         </p:blipFill>
         <p:spPr>
           <a:xfrm>
-            <a:off x="539552" y="3443939"/>
-            <a:ext cx="5544617" cy="1913182"/>
+            <a:off x="571212" y="2499742"/>
+            <a:ext cx="4608511" cy="1434887"/>
           </a:xfrm>
           <a:prstGeom prst="rect">
             <a:avLst/>
@@ -15467,7 +15673,7 @@
 </p:sld>
 </file>
 
-<file path=ppt/slides/slide11.xml><?xml version="1.0" encoding="utf-8"?>
+<file path=ppt/slides/slide12.xml><?xml version="1.0" encoding="utf-8"?>
 <p:sld xmlns:a="http://schemas.openxmlformats.org/drawingml/2006/main" xmlns:r="http://schemas.openxmlformats.org/officeDocument/2006/relationships" xmlns:p="http://schemas.openxmlformats.org/presentationml/2006/main">
   <p:cSld>
     <p:spTree>
@@ -15492,7 +15698,7 @@
         </p:nvSpPr>
         <p:spPr>
           <a:xfrm>
-            <a:off x="755576" y="1211560"/>
+            <a:off x="755576" y="908671"/>
             <a:ext cx="1944216" cy="584775"/>
           </a:xfrm>
           <a:prstGeom prst="rect">
@@ -15522,7 +15728,7 @@
         </p:nvSpPr>
         <p:spPr>
           <a:xfrm>
-            <a:off x="755576" y="1772816"/>
+            <a:off x="755576" y="1493446"/>
             <a:ext cx="7856638" cy="646331"/>
           </a:xfrm>
           <a:prstGeom prst="rect">
@@ -15573,8 +15779,8 @@
         </p:blipFill>
         <p:spPr bwMode="auto">
           <a:xfrm>
-            <a:off x="805769" y="2924944"/>
-            <a:ext cx="7848872" cy="1902968"/>
+            <a:off x="755576" y="2355726"/>
+            <a:ext cx="7137683" cy="1584176"/>
           </a:xfrm>
           <a:prstGeom prst="rect">
             <a:avLst/>
@@ -15627,7 +15833,7 @@
 </p:sld>
 </file>
 
-<file path=ppt/slides/slide12.xml><?xml version="1.0" encoding="utf-8"?>
+<file path=ppt/slides/slide13.xml><?xml version="1.0" encoding="utf-8"?>
 <p:sld xmlns:a="http://schemas.openxmlformats.org/drawingml/2006/main" xmlns:r="http://schemas.openxmlformats.org/officeDocument/2006/relationships" xmlns:p="http://schemas.openxmlformats.org/presentationml/2006/main">
   <p:cSld>
     <p:spTree>
@@ -15652,7 +15858,7 @@
         </p:nvSpPr>
         <p:spPr>
           <a:xfrm>
-            <a:off x="467544" y="1045415"/>
+            <a:off x="467544" y="784062"/>
             <a:ext cx="1197764" cy="461665"/>
           </a:xfrm>
           <a:prstGeom prst="rect">
@@ -15697,8 +15903,8 @@
         </p:blipFill>
         <p:spPr bwMode="auto">
           <a:xfrm>
-            <a:off x="581985" y="1628800"/>
-            <a:ext cx="6164483" cy="864096"/>
+            <a:off x="581987" y="1221600"/>
+            <a:ext cx="4782101" cy="648072"/>
           </a:xfrm>
           <a:prstGeom prst="rect">
             <a:avLst/>
@@ -15761,8 +15967,8 @@
         </p:blipFill>
         <p:spPr bwMode="auto">
           <a:xfrm>
-            <a:off x="611559" y="4241783"/>
-            <a:ext cx="7980031" cy="2266766"/>
+            <a:off x="611560" y="3181337"/>
+            <a:ext cx="7980031" cy="1700075"/>
           </a:xfrm>
           <a:prstGeom prst="rect">
             <a:avLst/>
@@ -15802,8 +16008,8 @@
         </p:blipFill>
         <p:spPr bwMode="auto">
           <a:xfrm>
-            <a:off x="1187624" y="2276872"/>
-            <a:ext cx="5991920" cy="1975359"/>
+            <a:off x="1187624" y="1707655"/>
+            <a:ext cx="5991920" cy="1481519"/>
           </a:xfrm>
           <a:prstGeom prst="rect">
             <a:avLst/>
@@ -15856,7 +16062,7 @@
 </p:sld>
 </file>
 
-<file path=ppt/slides/slide13.xml><?xml version="1.0" encoding="utf-8"?>
+<file path=ppt/slides/slide14.xml><?xml version="1.0" encoding="utf-8"?>
 <p:sld xmlns:a="http://schemas.openxmlformats.org/drawingml/2006/main" xmlns:r="http://schemas.openxmlformats.org/officeDocument/2006/relationships" xmlns:p="http://schemas.openxmlformats.org/presentationml/2006/main">
   <p:cSld>
     <p:spTree>
@@ -15881,7 +16087,7 @@
         </p:nvSpPr>
         <p:spPr>
           <a:xfrm>
-            <a:off x="406088" y="908720"/>
+            <a:off x="406089" y="681540"/>
             <a:ext cx="1106393" cy="461665"/>
           </a:xfrm>
           <a:prstGeom prst="rect">
@@ -15926,8 +16132,8 @@
         </p:blipFill>
         <p:spPr bwMode="auto">
           <a:xfrm>
-            <a:off x="323528" y="1509528"/>
-            <a:ext cx="6192688" cy="1032115"/>
+            <a:off x="323528" y="1132147"/>
+            <a:ext cx="5256584" cy="774086"/>
           </a:xfrm>
           <a:prstGeom prst="rect">
             <a:avLst/>
@@ -15990,8 +16196,8 @@
         </p:blipFill>
         <p:spPr bwMode="auto">
           <a:xfrm>
-            <a:off x="1547664" y="3833705"/>
-            <a:ext cx="2612817" cy="1944217"/>
+            <a:off x="1547665" y="2978523"/>
+            <a:ext cx="2612817" cy="1458163"/>
           </a:xfrm>
           <a:prstGeom prst="rect">
             <a:avLst/>
@@ -16016,7 +16222,7 @@
         </p:nvSpPr>
         <p:spPr>
           <a:xfrm>
-            <a:off x="131891" y="2719904"/>
+            <a:off x="131892" y="2039928"/>
             <a:ext cx="5173211" cy="923330"/>
           </a:xfrm>
           <a:prstGeom prst="rect">
@@ -16089,8 +16295,8 @@
         </p:blipFill>
         <p:spPr bwMode="auto">
           <a:xfrm>
-            <a:off x="5148064" y="2276872"/>
-            <a:ext cx="3514555" cy="4320480"/>
+            <a:off x="5148065" y="1707654"/>
+            <a:ext cx="3514555" cy="3240360"/>
           </a:xfrm>
           <a:prstGeom prst="rect">
             <a:avLst/>
@@ -16120,7 +16326,7 @@
 </p:sld>
 </file>
 
-<file path=ppt/slides/slide14.xml><?xml version="1.0" encoding="utf-8"?>
+<file path=ppt/slides/slide15.xml><?xml version="1.0" encoding="utf-8"?>
 <p:sld xmlns:a="http://schemas.openxmlformats.org/drawingml/2006/main" xmlns:r="http://schemas.openxmlformats.org/officeDocument/2006/relationships" xmlns:p="http://schemas.openxmlformats.org/presentationml/2006/main">
   <p:cSld>
     <p:spTree>
@@ -16145,8 +16351,8 @@
         </p:nvSpPr>
         <p:spPr>
           <a:xfrm>
-            <a:off x="683568" y="1051677"/>
-            <a:ext cx="2052165" cy="369332"/>
+            <a:off x="683569" y="788758"/>
+            <a:ext cx="2678938" cy="461665"/>
           </a:xfrm>
           <a:prstGeom prst="rect">
             <a:avLst/>
@@ -16160,10 +16366,10 @@
           <a:lstStyle/>
           <a:p>
             <a:r>
-              <a:rPr lang="en-US" dirty="0" smtClean="0"/>
+              <a:rPr lang="en-US" sz="2400" dirty="0" smtClean="0"/>
               <a:t>Exception handling</a:t>
             </a:r>
-            <a:endParaRPr lang="ru-RU" dirty="0"/>
+            <a:endParaRPr lang="ru-RU" sz="2400" dirty="0"/>
           </a:p>
         </p:txBody>
       </p:sp>
@@ -16175,7 +16381,7 @@
         </p:nvSpPr>
         <p:spPr>
           <a:xfrm>
-            <a:off x="827584" y="1772816"/>
+            <a:off x="827584" y="1329612"/>
             <a:ext cx="1423788" cy="2308324"/>
           </a:xfrm>
           <a:prstGeom prst="rect">
@@ -16244,8 +16450,8 @@
         </p:blipFill>
         <p:spPr bwMode="auto">
           <a:xfrm>
-            <a:off x="827584" y="2204864"/>
-            <a:ext cx="5586482" cy="1440160"/>
+            <a:off x="827584" y="1653648"/>
+            <a:ext cx="4968552" cy="1080120"/>
           </a:xfrm>
           <a:prstGeom prst="rect">
             <a:avLst/>
@@ -16308,8 +16514,8 @@
         </p:blipFill>
         <p:spPr bwMode="auto">
           <a:xfrm>
-            <a:off x="800736" y="4221088"/>
-            <a:ext cx="6990173" cy="1507827"/>
+            <a:off x="800737" y="3165817"/>
+            <a:ext cx="5715479" cy="1130870"/>
           </a:xfrm>
           <a:prstGeom prst="rect">
             <a:avLst/>
@@ -16362,7 +16568,7 @@
 </p:sld>
 </file>
 
-<file path=ppt/slides/slide15.xml><?xml version="1.0" encoding="utf-8"?>
+<file path=ppt/slides/slide16.xml><?xml version="1.0" encoding="utf-8"?>
 <p:sld xmlns:a="http://schemas.openxmlformats.org/drawingml/2006/main" xmlns:r="http://schemas.openxmlformats.org/officeDocument/2006/relationships" xmlns:p="http://schemas.openxmlformats.org/presentationml/2006/main">
   <p:cSld>
     <p:spTree>
@@ -16387,7 +16593,7 @@
         </p:nvSpPr>
         <p:spPr>
           <a:xfrm>
-            <a:off x="559351" y="1052736"/>
+            <a:off x="559351" y="706161"/>
             <a:ext cx="2441694" cy="461665"/>
           </a:xfrm>
           <a:prstGeom prst="rect">
@@ -16432,8 +16638,8 @@
         </p:blipFill>
         <p:spPr bwMode="auto">
           <a:xfrm>
-            <a:off x="611560" y="1583304"/>
-            <a:ext cx="6984776" cy="4618598"/>
+            <a:off x="611560" y="1187478"/>
+            <a:ext cx="6120680" cy="3463949"/>
           </a:xfrm>
           <a:prstGeom prst="rect">
             <a:avLst/>
@@ -16486,7 +16692,7 @@
 </p:sld>
 </file>
 
-<file path=ppt/slides/slide16.xml><?xml version="1.0" encoding="utf-8"?>
+<file path=ppt/slides/slide17.xml><?xml version="1.0" encoding="utf-8"?>
 <p:sld xmlns:a="http://schemas.openxmlformats.org/drawingml/2006/main" xmlns:r="http://schemas.openxmlformats.org/officeDocument/2006/relationships" xmlns:p="http://schemas.openxmlformats.org/presentationml/2006/main">
   <p:cSld>
     <p:spTree>
@@ -16515,7 +16721,9 @@
         </p:nvSpPr>
         <p:spPr/>
         <p:txBody>
-          <a:bodyPr/>
+          <a:bodyPr>
+            <a:normAutofit fontScale="92500" lnSpcReduction="10000"/>
+          </a:bodyPr>
           <a:lstStyle/>
           <a:p>
             <a:pPr marL="0" indent="0">
@@ -16609,8 +16817,8 @@
         </p:blipFill>
         <p:spPr>
           <a:xfrm>
-            <a:off x="971600" y="3975919"/>
-            <a:ext cx="5948545" cy="849792"/>
+            <a:off x="1941935" y="3147814"/>
+            <a:ext cx="4896543" cy="637344"/>
           </a:xfrm>
           <a:prstGeom prst="rect">
             <a:avLst/>
@@ -16630,7 +16838,7 @@
 </p:sld>
 </file>
 
-<file path=ppt/slides/slide17.xml><?xml version="1.0" encoding="utf-8"?>
+<file path=ppt/slides/slide18.xml><?xml version="1.0" encoding="utf-8"?>
 <p:sld xmlns:a="http://schemas.openxmlformats.org/drawingml/2006/main" xmlns:r="http://schemas.openxmlformats.org/officeDocument/2006/relationships" xmlns:p="http://schemas.openxmlformats.org/presentationml/2006/main">
   <p:cSld>
     <p:spTree>
@@ -16663,8 +16871,8 @@
         </p:blipFill>
         <p:spPr>
           <a:xfrm>
-            <a:off x="251520" y="1552384"/>
-            <a:ext cx="8640960" cy="986468"/>
+            <a:off x="323528" y="1204037"/>
+            <a:ext cx="8393235" cy="899809"/>
           </a:xfrm>
           <a:prstGeom prst="rect">
             <a:avLst/>
@@ -16679,8 +16887,8 @@
         </p:nvSpPr>
         <p:spPr>
           <a:xfrm>
-            <a:off x="225786" y="2840780"/>
-            <a:ext cx="7192995" cy="369332"/>
+            <a:off x="225787" y="2130585"/>
+            <a:ext cx="7242688" cy="369332"/>
           </a:xfrm>
           <a:prstGeom prst="rect">
             <a:avLst/>
@@ -16717,8 +16925,8 @@
         </p:blipFill>
         <p:spPr>
           <a:xfrm>
-            <a:off x="467544" y="3210112"/>
-            <a:ext cx="8064896" cy="3055949"/>
+            <a:off x="971601" y="2499917"/>
+            <a:ext cx="6840760" cy="2345626"/>
           </a:xfrm>
           <a:prstGeom prst="rect">
             <a:avLst/>
@@ -16729,161 +16937,6 @@
     <p:extLst>
       <p:ext uri="{BB962C8B-B14F-4D97-AF65-F5344CB8AC3E}">
         <p14:creationId xmlns:p14="http://schemas.microsoft.com/office/powerpoint/2010/main" val="4022209896"/>
-      </p:ext>
-    </p:extLst>
-  </p:cSld>
-  <p:clrMapOvr>
-    <a:masterClrMapping/>
-  </p:clrMapOvr>
-</p:sld>
-</file>
-
-<file path=ppt/slides/slide18.xml><?xml version="1.0" encoding="utf-8"?>
-<p:sld xmlns:a="http://schemas.openxmlformats.org/drawingml/2006/main" xmlns:r="http://schemas.openxmlformats.org/officeDocument/2006/relationships" xmlns:p="http://schemas.openxmlformats.org/presentationml/2006/main">
-  <p:cSld>
-    <p:spTree>
-      <p:nvGrpSpPr>
-        <p:cNvPr id="1" name=""/>
-        <p:cNvGrpSpPr/>
-        <p:nvPr/>
-      </p:nvGrpSpPr>
-      <p:grpSpPr>
-        <a:xfrm>
-          <a:off x="0" y="0"/>
-          <a:ext cx="0" cy="0"/>
-          <a:chOff x="0" y="0"/>
-          <a:chExt cx="0" cy="0"/>
-        </a:xfrm>
-      </p:grpSpPr>
-      <p:sp>
-        <p:nvSpPr>
-          <p:cNvPr id="2" name="TextBox 1"/>
-          <p:cNvSpPr txBox="1"/>
-          <p:nvPr/>
-        </p:nvSpPr>
-        <p:spPr>
-          <a:xfrm>
-            <a:off x="395536" y="1268760"/>
-            <a:ext cx="4357283" cy="4524315"/>
-          </a:xfrm>
-          <a:prstGeom prst="rect">
-            <a:avLst/>
-          </a:prstGeom>
-          <a:noFill/>
-        </p:spPr>
-        <p:txBody>
-          <a:bodyPr wrap="none" rtlCol="0">
-            <a:spAutoFit/>
-          </a:bodyPr>
-          <a:lstStyle/>
-          <a:p>
-            <a:r>
-              <a:rPr lang="en-US" dirty="0" smtClean="0"/>
-              <a:t>Iterate through directories:</a:t>
-            </a:r>
-          </a:p>
-          <a:p>
-            <a:endParaRPr lang="en-US" dirty="0"/>
-          </a:p>
-          <a:p>
-            <a:endParaRPr lang="en-US" dirty="0" smtClean="0"/>
-          </a:p>
-          <a:p>
-            <a:endParaRPr lang="en-US" dirty="0"/>
-          </a:p>
-          <a:p>
-            <a:endParaRPr lang="en-US" dirty="0" smtClean="0"/>
-          </a:p>
-          <a:p>
-            <a:endParaRPr lang="en-US" dirty="0"/>
-          </a:p>
-          <a:p>
-            <a:endParaRPr lang="en-US" dirty="0" smtClean="0"/>
-          </a:p>
-          <a:p>
-            <a:endParaRPr lang="en-US" dirty="0"/>
-          </a:p>
-          <a:p>
-            <a:endParaRPr lang="en-US" dirty="0" smtClean="0"/>
-          </a:p>
-          <a:p>
-            <a:endParaRPr lang="en-US" dirty="0"/>
-          </a:p>
-          <a:p>
-            <a:endParaRPr lang="en-US" dirty="0" smtClean="0"/>
-          </a:p>
-          <a:p>
-            <a:r>
-              <a:rPr lang="en-US" dirty="0" smtClean="0"/>
-              <a:t>Finally, a simple invocation of this function:</a:t>
-            </a:r>
-          </a:p>
-          <a:p>
-            <a:endParaRPr lang="en-US" dirty="0"/>
-          </a:p>
-          <a:p>
-            <a:endParaRPr lang="en-US" dirty="0" smtClean="0"/>
-          </a:p>
-          <a:p>
-            <a:endParaRPr lang="en-US" dirty="0" smtClean="0"/>
-          </a:p>
-          <a:p>
-            <a:endParaRPr lang="en-US" dirty="0"/>
-          </a:p>
-        </p:txBody>
-      </p:sp>
-      <p:pic>
-        <p:nvPicPr>
-          <p:cNvPr id="3" name="Picture 2"/>
-          <p:cNvPicPr>
-            <a:picLocks noChangeAspect="1"/>
-          </p:cNvPicPr>
-          <p:nvPr/>
-        </p:nvPicPr>
-        <p:blipFill>
-          <a:blip r:embed="rId2"/>
-          <a:stretch>
-            <a:fillRect/>
-          </a:stretch>
-        </p:blipFill>
-        <p:spPr>
-          <a:xfrm>
-            <a:off x="539552" y="1727598"/>
-            <a:ext cx="7821384" cy="2421481"/>
-          </a:xfrm>
-          <a:prstGeom prst="rect">
-            <a:avLst/>
-          </a:prstGeom>
-        </p:spPr>
-      </p:pic>
-      <p:pic>
-        <p:nvPicPr>
-          <p:cNvPr id="4" name="Picture 3"/>
-          <p:cNvPicPr>
-            <a:picLocks noChangeAspect="1"/>
-          </p:cNvPicPr>
-          <p:nvPr/>
-        </p:nvPicPr>
-        <p:blipFill>
-          <a:blip r:embed="rId3"/>
-          <a:stretch>
-            <a:fillRect/>
-          </a:stretch>
-        </p:blipFill>
-        <p:spPr>
-          <a:xfrm>
-            <a:off x="683568" y="4809152"/>
-            <a:ext cx="3590925" cy="323850"/>
-          </a:xfrm>
-          <a:prstGeom prst="rect">
-            <a:avLst/>
-          </a:prstGeom>
-        </p:spPr>
-      </p:pic>
-    </p:spTree>
-    <p:extLst>
-      <p:ext uri="{BB962C8B-B14F-4D97-AF65-F5344CB8AC3E}">
-        <p14:creationId xmlns:p14="http://schemas.microsoft.com/office/powerpoint/2010/main" val="2673348524"/>
       </p:ext>
     </p:extLst>
   </p:cSld>
@@ -16918,8 +16971,8 @@
         </p:nvSpPr>
         <p:spPr>
           <a:xfrm>
-            <a:off x="539552" y="1340768"/>
-            <a:ext cx="8186857" cy="3970318"/>
+            <a:off x="395537" y="951571"/>
+            <a:ext cx="4357283" cy="3970318"/>
           </a:xfrm>
           <a:prstGeom prst="rect">
             <a:avLst/>
@@ -16934,59 +16987,50 @@
           <a:p>
             <a:r>
               <a:rPr lang="en-US" dirty="0" smtClean="0"/>
-              <a:t>Let’s try another example. </a:t>
+              <a:t>Iterate through directories:</a:t>
             </a:r>
+          </a:p>
+          <a:p>
+            <a:endParaRPr lang="en-US" dirty="0"/>
+          </a:p>
+          <a:p>
+            <a:endParaRPr lang="en-US" dirty="0" smtClean="0"/>
+          </a:p>
+          <a:p>
+            <a:endParaRPr lang="en-US" dirty="0"/>
+          </a:p>
+          <a:p>
+            <a:endParaRPr lang="en-US" dirty="0" smtClean="0"/>
+          </a:p>
+          <a:p>
+            <a:endParaRPr lang="en-US" dirty="0"/>
+          </a:p>
+          <a:p>
+            <a:endParaRPr lang="en-US" dirty="0" smtClean="0"/>
+          </a:p>
+          <a:p>
+            <a:endParaRPr lang="en-US" dirty="0"/>
+          </a:p>
+          <a:p>
+            <a:endParaRPr lang="en-US" dirty="0" smtClean="0"/>
           </a:p>
           <a:p>
             <a:r>
               <a:rPr lang="en-US" dirty="0" smtClean="0"/>
-              <a:t>Here we provide a functional-friendly implementation of a simple checkout system</a:t>
+              <a:t>Finally, a simple invocation of this function:</a:t>
             </a:r>
           </a:p>
           <a:p>
-            <a:r>
-              <a:rPr lang="en-US" dirty="0" smtClean="0"/>
-              <a:t>that handles the logic due to rules that look like this:</a:t>
-            </a:r>
-          </a:p>
-          <a:p>
             <a:endParaRPr lang="en-US" dirty="0"/>
           </a:p>
           <a:p>
             <a:endParaRPr lang="en-US" dirty="0" smtClean="0"/>
           </a:p>
           <a:p>
+            <a:endParaRPr lang="en-US" dirty="0" smtClean="0"/>
+          </a:p>
+          <a:p>
             <a:endParaRPr lang="en-US" dirty="0"/>
-          </a:p>
-          <a:p>
-            <a:endParaRPr lang="en-US" dirty="0" smtClean="0"/>
-          </a:p>
-          <a:p>
-            <a:endParaRPr lang="en-US" dirty="0"/>
-          </a:p>
-          <a:p>
-            <a:endParaRPr lang="en-US" dirty="0" smtClean="0"/>
-          </a:p>
-          <a:p>
-            <a:endParaRPr lang="en-US" dirty="0"/>
-          </a:p>
-          <a:p>
-            <a:endParaRPr lang="en-US" dirty="0" smtClean="0"/>
-          </a:p>
-          <a:p>
-            <a:r>
-              <a:rPr lang="en-US" dirty="0" smtClean="0"/>
-              <a:t>  Seems like a simple object-oriented task, but now we will create a functional</a:t>
-            </a:r>
-          </a:p>
-          <a:p>
-            <a:r>
-              <a:rPr lang="en-US" dirty="0" smtClean="0"/>
-              <a:t>implementation blending it with some of the Scala’s object-oriented features.</a:t>
-            </a:r>
-          </a:p>
-          <a:p>
-            <a:endParaRPr lang="uk-UA" dirty="0"/>
           </a:p>
         </p:txBody>
       </p:sp>
@@ -17006,8 +17050,32 @@
         </p:blipFill>
         <p:spPr>
           <a:xfrm>
-            <a:off x="2771800" y="2276872"/>
-            <a:ext cx="3006253" cy="1752524"/>
+            <a:off x="539552" y="1295699"/>
+            <a:ext cx="6264696" cy="1816111"/>
+          </a:xfrm>
+          <a:prstGeom prst="rect">
+            <a:avLst/>
+          </a:prstGeom>
+        </p:spPr>
+      </p:pic>
+      <p:pic>
+        <p:nvPicPr>
+          <p:cNvPr id="4" name="Picture 3"/>
+          <p:cNvPicPr>
+            <a:picLocks noChangeAspect="1"/>
+          </p:cNvPicPr>
+          <p:nvPr/>
+        </p:nvPicPr>
+        <p:blipFill>
+          <a:blip r:embed="rId3"/>
+          <a:stretch>
+            <a:fillRect/>
+          </a:stretch>
+        </p:blipFill>
+        <p:spPr>
+          <a:xfrm>
+            <a:off x="539552" y="3849752"/>
+            <a:ext cx="2880319" cy="242888"/>
           </a:xfrm>
           <a:prstGeom prst="rect">
             <a:avLst/>
@@ -17017,7 +17085,7 @@
     </p:spTree>
     <p:extLst>
       <p:ext uri="{BB962C8B-B14F-4D97-AF65-F5344CB8AC3E}">
-        <p14:creationId xmlns:p14="http://schemas.microsoft.com/office/powerpoint/2010/main" val="2293637662"/>
+        <p14:creationId xmlns:p14="http://schemas.microsoft.com/office/powerpoint/2010/main" val="2673348524"/>
       </p:ext>
     </p:extLst>
   </p:cSld>
@@ -17052,7 +17120,7 @@
         </p:nvSpPr>
         <p:spPr>
           <a:xfrm>
-            <a:off x="467544" y="764704"/>
+            <a:off x="467544" y="483518"/>
             <a:ext cx="4248472" cy="3077766"/>
           </a:xfrm>
           <a:prstGeom prst="rect">
@@ -17072,8 +17140,13 @@
                   <a:schemeClr val="bg1"/>
                 </a:solidFill>
               </a:rPr>
-              <a:t>Summary</a:t>
+              <a:t>Agenda</a:t>
             </a:r>
+            <a:endParaRPr lang="en-US" sz="4400" b="1" dirty="0" smtClean="0">
+              <a:solidFill>
+                <a:schemeClr val="bg1"/>
+              </a:solidFill>
+            </a:endParaRPr>
           </a:p>
           <a:p>
             <a:endParaRPr lang="en-US" dirty="0" smtClean="0"/>
@@ -17146,6 +17219,140 @@
           <a:chExt cx="0" cy="0"/>
         </a:xfrm>
       </p:grpSpPr>
+      <p:sp>
+        <p:nvSpPr>
+          <p:cNvPr id="2" name="TextBox 1"/>
+          <p:cNvSpPr txBox="1"/>
+          <p:nvPr/>
+        </p:nvSpPr>
+        <p:spPr>
+          <a:xfrm>
+            <a:off x="539553" y="1005576"/>
+            <a:ext cx="8186857" cy="3970318"/>
+          </a:xfrm>
+          <a:prstGeom prst="rect">
+            <a:avLst/>
+          </a:prstGeom>
+          <a:noFill/>
+        </p:spPr>
+        <p:txBody>
+          <a:bodyPr wrap="none" rtlCol="0">
+            <a:spAutoFit/>
+          </a:bodyPr>
+          <a:lstStyle/>
+          <a:p>
+            <a:r>
+              <a:rPr lang="en-US" dirty="0" smtClean="0"/>
+              <a:t>Let’s try another example. </a:t>
+            </a:r>
+          </a:p>
+          <a:p>
+            <a:r>
+              <a:rPr lang="en-US" dirty="0" smtClean="0"/>
+              <a:t>Here we provide a functional-friendly implementation of a simple checkout system</a:t>
+            </a:r>
+          </a:p>
+          <a:p>
+            <a:r>
+              <a:rPr lang="en-US" dirty="0" smtClean="0"/>
+              <a:t>that handles the logic due to rules that look like this:</a:t>
+            </a:r>
+          </a:p>
+          <a:p>
+            <a:endParaRPr lang="en-US" dirty="0"/>
+          </a:p>
+          <a:p>
+            <a:endParaRPr lang="en-US" dirty="0" smtClean="0"/>
+          </a:p>
+          <a:p>
+            <a:endParaRPr lang="en-US" dirty="0"/>
+          </a:p>
+          <a:p>
+            <a:endParaRPr lang="en-US" dirty="0" smtClean="0"/>
+          </a:p>
+          <a:p>
+            <a:endParaRPr lang="en-US" dirty="0"/>
+          </a:p>
+          <a:p>
+            <a:endParaRPr lang="en-US" dirty="0" smtClean="0"/>
+          </a:p>
+          <a:p>
+            <a:endParaRPr lang="en-US" dirty="0"/>
+          </a:p>
+          <a:p>
+            <a:endParaRPr lang="en-US" dirty="0" smtClean="0"/>
+          </a:p>
+          <a:p>
+            <a:r>
+              <a:rPr lang="en-US" dirty="0" smtClean="0"/>
+              <a:t>  Seems like a simple object-oriented task, but now we will create a functional</a:t>
+            </a:r>
+          </a:p>
+          <a:p>
+            <a:r>
+              <a:rPr lang="en-US" dirty="0" smtClean="0"/>
+              <a:t>implementation blending it with some of the Scala’s object-oriented features.</a:t>
+            </a:r>
+          </a:p>
+          <a:p>
+            <a:endParaRPr lang="uk-UA" dirty="0"/>
+          </a:p>
+        </p:txBody>
+      </p:sp>
+      <p:pic>
+        <p:nvPicPr>
+          <p:cNvPr id="3" name="Picture 2"/>
+          <p:cNvPicPr>
+            <a:picLocks noChangeAspect="1"/>
+          </p:cNvPicPr>
+          <p:nvPr/>
+        </p:nvPicPr>
+        <p:blipFill>
+          <a:blip r:embed="rId2"/>
+          <a:stretch>
+            <a:fillRect/>
+          </a:stretch>
+        </p:blipFill>
+        <p:spPr>
+          <a:xfrm>
+            <a:off x="2915816" y="2283717"/>
+            <a:ext cx="2664295" cy="1314393"/>
+          </a:xfrm>
+          <a:prstGeom prst="rect">
+            <a:avLst/>
+          </a:prstGeom>
+        </p:spPr>
+      </p:pic>
+    </p:spTree>
+    <p:extLst>
+      <p:ext uri="{BB962C8B-B14F-4D97-AF65-F5344CB8AC3E}">
+        <p14:creationId xmlns:p14="http://schemas.microsoft.com/office/powerpoint/2010/main" val="2293637662"/>
+      </p:ext>
+    </p:extLst>
+  </p:cSld>
+  <p:clrMapOvr>
+    <a:masterClrMapping/>
+  </p:clrMapOvr>
+</p:sld>
+</file>
+
+<file path=ppt/slides/slide21.xml><?xml version="1.0" encoding="utf-8"?>
+<p:sld xmlns:a="http://schemas.openxmlformats.org/drawingml/2006/main" xmlns:r="http://schemas.openxmlformats.org/officeDocument/2006/relationships" xmlns:p="http://schemas.openxmlformats.org/presentationml/2006/main">
+  <p:cSld>
+    <p:spTree>
+      <p:nvGrpSpPr>
+        <p:cNvPr id="1" name=""/>
+        <p:cNvGrpSpPr/>
+        <p:nvPr/>
+      </p:nvGrpSpPr>
+      <p:grpSpPr>
+        <a:xfrm>
+          <a:off x="0" y="0"/>
+          <a:ext cx="0" cy="0"/>
+          <a:chOff x="0" y="0"/>
+          <a:chExt cx="0" cy="0"/>
+        </a:xfrm>
+      </p:grpSpPr>
       <p:pic>
         <p:nvPicPr>
           <p:cNvPr id="4" name="Picture 3"/>
@@ -17162,8 +17369,8 @@
         </p:blipFill>
         <p:spPr>
           <a:xfrm>
-            <a:off x="473884" y="908720"/>
-            <a:ext cx="12598255" cy="5589240"/>
+            <a:off x="467544" y="681540"/>
+            <a:ext cx="10156324" cy="4191930"/>
           </a:xfrm>
           <a:prstGeom prst="rect">
             <a:avLst/>
@@ -17190,7 +17397,7 @@
 </p:sld>
 </file>
 
-<file path=ppt/slides/slide21.xml><?xml version="1.0" encoding="utf-8"?>
+<file path=ppt/slides/slide22.xml><?xml version="1.0" encoding="utf-8"?>
 <p:sld xmlns:a="http://schemas.openxmlformats.org/drawingml/2006/main" xmlns:r="http://schemas.openxmlformats.org/officeDocument/2006/relationships" xmlns:p="http://schemas.openxmlformats.org/presentationml/2006/main">
   <p:cSld>
     <p:spTree>
@@ -17215,7 +17422,7 @@
         </p:nvSpPr>
         <p:spPr>
           <a:xfrm>
-            <a:off x="471270" y="1124744"/>
+            <a:off x="471271" y="843558"/>
             <a:ext cx="1672253" cy="461665"/>
           </a:xfrm>
           <a:prstGeom prst="rect">
@@ -17245,7 +17452,7 @@
         </p:nvSpPr>
         <p:spPr>
           <a:xfrm>
-            <a:off x="471269" y="1587890"/>
+            <a:off x="471270" y="1190917"/>
             <a:ext cx="8369599" cy="1754326"/>
           </a:xfrm>
           <a:prstGeom prst="rect">
@@ -17265,28 +17472,13 @@
               </a:rPr>
               <a:t>http://danielwestheide.com/scala/neophytes.html</a:t>
             </a:r>
-            <a:endParaRPr lang="en-US" dirty="0" smtClean="0">
-              <a:hlinkClick r:id="rId2"/>
-            </a:endParaRPr>
           </a:p>
           <a:p>
             <a:r>
               <a:rPr lang="en-US" dirty="0" smtClean="0">
                 <a:hlinkClick r:id="rId2"/>
               </a:rPr>
-              <a:t>http</a:t>
-            </a:r>
-            <a:r>
-              <a:rPr lang="en-US" dirty="0" smtClean="0">
-                <a:hlinkClick r:id="rId2"/>
-              </a:rPr>
-              <a:t>://</a:t>
-            </a:r>
-            <a:r>
-              <a:rPr lang="en-US" dirty="0" smtClean="0">
-                <a:hlinkClick r:id="rId2"/>
-              </a:rPr>
-              <a:t>twitter.github.io/scala_school/index.html</a:t>
+              <a:t>http://twitter.github.io/scala_school/index.html</a:t>
             </a:r>
             <a:endParaRPr lang="en-US" dirty="0" smtClean="0"/>
           </a:p>
@@ -17304,13 +17496,7 @@
               <a:rPr lang="en-US" dirty="0" smtClean="0">
                 <a:hlinkClick r:id="rId4"/>
               </a:rPr>
-              <a:t>http://eed3si9n.com/learning-scalaz</a:t>
-            </a:r>
-            <a:r>
-              <a:rPr lang="en-US" dirty="0" smtClean="0">
-                <a:hlinkClick r:id="rId4"/>
-              </a:rPr>
-              <a:t>/</a:t>
+              <a:t>http://eed3si9n.com/learning-scalaz/</a:t>
             </a:r>
             <a:endParaRPr lang="en-US" dirty="0"/>
           </a:p>
@@ -17342,8 +17528,8 @@
         </p:nvSpPr>
         <p:spPr>
           <a:xfrm>
-            <a:off x="471270" y="3711728"/>
-            <a:ext cx="7241085" cy="738664"/>
+            <a:off x="471270" y="2783796"/>
+            <a:ext cx="7241085" cy="1107996"/>
           </a:xfrm>
           <a:prstGeom prst="rect">
             <a:avLst/>
@@ -17356,9 +17542,16 @@
           </a:bodyPr>
           <a:lstStyle/>
           <a:p>
+            <a:endParaRPr lang="en-US" sz="2400" dirty="0" smtClean="0"/>
+          </a:p>
+          <a:p>
             <a:r>
               <a:rPr lang="en-US" sz="2400" dirty="0" smtClean="0"/>
-              <a:t>Related literature:</a:t>
+              <a:t>Related </a:t>
+            </a:r>
+            <a:r>
+              <a:rPr lang="en-US" sz="2400" dirty="0" smtClean="0"/>
+              <a:t>literature:</a:t>
             </a:r>
           </a:p>
           <a:p>
@@ -17421,8 +17614,8 @@
         </p:nvSpPr>
         <p:spPr>
           <a:xfrm>
-            <a:off x="755576" y="2420888"/>
-            <a:ext cx="7408333" cy="3777283"/>
+            <a:off x="755577" y="1815667"/>
+            <a:ext cx="7408333" cy="2832962"/>
           </a:xfrm>
         </p:spPr>
         <p:txBody>
@@ -17548,8 +17741,8 @@
         </p:nvSpPr>
         <p:spPr>
           <a:xfrm>
-            <a:off x="467544" y="1412776"/>
-            <a:ext cx="7408333" cy="3777283"/>
+            <a:off x="467545" y="1059583"/>
+            <a:ext cx="7408333" cy="2832962"/>
           </a:xfrm>
           <a:prstGeom prst="rect">
             <a:avLst/>
@@ -17848,22 +18041,24 @@
         </p:nvSpPr>
         <p:spPr>
           <a:xfrm>
-            <a:off x="919949" y="1819154"/>
-            <a:ext cx="7408333" cy="2257918"/>
+            <a:off x="919949" y="1364365"/>
+            <a:ext cx="7408333" cy="1693439"/>
           </a:xfrm>
         </p:spPr>
         <p:txBody>
-          <a:bodyPr/>
+          <a:bodyPr>
+            <a:normAutofit/>
+          </a:bodyPr>
           <a:lstStyle/>
           <a:p>
             <a:pPr marL="0" indent="0">
               <a:buNone/>
             </a:pPr>
             <a:r>
-              <a:rPr lang="en-US" sz="3200" dirty="0" smtClean="0"/>
+              <a:rPr lang="en-US" dirty="0" smtClean="0"/>
               <a:t>Pure function</a:t>
             </a:r>
-            <a:endParaRPr lang="en-US" dirty="0" smtClean="0"/>
+            <a:endParaRPr lang="en-US" sz="1800" dirty="0" smtClean="0"/>
           </a:p>
           <a:p>
             <a:pPr>
@@ -17871,7 +18066,7 @@
               <a:buChar char="ü"/>
             </a:pPr>
             <a:r>
-              <a:rPr lang="en-US" sz="2800" dirty="0" smtClean="0"/>
+              <a:rPr lang="en-US" sz="2000" dirty="0" smtClean="0"/>
               <a:t> Has no side-effects</a:t>
             </a:r>
           </a:p>
@@ -17881,7 +18076,7 @@
               <a:buChar char="ü"/>
             </a:pPr>
             <a:r>
-              <a:rPr lang="en-US" sz="2800" dirty="0" smtClean="0"/>
+              <a:rPr lang="en-US" sz="2000" dirty="0" smtClean="0"/>
               <a:t> Is referentially transparent</a:t>
             </a:r>
           </a:p>
@@ -17918,7 +18113,7 @@
         </p:nvSpPr>
         <p:spPr>
           <a:xfrm>
-            <a:off x="827584" y="5085184"/>
+            <a:off x="827585" y="3813888"/>
             <a:ext cx="184731" cy="369332"/>
           </a:xfrm>
           <a:prstGeom prst="rect">
@@ -17938,28 +18133,227 @@
       </p:sp>
       <p:pic>
         <p:nvPicPr>
-          <p:cNvPr id="7" name="Picture 6"/>
+          <p:cNvPr id="1026" name="Picture 2"/>
           <p:cNvPicPr>
-            <a:picLocks noChangeAspect="1"/>
+            <a:picLocks noChangeAspect="1" noChangeArrowheads="1"/>
           </p:cNvPicPr>
           <p:nvPr/>
         </p:nvPicPr>
         <p:blipFill>
-          <a:blip r:embed="rId2"/>
+          <a:blip r:embed="rId2">
+            <a:extLst>
+              <a:ext uri="{28A0092B-C50C-407E-A947-70E740481C1C}">
+                <a14:useLocalDpi xmlns:a14="http://schemas.microsoft.com/office/drawing/2010/main" val="0"/>
+              </a:ext>
+            </a:extLst>
+          </a:blip>
+          <a:srcRect/>
           <a:stretch>
             <a:fillRect/>
           </a:stretch>
         </p:blipFill>
-        <p:spPr>
+        <p:spPr bwMode="auto">
           <a:xfrm>
-            <a:off x="1012315" y="3717032"/>
-            <a:ext cx="6915150" cy="2600325"/>
+            <a:off x="827585" y="2571750"/>
+            <a:ext cx="7495061" cy="1012446"/>
           </a:xfrm>
           <a:prstGeom prst="rect">
             <a:avLst/>
           </a:prstGeom>
+          <a:noFill/>
+          <a:ln>
+            <a:noFill/>
+          </a:ln>
+          <a:effectLst/>
+          <a:extLst>
+            <a:ext uri="{909E8E84-426E-40DD-AFC4-6F175D3DCCD1}">
+              <a14:hiddenFill xmlns:a14="http://schemas.microsoft.com/office/drawing/2010/main">
+                <a:solidFill>
+                  <a:schemeClr val="accent1"/>
+                </a:solidFill>
+              </a14:hiddenFill>
+            </a:ext>
+            <a:ext uri="{91240B29-F687-4F45-9708-019B960494DF}">
+              <a14:hiddenLine xmlns:a14="http://schemas.microsoft.com/office/drawing/2010/main" w="9525">
+                <a:solidFill>
+                  <a:schemeClr val="tx1"/>
+                </a:solidFill>
+                <a:miter lim="800000"/>
+                <a:headEnd/>
+                <a:tailEnd/>
+              </a14:hiddenLine>
+            </a:ext>
+            <a:ext uri="{AF507438-7753-43E0-B8FC-AC1667EBCBE1}">
+              <a14:hiddenEffects xmlns:a14="http://schemas.microsoft.com/office/drawing/2010/main">
+                <a:effectLst>
+                  <a:outerShdw dist="35921" dir="2700000" algn="ctr" rotWithShape="0">
+                    <a:schemeClr val="bg2"/>
+                  </a:outerShdw>
+                </a:effectLst>
+              </a14:hiddenEffects>
+            </a:ext>
+          </a:extLst>
         </p:spPr>
       </p:pic>
+      <p:pic>
+        <p:nvPicPr>
+          <p:cNvPr id="1027" name="Picture 3"/>
+          <p:cNvPicPr>
+            <a:picLocks noChangeAspect="1" noChangeArrowheads="1"/>
+          </p:cNvPicPr>
+          <p:nvPr/>
+        </p:nvPicPr>
+        <p:blipFill>
+          <a:blip r:embed="rId3">
+            <a:extLst>
+              <a:ext uri="{28A0092B-C50C-407E-A947-70E740481C1C}">
+                <a14:useLocalDpi xmlns:a14="http://schemas.microsoft.com/office/drawing/2010/main" val="0"/>
+              </a:ext>
+            </a:extLst>
+          </a:blip>
+          <a:srcRect/>
+          <a:stretch>
+            <a:fillRect/>
+          </a:stretch>
+        </p:blipFill>
+        <p:spPr bwMode="auto">
+          <a:xfrm>
+            <a:off x="827585" y="3813887"/>
+            <a:ext cx="2602807" cy="623471"/>
+          </a:xfrm>
+          <a:prstGeom prst="rect">
+            <a:avLst/>
+          </a:prstGeom>
+          <a:noFill/>
+          <a:ln>
+            <a:noFill/>
+          </a:ln>
+          <a:effectLst/>
+          <a:extLst>
+            <a:ext uri="{909E8E84-426E-40DD-AFC4-6F175D3DCCD1}">
+              <a14:hiddenFill xmlns:a14="http://schemas.microsoft.com/office/drawing/2010/main">
+                <a:solidFill>
+                  <a:schemeClr val="accent1"/>
+                </a:solidFill>
+              </a14:hiddenFill>
+            </a:ext>
+            <a:ext uri="{91240B29-F687-4F45-9708-019B960494DF}">
+              <a14:hiddenLine xmlns:a14="http://schemas.microsoft.com/office/drawing/2010/main" w="9525">
+                <a:solidFill>
+                  <a:schemeClr val="tx1"/>
+                </a:solidFill>
+                <a:miter lim="800000"/>
+                <a:headEnd/>
+                <a:tailEnd/>
+              </a14:hiddenLine>
+            </a:ext>
+            <a:ext uri="{AF507438-7753-43E0-B8FC-AC1667EBCBE1}">
+              <a14:hiddenEffects xmlns:a14="http://schemas.microsoft.com/office/drawing/2010/main">
+                <a:effectLst>
+                  <a:outerShdw dist="35921" dir="2700000" algn="ctr" rotWithShape="0">
+                    <a:schemeClr val="bg2"/>
+                  </a:outerShdw>
+                </a:effectLst>
+              </a14:hiddenEffects>
+            </a:ext>
+          </a:extLst>
+        </p:spPr>
+      </p:pic>
+      <p:pic>
+        <p:nvPicPr>
+          <p:cNvPr id="1028" name="Picture 4"/>
+          <p:cNvPicPr>
+            <a:picLocks noChangeAspect="1" noChangeArrowheads="1"/>
+          </p:cNvPicPr>
+          <p:nvPr/>
+        </p:nvPicPr>
+        <p:blipFill>
+          <a:blip r:embed="rId4">
+            <a:extLst>
+              <a:ext uri="{28A0092B-C50C-407E-A947-70E740481C1C}">
+                <a14:useLocalDpi xmlns:a14="http://schemas.microsoft.com/office/drawing/2010/main" val="0"/>
+              </a:ext>
+            </a:extLst>
+          </a:blip>
+          <a:srcRect/>
+          <a:stretch>
+            <a:fillRect/>
+          </a:stretch>
+        </p:blipFill>
+        <p:spPr bwMode="auto">
+          <a:xfrm>
+            <a:off x="3851920" y="3837802"/>
+            <a:ext cx="4157666" cy="375885"/>
+          </a:xfrm>
+          <a:prstGeom prst="rect">
+            <a:avLst/>
+          </a:prstGeom>
+          <a:noFill/>
+          <a:ln>
+            <a:noFill/>
+          </a:ln>
+          <a:effectLst/>
+          <a:extLst>
+            <a:ext uri="{909E8E84-426E-40DD-AFC4-6F175D3DCCD1}">
+              <a14:hiddenFill xmlns:a14="http://schemas.microsoft.com/office/drawing/2010/main">
+                <a:solidFill>
+                  <a:schemeClr val="accent1"/>
+                </a:solidFill>
+              </a14:hiddenFill>
+            </a:ext>
+            <a:ext uri="{91240B29-F687-4F45-9708-019B960494DF}">
+              <a14:hiddenLine xmlns:a14="http://schemas.microsoft.com/office/drawing/2010/main" w="9525">
+                <a:solidFill>
+                  <a:schemeClr val="tx1"/>
+                </a:solidFill>
+                <a:miter lim="800000"/>
+                <a:headEnd/>
+                <a:tailEnd/>
+              </a14:hiddenLine>
+            </a:ext>
+            <a:ext uri="{AF507438-7753-43E0-B8FC-AC1667EBCBE1}">
+              <a14:hiddenEffects xmlns:a14="http://schemas.microsoft.com/office/drawing/2010/main">
+                <a:effectLst>
+                  <a:outerShdw dist="35921" dir="2700000" algn="ctr" rotWithShape="0">
+                    <a:schemeClr val="bg2"/>
+                  </a:outerShdw>
+                </a:effectLst>
+              </a14:hiddenEffects>
+            </a:ext>
+          </a:extLst>
+        </p:spPr>
+      </p:pic>
+      <p:cxnSp>
+        <p:nvCxnSpPr>
+          <p:cNvPr id="6" name="Прямая соединительная линия 5"/>
+          <p:cNvCxnSpPr/>
+          <p:nvPr/>
+        </p:nvCxnSpPr>
+        <p:spPr>
+          <a:xfrm>
+            <a:off x="3707904" y="2571750"/>
+            <a:ext cx="0" cy="2160240"/>
+          </a:xfrm>
+          <a:prstGeom prst="line">
+            <a:avLst/>
+          </a:prstGeom>
+          <a:ln w="38100"/>
+        </p:spPr>
+        <p:style>
+          <a:lnRef idx="1">
+            <a:schemeClr val="accent1"/>
+          </a:lnRef>
+          <a:fillRef idx="0">
+            <a:schemeClr val="accent1"/>
+          </a:fillRef>
+          <a:effectRef idx="0">
+            <a:schemeClr val="accent1"/>
+          </a:effectRef>
+          <a:fontRef idx="minor">
+            <a:schemeClr val="tx1"/>
+          </a:fontRef>
+        </p:style>
+      </p:cxnSp>
     </p:spTree>
     <p:extLst>
       <p:ext uri="{BB962C8B-B14F-4D97-AF65-F5344CB8AC3E}">
@@ -17998,8 +18392,8 @@
         </p:nvSpPr>
         <p:spPr>
           <a:xfrm>
-            <a:off x="611560" y="1052736"/>
-            <a:ext cx="7031092" cy="3108543"/>
+            <a:off x="611560" y="789553"/>
+            <a:ext cx="5950668" cy="2862322"/>
           </a:xfrm>
           <a:prstGeom prst="rect">
             <a:avLst/>
@@ -18026,11 +18420,11 @@
               <a:buChar char="•"/>
             </a:pPr>
             <a:r>
-              <a:rPr lang="en-US" sz="2400" dirty="0" smtClean="0"/>
+              <a:rPr lang="en-US" sz="2000" dirty="0" smtClean="0"/>
               <a:t>A </a:t>
             </a:r>
             <a:r>
-              <a:rPr lang="en-US" sz="2400" dirty="0" err="1" smtClean="0">
+              <a:rPr lang="en-US" sz="2000" dirty="0" err="1" smtClean="0">
                 <a:solidFill>
                   <a:srgbClr val="00B050"/>
                 </a:solidFill>
@@ -18038,7 +18432,7 @@
               <a:t>val</a:t>
             </a:r>
             <a:r>
-              <a:rPr lang="en-US" sz="2400" dirty="0" smtClean="0">
+              <a:rPr lang="en-US" sz="2000" dirty="0" smtClean="0">
                 <a:solidFill>
                   <a:srgbClr val="00B050"/>
                 </a:solidFill>
@@ -18046,19 +18440,19 @@
               <a:t> </a:t>
             </a:r>
             <a:r>
-              <a:rPr lang="en-US" sz="2400" dirty="0" smtClean="0"/>
+              <a:rPr lang="en-US" sz="2000" dirty="0" smtClean="0"/>
               <a:t>(final) is </a:t>
             </a:r>
             <a:r>
-              <a:rPr lang="en-US" sz="2400" b="1" dirty="0" smtClean="0"/>
+              <a:rPr lang="en-US" sz="2000" b="1" dirty="0" smtClean="0"/>
               <a:t>always </a:t>
             </a:r>
             <a:r>
-              <a:rPr lang="en-US" sz="2400" dirty="0" smtClean="0"/>
+              <a:rPr lang="en-US" sz="2000" dirty="0" smtClean="0"/>
               <a:t>preferred to a </a:t>
             </a:r>
             <a:r>
-              <a:rPr lang="en-US" sz="2400" dirty="0" err="1" smtClean="0">
+              <a:rPr lang="en-US" sz="2000" dirty="0" err="1" smtClean="0">
                 <a:solidFill>
                   <a:srgbClr val="FF0000"/>
                 </a:solidFill>
@@ -18066,7 +18460,7 @@
               <a:t>var</a:t>
             </a:r>
             <a:r>
-              <a:rPr lang="en-US" sz="2400" dirty="0" smtClean="0">
+              <a:rPr lang="en-US" sz="2000" dirty="0" smtClean="0">
                 <a:solidFill>
                   <a:srgbClr val="FF0000"/>
                 </a:solidFill>
@@ -18074,10 +18468,10 @@
               <a:t> </a:t>
             </a:r>
             <a:r>
-              <a:rPr lang="en-US" sz="2400" dirty="0" smtClean="0"/>
+              <a:rPr lang="en-US" sz="2000" dirty="0" smtClean="0"/>
               <a:t>(non-final)</a:t>
             </a:r>
-            <a:endParaRPr lang="en-US" sz="2400" b="1" dirty="0"/>
+            <a:endParaRPr lang="en-US" sz="2000" b="1" dirty="0"/>
           </a:p>
           <a:p>
             <a:pPr marL="342900" indent="-342900">
@@ -18085,7 +18479,7 @@
               <a:buChar char="•"/>
             </a:pPr>
             <a:r>
-              <a:rPr lang="en-US" sz="2400" dirty="0" smtClean="0"/>
+              <a:rPr lang="en-US" sz="2000" dirty="0" smtClean="0"/>
               <a:t>Collections are immutable by default</a:t>
             </a:r>
           </a:p>
@@ -18101,16 +18495,16 @@
               <a:buChar char="•"/>
             </a:pPr>
             <a:r>
-              <a:rPr lang="en-US" sz="2400" dirty="0" smtClean="0"/>
+              <a:rPr lang="en-US" sz="2000" dirty="0" smtClean="0"/>
               <a:t>Case classes (useful functional data structure) are </a:t>
             </a:r>
           </a:p>
           <a:p>
             <a:r>
-              <a:rPr lang="en-US" sz="2400" dirty="0" smtClean="0"/>
+              <a:rPr lang="en-US" sz="2000" dirty="0" smtClean="0"/>
               <a:t>immutable by default</a:t>
             </a:r>
-            <a:endParaRPr lang="uk-UA" sz="2400" dirty="0"/>
+            <a:endParaRPr lang="uk-UA" sz="2000" dirty="0"/>
           </a:p>
         </p:txBody>
       </p:sp>
@@ -18130,8 +18524,8 @@
         </p:blipFill>
         <p:spPr>
           <a:xfrm>
-            <a:off x="899517" y="4221088"/>
-            <a:ext cx="7000875" cy="1676400"/>
+            <a:off x="899592" y="3651875"/>
+            <a:ext cx="5400600" cy="1164167"/>
           </a:xfrm>
           <a:prstGeom prst="rect">
             <a:avLst/>
@@ -18154,8 +18548,8 @@
         </p:blipFill>
         <p:spPr>
           <a:xfrm>
-            <a:off x="899592" y="2576230"/>
-            <a:ext cx="4152900" cy="619125"/>
+            <a:off x="899592" y="2381089"/>
+            <a:ext cx="3024336" cy="500063"/>
           </a:xfrm>
           <a:prstGeom prst="rect">
             <a:avLst/>
@@ -18172,6 +18566,13 @@
   <p:clrMapOvr>
     <a:masterClrMapping/>
   </p:clrMapOvr>
+  <p:timing>
+    <p:tnLst>
+      <p:par>
+        <p:cTn id="1" dur="indefinite" restart="never" nodeType="tmRoot"/>
+      </p:par>
+    </p:tnLst>
+  </p:timing>
 </p:sld>
 </file>
 
@@ -18200,8 +18601,8 @@
         </p:nvSpPr>
         <p:spPr>
           <a:xfrm>
-            <a:off x="467544" y="908720"/>
-            <a:ext cx="2448106" cy="769441"/>
+            <a:off x="467544" y="681540"/>
+            <a:ext cx="2448106" cy="461665"/>
           </a:xfrm>
           <a:prstGeom prst="rect">
             <a:avLst/>
@@ -18216,45 +18617,19 @@
           <a:p>
             <a:r>
               <a:rPr lang="en-US" sz="2400" dirty="0" smtClean="0"/>
-              <a:t>Pattern matching</a:t>
+              <a:t>Pattern </a:t>
             </a:r>
-          </a:p>
-          <a:p>
             <a:r>
-              <a:rPr lang="en-US" sz="2000" dirty="0" smtClean="0"/>
-              <a:t>Examples:</a:t>
+              <a:rPr lang="en-US" sz="2400" dirty="0" smtClean="0"/>
+              <a:t>matching</a:t>
             </a:r>
-            <a:endParaRPr lang="uk-UA" sz="2000" dirty="0"/>
+            <a:endParaRPr lang="en-US" sz="2400" dirty="0" smtClean="0"/>
           </a:p>
         </p:txBody>
       </p:sp>
       <p:pic>
         <p:nvPicPr>
           <p:cNvPr id="4" name="Picture 3"/>
-          <p:cNvPicPr>
-            <a:picLocks noChangeAspect="1"/>
-          </p:cNvPicPr>
-          <p:nvPr/>
-        </p:nvPicPr>
-        <p:blipFill>
-          <a:blip r:embed="rId2"/>
-          <a:stretch>
-            <a:fillRect/>
-          </a:stretch>
-        </p:blipFill>
-        <p:spPr>
-          <a:xfrm>
-            <a:off x="467544" y="1711899"/>
-            <a:ext cx="8430276" cy="1887736"/>
-          </a:xfrm>
-          <a:prstGeom prst="rect">
-            <a:avLst/>
-          </a:prstGeom>
-        </p:spPr>
-      </p:pic>
-      <p:pic>
-        <p:nvPicPr>
-          <p:cNvPr id="6" name="Picture 5"/>
           <p:cNvPicPr>
             <a:picLocks noChangeAspect="1"/>
           </p:cNvPicPr>
@@ -18268,12 +18643,76 @@
         </p:blipFill>
         <p:spPr>
           <a:xfrm>
-            <a:off x="453379" y="3789040"/>
-            <a:ext cx="8583117" cy="2174088"/>
+            <a:off x="559836" y="3416393"/>
+            <a:ext cx="7198912" cy="1547008"/>
           </a:xfrm>
           <a:prstGeom prst="rect">
             <a:avLst/>
           </a:prstGeom>
+        </p:spPr>
+      </p:pic>
+      <p:pic>
+        <p:nvPicPr>
+          <p:cNvPr id="2051" name="Picture 3"/>
+          <p:cNvPicPr>
+            <a:picLocks noChangeAspect="1" noChangeArrowheads="1"/>
+          </p:cNvPicPr>
+          <p:nvPr/>
+        </p:nvPicPr>
+        <p:blipFill>
+          <a:blip r:embed="rId4">
+            <a:extLst>
+              <a:ext uri="{28A0092B-C50C-407E-A947-70E740481C1C}">
+                <a14:useLocalDpi xmlns:a14="http://schemas.microsoft.com/office/drawing/2010/main" val="0"/>
+              </a:ext>
+            </a:extLst>
+          </a:blip>
+          <a:srcRect/>
+          <a:stretch>
+            <a:fillRect/>
+          </a:stretch>
+        </p:blipFill>
+        <p:spPr bwMode="auto">
+          <a:xfrm>
+            <a:off x="530859" y="1059582"/>
+            <a:ext cx="6472497" cy="2190037"/>
+          </a:xfrm>
+          <a:prstGeom prst="rect">
+            <a:avLst/>
+          </a:prstGeom>
+          <a:noFill/>
+          <a:ln>
+            <a:noFill/>
+          </a:ln>
+          <a:effectLst/>
+          <a:extLst>
+            <a:ext uri="{909E8E84-426E-40DD-AFC4-6F175D3DCCD1}">
+              <a14:hiddenFill xmlns:a14="http://schemas.microsoft.com/office/drawing/2010/main">
+                <a:solidFill>
+                  <a:schemeClr val="accent1"/>
+                </a:solidFill>
+              </a14:hiddenFill>
+            </a:ext>
+            <a:ext uri="{91240B29-F687-4F45-9708-019B960494DF}">
+              <a14:hiddenLine xmlns:a14="http://schemas.microsoft.com/office/drawing/2010/main" w="9525">
+                <a:solidFill>
+                  <a:schemeClr val="tx1"/>
+                </a:solidFill>
+                <a:miter lim="800000"/>
+                <a:headEnd/>
+                <a:tailEnd/>
+              </a14:hiddenLine>
+            </a:ext>
+            <a:ext uri="{AF507438-7753-43E0-B8FC-AC1667EBCBE1}">
+              <a14:hiddenEffects xmlns:a14="http://schemas.microsoft.com/office/drawing/2010/main">
+                <a:effectLst>
+                  <a:outerShdw dist="35921" dir="2700000" algn="ctr" rotWithShape="0">
+                    <a:schemeClr val="bg2"/>
+                  </a:outerShdw>
+                </a:effectLst>
+              </a14:hiddenEffects>
+            </a:ext>
+          </a:extLst>
         </p:spPr>
       </p:pic>
     </p:spTree>
@@ -18286,6 +18725,13 @@
   <p:clrMapOvr>
     <a:masterClrMapping/>
   </p:clrMapOvr>
+  <p:timing>
+    <p:tnLst>
+      <p:par>
+        <p:cTn id="1" dur="indefinite" restart="never" nodeType="tmRoot"/>
+      </p:par>
+    </p:tnLst>
+  </p:timing>
 </p:sld>
 </file>
 
@@ -18306,68 +18752,9 @@
           <a:chExt cx="0" cy="0"/>
         </a:xfrm>
       </p:grpSpPr>
-      <p:sp>
-        <p:nvSpPr>
-          <p:cNvPr id="2" name="TextBox 1"/>
-          <p:cNvSpPr txBox="1"/>
-          <p:nvPr/>
-        </p:nvSpPr>
-        <p:spPr>
-          <a:xfrm>
-            <a:off x="323528" y="980728"/>
-            <a:ext cx="2795958" cy="461665"/>
-          </a:xfrm>
-          <a:prstGeom prst="rect">
-            <a:avLst/>
-          </a:prstGeom>
-          <a:noFill/>
-        </p:spPr>
-        <p:txBody>
-          <a:bodyPr wrap="none" rtlCol="0">
-            <a:spAutoFit/>
-          </a:bodyPr>
-          <a:lstStyle/>
-          <a:p>
-            <a:r>
-              <a:rPr lang="en-US" sz="2400" dirty="0" smtClean="0"/>
-              <a:t>Looping is recursion</a:t>
-            </a:r>
-            <a:endParaRPr lang="uk-UA" sz="2400" dirty="0"/>
-          </a:p>
-        </p:txBody>
-      </p:sp>
-      <p:sp>
-        <p:nvSpPr>
-          <p:cNvPr id="3" name="TextBox 2"/>
-          <p:cNvSpPr txBox="1"/>
-          <p:nvPr/>
-        </p:nvSpPr>
-        <p:spPr>
-          <a:xfrm>
-            <a:off x="323528" y="1628800"/>
-            <a:ext cx="6200736" cy="369332"/>
-          </a:xfrm>
-          <a:prstGeom prst="rect">
-            <a:avLst/>
-          </a:prstGeom>
-          <a:noFill/>
-        </p:spPr>
-        <p:txBody>
-          <a:bodyPr wrap="none" rtlCol="0">
-            <a:spAutoFit/>
-          </a:bodyPr>
-          <a:lstStyle/>
-          <a:p>
-            <a:r>
-              <a:rPr lang="en-US" dirty="0" smtClean="0"/>
-              <a:t>The purely functional way of making any iteration is recursion.</a:t>
-            </a:r>
-          </a:p>
-        </p:txBody>
-      </p:sp>
       <p:pic>
         <p:nvPicPr>
-          <p:cNvPr id="6" name="Picture 5"/>
+          <p:cNvPr id="3" name="Picture 5"/>
           <p:cNvPicPr>
             <a:picLocks noChangeAspect="1"/>
           </p:cNvPicPr>
@@ -18381,18 +18768,82 @@
         </p:blipFill>
         <p:spPr>
           <a:xfrm>
-            <a:off x="899592" y="2017794"/>
-            <a:ext cx="6480720" cy="3976219"/>
+            <a:off x="446548" y="2787774"/>
+            <a:ext cx="8583117" cy="2116620"/>
           </a:xfrm>
           <a:prstGeom prst="rect">
             <a:avLst/>
           </a:prstGeom>
         </p:spPr>
       </p:pic>
+      <p:pic>
+        <p:nvPicPr>
+          <p:cNvPr id="3076" name="Picture 4"/>
+          <p:cNvPicPr>
+            <a:picLocks noChangeAspect="1" noChangeArrowheads="1"/>
+          </p:cNvPicPr>
+          <p:nvPr/>
+        </p:nvPicPr>
+        <p:blipFill>
+          <a:blip r:embed="rId3">
+            <a:extLst>
+              <a:ext uri="{28A0092B-C50C-407E-A947-70E740481C1C}">
+                <a14:useLocalDpi xmlns:a14="http://schemas.microsoft.com/office/drawing/2010/main" val="0"/>
+              </a:ext>
+            </a:extLst>
+          </a:blip>
+          <a:srcRect/>
+          <a:stretch>
+            <a:fillRect/>
+          </a:stretch>
+        </p:blipFill>
+        <p:spPr bwMode="auto">
+          <a:xfrm>
+            <a:off x="395536" y="851975"/>
+            <a:ext cx="9666114" cy="1900729"/>
+          </a:xfrm>
+          <a:prstGeom prst="rect">
+            <a:avLst/>
+          </a:prstGeom>
+          <a:noFill/>
+          <a:ln>
+            <a:noFill/>
+          </a:ln>
+          <a:effectLst/>
+          <a:extLst>
+            <a:ext uri="{909E8E84-426E-40DD-AFC4-6F175D3DCCD1}">
+              <a14:hiddenFill xmlns:a14="http://schemas.microsoft.com/office/drawing/2010/main">
+                <a:solidFill>
+                  <a:schemeClr val="accent1"/>
+                </a:solidFill>
+              </a14:hiddenFill>
+            </a:ext>
+            <a:ext uri="{91240B29-F687-4F45-9708-019B960494DF}">
+              <a14:hiddenLine xmlns:a14="http://schemas.microsoft.com/office/drawing/2010/main" w="9525">
+                <a:solidFill>
+                  <a:schemeClr val="tx1"/>
+                </a:solidFill>
+                <a:miter lim="800000"/>
+                <a:headEnd/>
+                <a:tailEnd/>
+              </a14:hiddenLine>
+            </a:ext>
+            <a:ext uri="{AF507438-7753-43E0-B8FC-AC1667EBCBE1}">
+              <a14:hiddenEffects xmlns:a14="http://schemas.microsoft.com/office/drawing/2010/main">
+                <a:effectLst>
+                  <a:outerShdw dist="35921" dir="2700000" algn="ctr" rotWithShape="0">
+                    <a:schemeClr val="bg2"/>
+                  </a:outerShdw>
+                </a:effectLst>
+              </a14:hiddenEffects>
+            </a:ext>
+          </a:extLst>
+        </p:spPr>
+      </p:pic>
     </p:spTree>
     <p:extLst>
       <p:ext uri="{BB962C8B-B14F-4D97-AF65-F5344CB8AC3E}">
-        <p14:creationId xmlns:p14="http://schemas.microsoft.com/office/powerpoint/2010/main" val="2919114084"/>
+        <p14:creationId xmlns:p14="http://schemas.microsoft.com/office/powerpoint/2010/main" val="3160970936"/>
       </p:ext>
     </p:extLst>
   </p:cSld>
@@ -18427,8 +18878,8 @@
         </p:nvSpPr>
         <p:spPr>
           <a:xfrm>
-            <a:off x="539552" y="1052736"/>
-            <a:ext cx="3993401" cy="2000548"/>
+            <a:off x="323528" y="735546"/>
+            <a:ext cx="2795958" cy="461665"/>
           </a:xfrm>
           <a:prstGeom prst="rect">
             <a:avLst/>
@@ -18443,48 +18894,44 @@
           <a:p>
             <a:r>
               <a:rPr lang="en-US" sz="2400" dirty="0" smtClean="0"/>
-              <a:t>Tail recursion</a:t>
+              <a:t>Looping is recursion</a:t>
             </a:r>
-          </a:p>
-          <a:p>
-            <a:endParaRPr lang="en-US" sz="2000" dirty="0" smtClean="0"/>
-          </a:p>
-          <a:p>
-            <a:pPr marL="342900" indent="-342900">
-              <a:buFont typeface="Wingdings" panose="05000000000000000000" pitchFamily="2" charset="2"/>
-              <a:buChar char="§"/>
-            </a:pPr>
+            <a:endParaRPr lang="uk-UA" sz="2400" dirty="0"/>
+          </a:p>
+        </p:txBody>
+      </p:sp>
+      <p:sp>
+        <p:nvSpPr>
+          <p:cNvPr id="3" name="TextBox 2"/>
+          <p:cNvSpPr txBox="1"/>
+          <p:nvPr/>
+        </p:nvSpPr>
+        <p:spPr>
+          <a:xfrm>
+            <a:off x="323528" y="1221600"/>
+            <a:ext cx="6200736" cy="369332"/>
+          </a:xfrm>
+          <a:prstGeom prst="rect">
+            <a:avLst/>
+          </a:prstGeom>
+          <a:noFill/>
+        </p:spPr>
+        <p:txBody>
+          <a:bodyPr wrap="none" rtlCol="0">
+            <a:spAutoFit/>
+          </a:bodyPr>
+          <a:lstStyle/>
+          <a:p>
             <a:r>
-              <a:rPr lang="en-US" sz="2000" dirty="0" smtClean="0"/>
-              <a:t>Significantly boost performance</a:t>
+              <a:rPr lang="en-US" dirty="0" smtClean="0"/>
+              <a:t>The purely functional way of making any iteration is recursion.</a:t>
             </a:r>
-          </a:p>
-          <a:p>
-            <a:pPr marL="342900" indent="-342900">
-              <a:buFont typeface="Wingdings" panose="05000000000000000000" pitchFamily="2" charset="2"/>
-              <a:buChar char="§"/>
-            </a:pPr>
-            <a:r>
-              <a:rPr lang="en-US" sz="2000" dirty="0" smtClean="0"/>
-              <a:t>Avoid </a:t>
-            </a:r>
-            <a:r>
-              <a:rPr lang="en-US" sz="2000" dirty="0" err="1" smtClean="0"/>
-              <a:t>StackOverflowException</a:t>
-            </a:r>
-            <a:endParaRPr lang="en-US" sz="2000" dirty="0" smtClean="0"/>
-          </a:p>
-          <a:p>
-            <a:endParaRPr lang="en-US" sz="2000" dirty="0"/>
-          </a:p>
-          <a:p>
-            <a:endParaRPr lang="en-US" sz="2000" dirty="0"/>
           </a:p>
         </p:txBody>
       </p:sp>
       <p:pic>
         <p:nvPicPr>
-          <p:cNvPr id="3" name="Picture 2"/>
+          <p:cNvPr id="6" name="Picture 5"/>
           <p:cNvPicPr>
             <a:picLocks noChangeAspect="1"/>
           </p:cNvPicPr>
@@ -18498,8 +18945,8 @@
         </p:blipFill>
         <p:spPr>
           <a:xfrm>
-            <a:off x="587591" y="2492896"/>
-            <a:ext cx="7054230" cy="4064029"/>
+            <a:off x="899592" y="1707652"/>
+            <a:ext cx="5400600" cy="2995095"/>
           </a:xfrm>
           <a:prstGeom prst="rect">
             <a:avLst/>
@@ -18509,13 +18956,20 @@
     </p:spTree>
     <p:extLst>
       <p:ext uri="{BB962C8B-B14F-4D97-AF65-F5344CB8AC3E}">
-        <p14:creationId xmlns:p14="http://schemas.microsoft.com/office/powerpoint/2010/main" val="1859288455"/>
+        <p14:creationId xmlns:p14="http://schemas.microsoft.com/office/powerpoint/2010/main" val="2919114084"/>
       </p:ext>
     </p:extLst>
   </p:cSld>
   <p:clrMapOvr>
     <a:masterClrMapping/>
   </p:clrMapOvr>
+  <p:timing>
+    <p:tnLst>
+      <p:par>
+        <p:cTn id="1" dur="indefinite" restart="never" nodeType="tmRoot"/>
+      </p:par>
+    </p:tnLst>
+  </p:timing>
 </p:sld>
 </file>
 
@@ -19070,7 +19524,7 @@
   <a:extraClrSchemeLst/>
   <a:extLst>
     <a:ext uri="{05A4C25C-085E-4340-85A3-A5531E510DB2}">
-      <thm15:themeFamily xmlns:thm15="http://schemas.microsoft.com/office/thememl/2012/main" xmlns="" name="Office Theme" id="{62F939B6-93AF-4DB8-9C6B-D6C7DFDC589F}" vid="{4A3C46E8-61CC-4603-A589-7422A47A8E4A}"/>
+      <thm15:themeFamily xmlns="" xmlns:thm15="http://schemas.microsoft.com/office/thememl/2012/main" name="Office Theme" id="{62F939B6-93AF-4DB8-9C6B-D6C7DFDC589F}" vid="{4A3C46E8-61CC-4603-A589-7422A47A8E4A}"/>
     </a:ext>
   </a:extLst>
 </a:theme>

--- a/FP.pptx
+++ b/FP.pptx
@@ -5,7 +5,7 @@
     <p:sldMasterId id="2147483660" r:id="rId1"/>
   </p:sldMasterIdLst>
   <p:notesMasterIdLst>
-    <p:notesMasterId r:id="rId20"/>
+    <p:notesMasterId r:id="rId29"/>
   </p:notesMasterIdLst>
   <p:sldIdLst>
     <p:sldId id="256" r:id="rId2"/>
@@ -15,19 +15,28 @@
     <p:sldId id="260" r:id="rId6"/>
     <p:sldId id="261" r:id="rId7"/>
     <p:sldId id="262" r:id="rId8"/>
-    <p:sldId id="263" r:id="rId9"/>
-    <p:sldId id="264" r:id="rId10"/>
-    <p:sldId id="265" r:id="rId11"/>
-    <p:sldId id="266" r:id="rId12"/>
-    <p:sldId id="267" r:id="rId13"/>
-    <p:sldId id="268" r:id="rId14"/>
-    <p:sldId id="269" r:id="rId15"/>
-    <p:sldId id="270" r:id="rId16"/>
-    <p:sldId id="271" r:id="rId17"/>
-    <p:sldId id="272" r:id="rId18"/>
-    <p:sldId id="273" r:id="rId19"/>
+    <p:sldId id="278" r:id="rId9"/>
+    <p:sldId id="263" r:id="rId10"/>
+    <p:sldId id="264" r:id="rId11"/>
+    <p:sldId id="265" r:id="rId12"/>
+    <p:sldId id="282" r:id="rId13"/>
+    <p:sldId id="283" r:id="rId14"/>
+    <p:sldId id="266" r:id="rId15"/>
+    <p:sldId id="267" r:id="rId16"/>
+    <p:sldId id="275" r:id="rId17"/>
+    <p:sldId id="274" r:id="rId18"/>
+    <p:sldId id="276" r:id="rId19"/>
+    <p:sldId id="279" r:id="rId20"/>
+    <p:sldId id="280" r:id="rId21"/>
+    <p:sldId id="281" r:id="rId22"/>
+    <p:sldId id="269" r:id="rId23"/>
+    <p:sldId id="270" r:id="rId24"/>
+    <p:sldId id="271" r:id="rId25"/>
+    <p:sldId id="272" r:id="rId26"/>
+    <p:sldId id="273" r:id="rId27"/>
+    <p:sldId id="277" r:id="rId28"/>
   </p:sldIdLst>
-  <p:sldSz cx="9144000" cy="6858000" type="screen4x3"/>
+  <p:sldSz cx="9144000" cy="5143500" type="screen16x9"/>
   <p:notesSz cx="6858000" cy="9144000"/>
   <p:defaultTextStyle>
     <a:defPPr>
@@ -137,6 +146,11 @@
             <a:srgbClr val="A4A3A4"/>
           </p15:clr>
         </p15:guide>
+        <p15:guide id="3" orient="horz" pos="1620">
+          <p15:clr>
+            <a:srgbClr val="A4A3A4"/>
+          </p15:clr>
+        </p15:guide>
       </p15:sldGuideLst>
     </p:ext>
   </p:extLst>
@@ -225,7 +239,7 @@
           <a:p>
             <a:fld id="{2B9F30B2-1395-4BE0-8133-102C004F9E2F}" type="datetimeFigureOut">
               <a:rPr lang="uk-UA" smtClean="0"/>
-              <a:t>13.01.2017</a:t>
+              <a:t>19.01.2017</a:t>
             </a:fld>
             <a:endParaRPr lang="uk-UA"/>
           </a:p>
@@ -243,8 +257,8 @@
         </p:nvSpPr>
         <p:spPr>
           <a:xfrm>
-            <a:off x="1371600" y="1143000"/>
-            <a:ext cx="4114800" cy="3086100"/>
+            <a:off x="685800" y="1143000"/>
+            <a:ext cx="5486400" cy="3086100"/>
           </a:xfrm>
           <a:prstGeom prst="rect">
             <a:avLst/>
@@ -512,6 +526,90 @@
       </p:grpSpPr>
       <p:sp>
         <p:nvSpPr>
+          <p:cNvPr id="2" name="Образ слайда 1"/>
+          <p:cNvSpPr>
+            <a:spLocks noGrp="1" noRot="1" noChangeAspect="1"/>
+          </p:cNvSpPr>
+          <p:nvPr>
+            <p:ph type="sldImg"/>
+          </p:nvPr>
+        </p:nvSpPr>
+        <p:spPr/>
+      </p:sp>
+      <p:sp>
+        <p:nvSpPr>
+          <p:cNvPr id="3" name="Заметки 2"/>
+          <p:cNvSpPr>
+            <a:spLocks noGrp="1"/>
+          </p:cNvSpPr>
+          <p:nvPr>
+            <p:ph type="body" idx="1"/>
+          </p:nvPr>
+        </p:nvSpPr>
+        <p:spPr/>
+        <p:txBody>
+          <a:bodyPr/>
+          <a:lstStyle/>
+          <a:p>
+            <a:endParaRPr lang="ru-RU" dirty="0"/>
+          </a:p>
+        </p:txBody>
+      </p:sp>
+      <p:sp>
+        <p:nvSpPr>
+          <p:cNvPr id="4" name="Номер слайда 3"/>
+          <p:cNvSpPr>
+            <a:spLocks noGrp="1"/>
+          </p:cNvSpPr>
+          <p:nvPr>
+            <p:ph type="sldNum" sz="quarter" idx="10"/>
+          </p:nvPr>
+        </p:nvSpPr>
+        <p:spPr/>
+        <p:txBody>
+          <a:bodyPr/>
+          <a:lstStyle/>
+          <a:p>
+            <a:fld id="{6A62D7F2-D497-4877-96DA-6639326F3746}" type="slidenum">
+              <a:rPr lang="uk-UA" smtClean="0"/>
+              <a:t>7</a:t>
+            </a:fld>
+            <a:endParaRPr lang="uk-UA"/>
+          </a:p>
+        </p:txBody>
+      </p:sp>
+    </p:spTree>
+    <p:extLst>
+      <p:ext uri="{BB962C8B-B14F-4D97-AF65-F5344CB8AC3E}">
+        <p14:creationId xmlns:p14="http://schemas.microsoft.com/office/powerpoint/2010/main" val="2903134522"/>
+      </p:ext>
+    </p:extLst>
+  </p:cSld>
+  <p:clrMapOvr>
+    <a:masterClrMapping/>
+  </p:clrMapOvr>
+</p:notes>
+</file>
+
+<file path=ppt/notesSlides/notesSlide2.xml><?xml version="1.0" encoding="utf-8"?>
+<p:notes xmlns:a="http://schemas.openxmlformats.org/drawingml/2006/main" xmlns:r="http://schemas.openxmlformats.org/officeDocument/2006/relationships" xmlns:p="http://schemas.openxmlformats.org/presentationml/2006/main">
+  <p:cSld>
+    <p:spTree>
+      <p:nvGrpSpPr>
+        <p:cNvPr id="1" name=""/>
+        <p:cNvGrpSpPr/>
+        <p:nvPr/>
+      </p:nvGrpSpPr>
+      <p:grpSpPr>
+        <a:xfrm>
+          <a:off x="0" y="0"/>
+          <a:ext cx="0" cy="0"/>
+          <a:chOff x="0" y="0"/>
+          <a:chExt cx="0" cy="0"/>
+        </a:xfrm>
+      </p:grpSpPr>
+      <p:sp>
+        <p:nvSpPr>
           <p:cNvPr id="2" name="Slide Image Placeholder 1"/>
           <p:cNvSpPr>
             <a:spLocks noGrp="1" noRot="1" noChangeAspect="1"/>
@@ -520,7 +618,12 @@
             <p:ph type="sldImg"/>
           </p:nvPr>
         </p:nvSpPr>
-        <p:spPr/>
+        <p:spPr>
+          <a:xfrm>
+            <a:off x="685800" y="1143000"/>
+            <a:ext cx="5486400" cy="3086100"/>
+          </a:xfrm>
+        </p:spPr>
       </p:sp>
       <p:sp>
         <p:nvSpPr>
@@ -558,7 +661,7 @@
           <a:p>
             <a:fld id="{6A62D7F2-D497-4877-96DA-6639326F3746}" type="slidenum">
               <a:rPr lang="uk-UA" smtClean="0"/>
-              <a:t>15</a:t>
+              <a:t>23</a:t>
             </a:fld>
             <a:endParaRPr lang="uk-UA"/>
           </a:p>
@@ -602,8 +705,8 @@
         </p:nvSpPr>
         <p:spPr>
           <a:xfrm>
-            <a:off x="228600" y="228600"/>
-            <a:ext cx="8695944" cy="6035040"/>
+            <a:off x="228600" y="171450"/>
+            <a:ext cx="8695944" cy="4526280"/>
           </a:xfrm>
           <a:prstGeom prst="roundRect">
             <a:avLst>
@@ -665,8 +768,8 @@
         </p:nvGrpSpPr>
         <p:grpSpPr bwMode="hidden">
           <a:xfrm>
-            <a:off x="211665" y="5353963"/>
-            <a:ext cx="8723376" cy="1331580"/>
+            <a:off x="211665" y="4015472"/>
+            <a:ext cx="8723376" cy="998685"/>
             <a:chOff x="-3905250" y="4294188"/>
             <a:chExt cx="13011150" cy="1892300"/>
           </a:xfrm>
@@ -2227,8 +2330,8 @@
         </p:nvSpPr>
         <p:spPr>
           <a:xfrm>
-            <a:off x="685800" y="1600200"/>
-            <a:ext cx="7772400" cy="1780108"/>
+            <a:off x="685800" y="1200150"/>
+            <a:ext cx="7772400" cy="1335081"/>
           </a:xfrm>
         </p:spPr>
         <p:txBody>
@@ -2265,8 +2368,8 @@
         </p:nvSpPr>
         <p:spPr>
           <a:xfrm>
-            <a:off x="1371600" y="3556001"/>
-            <a:ext cx="6400800" cy="1473200"/>
+            <a:off x="1371600" y="2667001"/>
+            <a:ext cx="6400800" cy="1104900"/>
           </a:xfrm>
         </p:spPr>
         <p:txBody>
@@ -2389,7 +2492,7 @@
           <a:p>
             <a:fld id="{B4C71EC6-210F-42DE-9C53-41977AD35B3D}" type="datetimeFigureOut">
               <a:rPr lang="ru-RU" smtClean="0"/>
-              <a:t>13.01.2017</a:t>
+              <a:t>19.01.2017</a:t>
             </a:fld>
             <a:endParaRPr lang="ru-RU"/>
           </a:p>
@@ -2570,7 +2673,7 @@
           <a:p>
             <a:fld id="{B4C71EC6-210F-42DE-9C53-41977AD35B3D}" type="datetimeFigureOut">
               <a:rPr lang="ru-RU" smtClean="0"/>
-              <a:t>13.01.2017</a:t>
+              <a:t>19.01.2017</a:t>
             </a:fld>
             <a:endParaRPr lang="ru-RU"/>
           </a:p>
@@ -2651,8 +2754,8 @@
         </p:nvSpPr>
         <p:spPr bwMode="hidden">
           <a:xfrm>
-            <a:off x="228600" y="228600"/>
-            <a:ext cx="8695944" cy="1426464"/>
+            <a:off x="228600" y="171450"/>
+            <a:ext cx="8695944" cy="1069848"/>
           </a:xfrm>
           <a:prstGeom prst="roundRect">
             <a:avLst>
@@ -2721,7 +2824,7 @@
           <a:p>
             <a:fld id="{B4C71EC6-210F-42DE-9C53-41977AD35B3D}" type="datetimeFigureOut">
               <a:rPr lang="ru-RU" smtClean="0"/>
-              <a:t>13.01.2017</a:t>
+              <a:t>19.01.2017</a:t>
             </a:fld>
             <a:endParaRPr lang="ru-RU"/>
           </a:p>
@@ -2779,8 +2882,8 @@
         </p:nvGrpSpPr>
         <p:grpSpPr bwMode="hidden">
           <a:xfrm>
-            <a:off x="211665" y="714191"/>
-            <a:ext cx="8723376" cy="1331580"/>
+            <a:off x="211665" y="535643"/>
+            <a:ext cx="8723376" cy="998685"/>
             <a:chOff x="-3905250" y="4294188"/>
             <a:chExt cx="13011150" cy="1892300"/>
           </a:xfrm>
@@ -4341,8 +4444,8 @@
         </p:nvSpPr>
         <p:spPr>
           <a:xfrm>
-            <a:off x="6629400" y="1447800"/>
-            <a:ext cx="2057400" cy="4487333"/>
+            <a:off x="6629400" y="1085850"/>
+            <a:ext cx="2057400" cy="3365500"/>
           </a:xfrm>
         </p:spPr>
         <p:txBody>
@@ -4377,8 +4480,8 @@
         </p:nvSpPr>
         <p:spPr>
           <a:xfrm>
-            <a:off x="457200" y="1447800"/>
-            <a:ext cx="6019800" cy="4487334"/>
+            <a:off x="457200" y="1085850"/>
+            <a:ext cx="6019800" cy="3365501"/>
           </a:xfrm>
         </p:spPr>
         <p:txBody>
@@ -4547,7 +4650,7 @@
           <a:p>
             <a:fld id="{B4C71EC6-210F-42DE-9C53-41977AD35B3D}" type="datetimeFigureOut">
               <a:rPr lang="ru-RU" smtClean="0"/>
-              <a:t>13.01.2017</a:t>
+              <a:t>19.01.2017</a:t>
             </a:fld>
             <a:endParaRPr lang="ru-RU"/>
           </a:p>
@@ -4651,8 +4754,8 @@
         </p:nvSpPr>
         <p:spPr>
           <a:xfrm>
-            <a:off x="228600" y="228600"/>
-            <a:ext cx="8695944" cy="4736592"/>
+            <a:off x="228600" y="171450"/>
+            <a:ext cx="8695944" cy="3552444"/>
           </a:xfrm>
           <a:prstGeom prst="roundRect">
             <a:avLst>
@@ -4714,8 +4817,8 @@
         </p:nvSpPr>
         <p:spPr bwMode="hidden">
           <a:xfrm>
-            <a:off x="6047438" y="4203592"/>
-            <a:ext cx="2876429" cy="714026"/>
+            <a:off x="6047439" y="3152694"/>
+            <a:ext cx="2876429" cy="535520"/>
           </a:xfrm>
           <a:custGeom>
             <a:avLst/>
@@ -5106,8 +5209,8 @@
         </p:nvSpPr>
         <p:spPr bwMode="hidden">
           <a:xfrm>
-            <a:off x="2619320" y="4075290"/>
-            <a:ext cx="5544515" cy="850138"/>
+            <a:off x="2619320" y="3056467"/>
+            <a:ext cx="5544515" cy="637604"/>
           </a:xfrm>
           <a:custGeom>
             <a:avLst/>
@@ -5483,8 +5586,8 @@
         </p:nvSpPr>
         <p:spPr bwMode="hidden">
           <a:xfrm>
-            <a:off x="2828728" y="4087562"/>
-            <a:ext cx="5467980" cy="774272"/>
+            <a:off x="2828728" y="3065672"/>
+            <a:ext cx="5467980" cy="580704"/>
           </a:xfrm>
           <a:custGeom>
             <a:avLst/>
@@ -5717,8 +5820,8 @@
         </p:nvSpPr>
         <p:spPr bwMode="hidden">
           <a:xfrm>
-            <a:off x="5609489" y="4074174"/>
-            <a:ext cx="3308000" cy="651549"/>
+            <a:off x="5609489" y="3055631"/>
+            <a:ext cx="3308000" cy="488662"/>
           </a:xfrm>
           <a:custGeom>
             <a:avLst/>
@@ -5885,8 +5988,8 @@
         </p:nvSpPr>
         <p:spPr bwMode="hidden">
           <a:xfrm>
-            <a:off x="211665" y="4058555"/>
-            <a:ext cx="8723376" cy="1329874"/>
+            <a:off x="211665" y="3043916"/>
+            <a:ext cx="8723376" cy="997406"/>
           </a:xfrm>
           <a:custGeom>
             <a:avLst/>
@@ -6259,8 +6362,8 @@
         </p:nvSpPr>
         <p:spPr>
           <a:xfrm>
-            <a:off x="690032" y="2463560"/>
-            <a:ext cx="7772400" cy="1524000"/>
+            <a:off x="690032" y="1847670"/>
+            <a:ext cx="7772400" cy="1143000"/>
           </a:xfrm>
         </p:spPr>
         <p:txBody>
@@ -6293,8 +6396,8 @@
         </p:nvSpPr>
         <p:spPr>
           <a:xfrm>
-            <a:off x="1367365" y="1437448"/>
-            <a:ext cx="6417734" cy="939801"/>
+            <a:off x="1367365" y="1078086"/>
+            <a:ext cx="6417734" cy="704851"/>
           </a:xfrm>
         </p:spPr>
         <p:txBody>
@@ -6417,7 +6520,7 @@
           <a:p>
             <a:fld id="{B4C71EC6-210F-42DE-9C53-41977AD35B3D}" type="datetimeFigureOut">
               <a:rPr lang="ru-RU" smtClean="0"/>
-              <a:t>13.01.2017</a:t>
+              <a:t>19.01.2017</a:t>
             </a:fld>
             <a:endParaRPr lang="ru-RU"/>
           </a:p>
@@ -6530,7 +6633,7 @@
           <a:p>
             <a:fld id="{B4C71EC6-210F-42DE-9C53-41977AD35B3D}" type="datetimeFigureOut">
               <a:rPr lang="ru-RU" smtClean="0"/>
-              <a:t>13.01.2017</a:t>
+              <a:t>19.01.2017</a:t>
             </a:fld>
             <a:endParaRPr lang="ru-RU"/>
           </a:p>
@@ -6590,8 +6693,8 @@
         </p:nvSpPr>
         <p:spPr>
           <a:xfrm>
-            <a:off x="676655" y="2679192"/>
-            <a:ext cx="3822192" cy="3447288"/>
+            <a:off x="676655" y="2009394"/>
+            <a:ext cx="3822192" cy="2585466"/>
           </a:xfrm>
         </p:spPr>
         <p:txBody>
@@ -6647,8 +6750,8 @@
         </p:nvSpPr>
         <p:spPr>
           <a:xfrm>
-            <a:off x="4645152" y="2679192"/>
-            <a:ext cx="3822192" cy="3447288"/>
+            <a:off x="4645152" y="2009394"/>
+            <a:ext cx="3822192" cy="2585466"/>
           </a:xfrm>
         </p:spPr>
         <p:txBody>
@@ -6756,8 +6859,8 @@
         </p:nvSpPr>
         <p:spPr>
           <a:xfrm>
-            <a:off x="676656" y="2678114"/>
-            <a:ext cx="3822192" cy="639762"/>
+            <a:off x="676656" y="2008585"/>
+            <a:ext cx="3822192" cy="479822"/>
           </a:xfrm>
         </p:spPr>
         <p:txBody>
@@ -6826,8 +6929,8 @@
         </p:nvSpPr>
         <p:spPr>
           <a:xfrm>
-            <a:off x="677332" y="3429000"/>
-            <a:ext cx="3820055" cy="2697163"/>
+            <a:off x="677333" y="2571751"/>
+            <a:ext cx="3820055" cy="2022872"/>
           </a:xfrm>
         </p:spPr>
         <p:txBody>
@@ -6911,8 +7014,8 @@
         </p:nvSpPr>
         <p:spPr>
           <a:xfrm>
-            <a:off x="4648200" y="2678113"/>
-            <a:ext cx="3822192" cy="639762"/>
+            <a:off x="4648200" y="2008585"/>
+            <a:ext cx="3822192" cy="479822"/>
           </a:xfrm>
         </p:spPr>
         <p:txBody>
@@ -6981,8 +7084,8 @@
         </p:nvSpPr>
         <p:spPr>
           <a:xfrm>
-            <a:off x="4645025" y="3429000"/>
-            <a:ext cx="3822192" cy="2697163"/>
+            <a:off x="4645025" y="2571751"/>
+            <a:ext cx="3822192" cy="2022872"/>
           </a:xfrm>
         </p:spPr>
         <p:txBody>
@@ -7071,7 +7174,7 @@
           <a:p>
             <a:fld id="{B4C71EC6-210F-42DE-9C53-41977AD35B3D}" type="datetimeFigureOut">
               <a:rPr lang="ru-RU" smtClean="0"/>
-              <a:t>13.01.2017</a:t>
+              <a:t>19.01.2017</a:t>
             </a:fld>
             <a:endParaRPr lang="ru-RU"/>
           </a:p>
@@ -7184,7 +7287,7 @@
           <a:p>
             <a:fld id="{B4C71EC6-210F-42DE-9C53-41977AD35B3D}" type="datetimeFigureOut">
               <a:rPr lang="ru-RU" smtClean="0"/>
-              <a:t>13.01.2017</a:t>
+              <a:t>19.01.2017</a:t>
             </a:fld>
             <a:endParaRPr lang="ru-RU"/>
           </a:p>
@@ -7265,8 +7368,8 @@
         </p:nvSpPr>
         <p:spPr>
           <a:xfrm>
-            <a:off x="228600" y="228600"/>
-            <a:ext cx="8695944" cy="1426464"/>
+            <a:off x="228600" y="171450"/>
+            <a:ext cx="8695944" cy="1069848"/>
           </a:xfrm>
           <a:prstGeom prst="roundRect">
             <a:avLst>
@@ -7328,8 +7431,8 @@
         </p:nvGrpSpPr>
         <p:grpSpPr bwMode="hidden">
           <a:xfrm>
-            <a:off x="211665" y="714191"/>
-            <a:ext cx="8723376" cy="1329874"/>
+            <a:off x="211665" y="535643"/>
+            <a:ext cx="8723376" cy="997406"/>
             <a:chOff x="-3905251" y="4294188"/>
             <a:chExt cx="13027839" cy="1892300"/>
           </a:xfrm>
@@ -8895,7 +8998,7 @@
           <a:p>
             <a:fld id="{B4C71EC6-210F-42DE-9C53-41977AD35B3D}" type="datetimeFigureOut">
               <a:rPr lang="ru-RU" smtClean="0"/>
-              <a:t>13.01.2017</a:t>
+              <a:t>19.01.2017</a:t>
             </a:fld>
             <a:endParaRPr lang="ru-RU"/>
           </a:p>
@@ -8976,8 +9079,8 @@
         </p:nvSpPr>
         <p:spPr>
           <a:xfrm>
-            <a:off x="228600" y="228600"/>
-            <a:ext cx="8695944" cy="1426464"/>
+            <a:off x="228600" y="171450"/>
+            <a:ext cx="8695944" cy="1069848"/>
           </a:xfrm>
           <a:prstGeom prst="roundRect">
             <a:avLst>
@@ -9046,7 +9149,7 @@
           <a:p>
             <a:fld id="{B4C71EC6-210F-42DE-9C53-41977AD35B3D}" type="datetimeFigureOut">
               <a:rPr lang="ru-RU" smtClean="0"/>
-              <a:t>13.01.2017</a:t>
+              <a:t>19.01.2017</a:t>
             </a:fld>
             <a:endParaRPr lang="ru-RU"/>
           </a:p>
@@ -9106,8 +9209,8 @@
         </p:nvSpPr>
         <p:spPr>
           <a:xfrm>
-            <a:off x="914400" y="3581400"/>
-            <a:ext cx="3352800" cy="1905001"/>
+            <a:off x="914400" y="2686050"/>
+            <a:ext cx="3352800" cy="1428751"/>
           </a:xfrm>
         </p:spPr>
         <p:txBody>
@@ -9181,8 +9284,8 @@
         </p:nvGrpSpPr>
         <p:grpSpPr bwMode="hidden">
           <a:xfrm>
-            <a:off x="211665" y="714191"/>
-            <a:ext cx="8723376" cy="1331580"/>
+            <a:off x="211665" y="535643"/>
+            <a:ext cx="8723376" cy="998685"/>
             <a:chOff x="-3905250" y="4294188"/>
             <a:chExt cx="13011150" cy="1892300"/>
           </a:xfrm>
@@ -10743,8 +10846,8 @@
         </p:nvSpPr>
         <p:spPr>
           <a:xfrm>
-            <a:off x="914400" y="2286000"/>
-            <a:ext cx="3352800" cy="1252728"/>
+            <a:off x="914400" y="1714500"/>
+            <a:ext cx="3352800" cy="939546"/>
           </a:xfrm>
         </p:spPr>
         <p:txBody>
@@ -10781,8 +10884,8 @@
         </p:nvSpPr>
         <p:spPr>
           <a:xfrm>
-            <a:off x="4651962" y="1828800"/>
-            <a:ext cx="3904076" cy="3810000"/>
+            <a:off x="4651962" y="1371600"/>
+            <a:ext cx="3904076" cy="2857500"/>
           </a:xfrm>
         </p:spPr>
         <p:txBody>
@@ -10922,8 +11025,8 @@
         </p:nvSpPr>
         <p:spPr>
           <a:xfrm>
-            <a:off x="228600" y="228600"/>
-            <a:ext cx="8695944" cy="6035040"/>
+            <a:off x="228600" y="171450"/>
+            <a:ext cx="8695944" cy="4526280"/>
           </a:xfrm>
           <a:prstGeom prst="roundRect">
             <a:avLst>
@@ -10985,8 +11088,8 @@
         </p:nvGrpSpPr>
         <p:grpSpPr bwMode="hidden">
           <a:xfrm>
-            <a:off x="211665" y="5353963"/>
-            <a:ext cx="8723376" cy="1331580"/>
+            <a:off x="211665" y="4015472"/>
+            <a:ext cx="8723376" cy="998685"/>
             <a:chOff x="-3905250" y="4294188"/>
             <a:chExt cx="13011150" cy="1892300"/>
           </a:xfrm>
@@ -12547,8 +12650,8 @@
         </p:nvSpPr>
         <p:spPr>
           <a:xfrm>
-            <a:off x="4874155" y="338667"/>
-            <a:ext cx="3812645" cy="2429934"/>
+            <a:off x="4874156" y="254000"/>
+            <a:ext cx="3812645" cy="1822451"/>
           </a:xfrm>
         </p:spPr>
         <p:txBody>
@@ -12585,8 +12688,8 @@
         </p:nvSpPr>
         <p:spPr>
           <a:xfrm>
-            <a:off x="4868333" y="2785533"/>
-            <a:ext cx="3818467" cy="2421467"/>
+            <a:off x="4868334" y="2089150"/>
+            <a:ext cx="3818467" cy="1816100"/>
           </a:xfrm>
         </p:spPr>
         <p:txBody>
@@ -12661,7 +12764,7 @@
           <a:p>
             <a:fld id="{B4C71EC6-210F-42DE-9C53-41977AD35B3D}" type="datetimeFigureOut">
               <a:rPr lang="ru-RU" smtClean="0"/>
-              <a:t>13.01.2017</a:t>
+              <a:t>19.01.2017</a:t>
             </a:fld>
             <a:endParaRPr lang="ru-RU"/>
           </a:p>
@@ -12721,8 +12824,8 @@
         </p:nvSpPr>
         <p:spPr>
           <a:xfrm>
-            <a:off x="838200" y="1371600"/>
-            <a:ext cx="3566160" cy="2926080"/>
+            <a:off x="838200" y="1028700"/>
+            <a:ext cx="3566160" cy="2194560"/>
           </a:xfrm>
           <a:prstGeom prst="roundRect">
             <a:avLst>
@@ -12841,8 +12944,8 @@
         </p:nvSpPr>
         <p:spPr>
           <a:xfrm>
-            <a:off x="228600" y="228600"/>
-            <a:ext cx="8695944" cy="2468880"/>
+            <a:off x="228600" y="171450"/>
+            <a:ext cx="8695944" cy="1851660"/>
           </a:xfrm>
           <a:prstGeom prst="roundRect">
             <a:avLst>
@@ -12904,8 +13007,8 @@
         </p:nvGrpSpPr>
         <p:grpSpPr bwMode="hidden">
           <a:xfrm>
-            <a:off x="211665" y="1679429"/>
-            <a:ext cx="8723376" cy="1329874"/>
+            <a:off x="211665" y="1259572"/>
+            <a:ext cx="8723376" cy="997406"/>
             <a:chOff x="-3905251" y="4294188"/>
             <a:chExt cx="13027839" cy="1892300"/>
           </a:xfrm>
@@ -14466,8 +14569,8 @@
         </p:nvSpPr>
         <p:spPr>
           <a:xfrm>
-            <a:off x="457200" y="338328"/>
-            <a:ext cx="8229600" cy="1252728"/>
+            <a:off x="457200" y="253746"/>
+            <a:ext cx="8229600" cy="939546"/>
           </a:xfrm>
           <a:prstGeom prst="rect">
             <a:avLst/>
@@ -14499,8 +14602,8 @@
         </p:nvSpPr>
         <p:spPr>
           <a:xfrm>
-            <a:off x="5163672" y="6250164"/>
-            <a:ext cx="3786690" cy="365125"/>
+            <a:off x="5163672" y="4687623"/>
+            <a:ext cx="3786690" cy="273844"/>
           </a:xfrm>
           <a:prstGeom prst="rect">
             <a:avLst/>
@@ -14520,7 +14623,7 @@
           <a:p>
             <a:fld id="{B4C71EC6-210F-42DE-9C53-41977AD35B3D}" type="datetimeFigureOut">
               <a:rPr lang="ru-RU" smtClean="0"/>
-              <a:t>13.01.2017</a:t>
+              <a:t>19.01.2017</a:t>
             </a:fld>
             <a:endParaRPr lang="ru-RU"/>
           </a:p>
@@ -14538,8 +14641,8 @@
         </p:nvSpPr>
         <p:spPr>
           <a:xfrm>
-            <a:off x="193638" y="6250164"/>
-            <a:ext cx="3786691" cy="365125"/>
+            <a:off x="193639" y="4687623"/>
+            <a:ext cx="3786691" cy="273844"/>
           </a:xfrm>
           <a:prstGeom prst="rect">
             <a:avLst/>
@@ -14573,8 +14676,8 @@
         </p:nvSpPr>
         <p:spPr>
           <a:xfrm>
-            <a:off x="3991088" y="6250163"/>
-            <a:ext cx="1161826" cy="365125"/>
+            <a:off x="3991088" y="4687623"/>
+            <a:ext cx="1161826" cy="273844"/>
           </a:xfrm>
           <a:prstGeom prst="rect">
             <a:avLst/>
@@ -14612,8 +14715,8 @@
         </p:nvSpPr>
         <p:spPr>
           <a:xfrm>
-            <a:off x="872067" y="2675467"/>
-            <a:ext cx="7408333" cy="3450696"/>
+            <a:off x="872068" y="2006600"/>
+            <a:ext cx="7408333" cy="2588022"/>
           </a:xfrm>
           <a:prstGeom prst="rect">
             <a:avLst/>
@@ -15048,12 +15151,14 @@
         </p:nvSpPr>
         <p:spPr>
           <a:xfrm>
-            <a:off x="827584" y="2204864"/>
-            <a:ext cx="7772400" cy="1470025"/>
+            <a:off x="827584" y="1653648"/>
+            <a:ext cx="7772400" cy="1102519"/>
           </a:xfrm>
         </p:spPr>
         <p:txBody>
-          <a:bodyPr/>
+          <a:bodyPr>
+            <a:normAutofit fontScale="90000"/>
+          </a:bodyPr>
           <a:lstStyle/>
           <a:p>
             <a:r>
@@ -15084,7 +15189,7 @@
           <p:nvPr/>
         </p:nvPicPr>
         <p:blipFill>
-          <a:blip r:embed="rId2">
+          <a:blip r:embed="rId2" cstate="print">
             <a:extLst>
               <a:ext uri="{28A0092B-C50C-407E-A947-70E740481C1C}">
                 <a14:useLocalDpi xmlns:a14="http://schemas.microsoft.com/office/drawing/2010/main" val="0"/>
@@ -15098,8 +15203,8 @@
         </p:blipFill>
         <p:spPr bwMode="auto">
           <a:xfrm>
-            <a:off x="6361758" y="28355"/>
-            <a:ext cx="2597966" cy="2597966"/>
+            <a:off x="6876256" y="21266"/>
+            <a:ext cx="2083468" cy="1948475"/>
           </a:xfrm>
           <a:prstGeom prst="rect">
             <a:avLst/>
@@ -15139,8 +15244,8 @@
         </p:blipFill>
         <p:spPr bwMode="auto">
           <a:xfrm>
-            <a:off x="6602934" y="4453812"/>
-            <a:ext cx="2088232" cy="2088232"/>
+            <a:off x="6904078" y="3219822"/>
+            <a:ext cx="2088232" cy="1566174"/>
           </a:xfrm>
           <a:prstGeom prst="rect">
             <a:avLst/>
@@ -15180,8 +15285,8 @@
         </p:blipFill>
         <p:spPr bwMode="auto">
           <a:xfrm>
-            <a:off x="523285" y="535250"/>
-            <a:ext cx="1584176" cy="1584176"/>
+            <a:off x="705039" y="401437"/>
+            <a:ext cx="1240403" cy="1188132"/>
           </a:xfrm>
           <a:prstGeom prst="rect">
             <a:avLst/>
@@ -15221,8 +15326,8 @@
         </p:blipFill>
         <p:spPr bwMode="auto">
           <a:xfrm>
-            <a:off x="271257" y="4382072"/>
-            <a:ext cx="2088232" cy="2088233"/>
+            <a:off x="543022" y="3147814"/>
+            <a:ext cx="1564439" cy="1566175"/>
           </a:xfrm>
           <a:prstGeom prst="rect">
             <a:avLst/>
@@ -15271,13 +15376,135 @@
       </p:grpSpPr>
       <p:sp>
         <p:nvSpPr>
+          <p:cNvPr id="2" name="TextBox 1"/>
+          <p:cNvSpPr txBox="1"/>
+          <p:nvPr/>
+        </p:nvSpPr>
+        <p:spPr>
+          <a:xfrm>
+            <a:off x="376194" y="627534"/>
+            <a:ext cx="3993401" cy="1692771"/>
+          </a:xfrm>
+          <a:prstGeom prst="rect">
+            <a:avLst/>
+          </a:prstGeom>
+          <a:noFill/>
+        </p:spPr>
+        <p:txBody>
+          <a:bodyPr wrap="none" rtlCol="0">
+            <a:spAutoFit/>
+          </a:bodyPr>
+          <a:lstStyle/>
+          <a:p>
+            <a:r>
+              <a:rPr lang="en-US" sz="2400" dirty="0" smtClean="0"/>
+              <a:t>Tail recursion</a:t>
+            </a:r>
+            <a:endParaRPr lang="en-US" sz="2000" dirty="0" smtClean="0"/>
+          </a:p>
+          <a:p>
+            <a:pPr marL="342900" indent="-342900">
+              <a:buFont typeface="Wingdings" panose="05000000000000000000" pitchFamily="2" charset="2"/>
+              <a:buChar char="§"/>
+            </a:pPr>
+            <a:r>
+              <a:rPr lang="en-US" sz="2000" dirty="0" smtClean="0"/>
+              <a:t>Significantly boost performance</a:t>
+            </a:r>
+          </a:p>
+          <a:p>
+            <a:pPr marL="342900" indent="-342900">
+              <a:buFont typeface="Wingdings" panose="05000000000000000000" pitchFamily="2" charset="2"/>
+              <a:buChar char="§"/>
+            </a:pPr>
+            <a:r>
+              <a:rPr lang="en-US" sz="2000" dirty="0" smtClean="0"/>
+              <a:t>Avoid </a:t>
+            </a:r>
+            <a:r>
+              <a:rPr lang="en-US" sz="2000" dirty="0" err="1" smtClean="0"/>
+              <a:t>StackOverflowException</a:t>
+            </a:r>
+            <a:endParaRPr lang="en-US" sz="2000" dirty="0" smtClean="0"/>
+          </a:p>
+          <a:p>
+            <a:endParaRPr lang="en-US" sz="2000" dirty="0"/>
+          </a:p>
+          <a:p>
+            <a:endParaRPr lang="en-US" sz="2000" dirty="0"/>
+          </a:p>
+        </p:txBody>
+      </p:sp>
+      <p:pic>
+        <p:nvPicPr>
+          <p:cNvPr id="3" name="Picture 2"/>
+          <p:cNvPicPr>
+            <a:picLocks noChangeAspect="1"/>
+          </p:cNvPicPr>
+          <p:nvPr/>
+        </p:nvPicPr>
+        <p:blipFill>
+          <a:blip r:embed="rId2"/>
+          <a:stretch>
+            <a:fillRect/>
+          </a:stretch>
+        </p:blipFill>
+        <p:spPr>
+          <a:xfrm>
+            <a:off x="415823" y="1707654"/>
+            <a:ext cx="5535998" cy="3210040"/>
+          </a:xfrm>
+          <a:prstGeom prst="rect">
+            <a:avLst/>
+          </a:prstGeom>
+        </p:spPr>
+      </p:pic>
+    </p:spTree>
+    <p:extLst>
+      <p:ext uri="{BB962C8B-B14F-4D97-AF65-F5344CB8AC3E}">
+        <p14:creationId xmlns:p14="http://schemas.microsoft.com/office/powerpoint/2010/main" val="1859288455"/>
+      </p:ext>
+    </p:extLst>
+  </p:cSld>
+  <p:clrMapOvr>
+    <a:masterClrMapping/>
+  </p:clrMapOvr>
+  <p:timing>
+    <p:tnLst>
+      <p:par>
+        <p:cTn id="1" dur="indefinite" restart="never" nodeType="tmRoot"/>
+      </p:par>
+    </p:tnLst>
+  </p:timing>
+</p:sld>
+</file>
+
+<file path=ppt/slides/slide11.xml><?xml version="1.0" encoding="utf-8"?>
+<p:sld xmlns:a="http://schemas.openxmlformats.org/drawingml/2006/main" xmlns:r="http://schemas.openxmlformats.org/officeDocument/2006/relationships" xmlns:p="http://schemas.openxmlformats.org/presentationml/2006/main">
+  <p:cSld>
+    <p:spTree>
+      <p:nvGrpSpPr>
+        <p:cNvPr id="1" name=""/>
+        <p:cNvGrpSpPr/>
+        <p:nvPr/>
+      </p:nvGrpSpPr>
+      <p:grpSpPr>
+        <a:xfrm>
+          <a:off x="0" y="0"/>
+          <a:ext cx="0" cy="0"/>
+          <a:chOff x="0" y="0"/>
+          <a:chExt cx="0" cy="0"/>
+        </a:xfrm>
+      </p:grpSpPr>
+      <p:sp>
+        <p:nvSpPr>
           <p:cNvPr id="2" name="Rectangle 1"/>
           <p:cNvSpPr/>
           <p:nvPr/>
         </p:nvSpPr>
         <p:spPr>
           <a:xfrm>
-            <a:off x="467544" y="980728"/>
+            <a:off x="467545" y="735546"/>
             <a:ext cx="1900649" cy="461665"/>
           </a:xfrm>
           <a:prstGeom prst="rect">
@@ -15305,8 +15532,8 @@
         </p:nvSpPr>
         <p:spPr>
           <a:xfrm>
-            <a:off x="467544" y="1628800"/>
-            <a:ext cx="7664278" cy="5632311"/>
+            <a:off x="497188" y="1089590"/>
+            <a:ext cx="7664278" cy="4524315"/>
           </a:xfrm>
           <a:prstGeom prst="rect">
             <a:avLst/>
@@ -15334,9 +15561,6 @@
             <a:endParaRPr lang="en-US" dirty="0"/>
           </a:p>
           <a:p>
-            <a:endParaRPr lang="en-US" dirty="0"/>
-          </a:p>
-          <a:p>
             <a:r>
               <a:rPr lang="en-US" dirty="0" smtClean="0"/>
               <a:t>It could also use tail recursion:</a:t>
@@ -15353,15 +15577,6 @@
           </a:p>
           <a:p>
             <a:endParaRPr lang="en-US" dirty="0" smtClean="0"/>
-          </a:p>
-          <a:p>
-            <a:endParaRPr lang="en-US" dirty="0"/>
-          </a:p>
-          <a:p>
-            <a:endParaRPr lang="en-US" dirty="0" smtClean="0"/>
-          </a:p>
-          <a:p>
-            <a:endParaRPr lang="en-US" dirty="0"/>
           </a:p>
           <a:p>
             <a:endParaRPr lang="en-US" dirty="0" smtClean="0"/>
@@ -15419,8 +15634,8 @@
         </p:blipFill>
         <p:spPr>
           <a:xfrm>
-            <a:off x="467545" y="1975867"/>
-            <a:ext cx="5688632" cy="906883"/>
+            <a:off x="467546" y="1481901"/>
+            <a:ext cx="4176462" cy="680162"/>
           </a:xfrm>
           <a:prstGeom prst="rect">
             <a:avLst/>
@@ -15443,8 +15658,8 @@
         </p:blipFill>
         <p:spPr>
           <a:xfrm>
-            <a:off x="539552" y="3443939"/>
-            <a:ext cx="5544617" cy="1913182"/>
+            <a:off x="497188" y="2499741"/>
+            <a:ext cx="4216812" cy="1434887"/>
           </a:xfrm>
           <a:prstGeom prst="rect">
             <a:avLst/>
@@ -15455,126 +15670,6 @@
     <p:extLst>
       <p:ext uri="{BB962C8B-B14F-4D97-AF65-F5344CB8AC3E}">
         <p14:creationId xmlns:p14="http://schemas.microsoft.com/office/powerpoint/2010/main" val="120505759"/>
-      </p:ext>
-    </p:extLst>
-  </p:cSld>
-  <p:clrMapOvr>
-    <a:masterClrMapping/>
-  </p:clrMapOvr>
-</p:sld>
-</file>
-
-<file path=ppt/slides/slide11.xml><?xml version="1.0" encoding="utf-8"?>
-<p:sld xmlns:a="http://schemas.openxmlformats.org/drawingml/2006/main" xmlns:r="http://schemas.openxmlformats.org/officeDocument/2006/relationships" xmlns:p="http://schemas.openxmlformats.org/presentationml/2006/main">
-  <p:cSld>
-    <p:spTree>
-      <p:nvGrpSpPr>
-        <p:cNvPr id="1" name=""/>
-        <p:cNvGrpSpPr/>
-        <p:nvPr/>
-      </p:nvGrpSpPr>
-      <p:grpSpPr>
-        <a:xfrm>
-          <a:off x="0" y="0"/>
-          <a:ext cx="0" cy="0"/>
-          <a:chOff x="0" y="0"/>
-          <a:chExt cx="0" cy="0"/>
-        </a:xfrm>
-      </p:grpSpPr>
-      <p:sp>
-        <p:nvSpPr>
-          <p:cNvPr id="2" name="TextBox 1"/>
-          <p:cNvSpPr txBox="1"/>
-          <p:nvPr/>
-        </p:nvSpPr>
-        <p:spPr>
-          <a:xfrm>
-            <a:off x="755576" y="980728"/>
-            <a:ext cx="1512168" cy="461665"/>
-          </a:xfrm>
-          <a:prstGeom prst="rect">
-            <a:avLst/>
-          </a:prstGeom>
-          <a:noFill/>
-        </p:spPr>
-        <p:txBody>
-          <a:bodyPr wrap="square" rtlCol="0">
-            <a:spAutoFit/>
-          </a:bodyPr>
-          <a:lstStyle/>
-          <a:p>
-            <a:r>
-              <a:rPr lang="en-US" sz="2400" dirty="0" smtClean="0"/>
-              <a:t>Currying</a:t>
-            </a:r>
-            <a:endParaRPr lang="uk-UA" dirty="0"/>
-          </a:p>
-        </p:txBody>
-      </p:sp>
-      <p:sp>
-        <p:nvSpPr>
-          <p:cNvPr id="3" name="TextBox 2"/>
-          <p:cNvSpPr txBox="1"/>
-          <p:nvPr/>
-        </p:nvSpPr>
-        <p:spPr>
-          <a:xfrm>
-            <a:off x="755576" y="1772816"/>
-            <a:ext cx="7856638" cy="646331"/>
-          </a:xfrm>
-          <a:prstGeom prst="rect">
-            <a:avLst/>
-          </a:prstGeom>
-          <a:noFill/>
-        </p:spPr>
-        <p:txBody>
-          <a:bodyPr wrap="none" rtlCol="0">
-            <a:spAutoFit/>
-          </a:bodyPr>
-          <a:lstStyle/>
-          <a:p>
-            <a:r>
-              <a:rPr lang="en-US" dirty="0" smtClean="0"/>
-              <a:t>A technique of evaluating a function with multiple arguments as a sequence of </a:t>
-            </a:r>
-          </a:p>
-          <a:p>
-            <a:r>
-              <a:rPr lang="en-US" dirty="0" smtClean="0"/>
-              <a:t>functions with single argument.</a:t>
-            </a:r>
-            <a:endParaRPr lang="uk-UA" dirty="0"/>
-          </a:p>
-        </p:txBody>
-      </p:sp>
-      <p:pic>
-        <p:nvPicPr>
-          <p:cNvPr id="4" name="Picture 3"/>
-          <p:cNvPicPr>
-            <a:picLocks noChangeAspect="1"/>
-          </p:cNvPicPr>
-          <p:nvPr/>
-        </p:nvPicPr>
-        <p:blipFill>
-          <a:blip r:embed="rId2"/>
-          <a:stretch>
-            <a:fillRect/>
-          </a:stretch>
-        </p:blipFill>
-        <p:spPr>
-          <a:xfrm>
-            <a:off x="750113" y="2749570"/>
-            <a:ext cx="7659183" cy="1800200"/>
-          </a:xfrm>
-          <a:prstGeom prst="rect">
-            <a:avLst/>
-          </a:prstGeom>
-        </p:spPr>
-      </p:pic>
-    </p:spTree>
-    <p:extLst>
-      <p:ext uri="{BB962C8B-B14F-4D97-AF65-F5344CB8AC3E}">
-        <p14:creationId xmlns:p14="http://schemas.microsoft.com/office/powerpoint/2010/main" val="2695206265"/>
       </p:ext>
     </p:extLst>
   </p:cSld>
@@ -15609,8 +15704,8 @@
         </p:nvSpPr>
         <p:spPr>
           <a:xfrm>
-            <a:off x="539552" y="1124744"/>
-            <a:ext cx="1039067" cy="369332"/>
+            <a:off x="539552" y="1165113"/>
+            <a:ext cx="8430513" cy="646331"/>
           </a:xfrm>
           <a:prstGeom prst="rect">
             <a:avLst/>
@@ -15624,17 +15719,195 @@
           <a:lstStyle/>
           <a:p>
             <a:r>
+              <a:rPr lang="en-US" dirty="0" smtClean="0"/>
+              <a:t>This pattern with an inner helper function is so common that </a:t>
+            </a:r>
+            <a:r>
               <a:rPr lang="en-US" dirty="0" err="1" smtClean="0"/>
-              <a:t>Functors</a:t>
+              <a:t>Clojure</a:t>
             </a:r>
-            <a:endParaRPr lang="uk-UA" dirty="0"/>
+            <a:r>
+              <a:rPr lang="en-US" dirty="0" smtClean="0"/>
+              <a:t> defines a special</a:t>
+            </a:r>
+          </a:p>
+          <a:p>
+            <a:r>
+              <a:rPr lang="en-US" dirty="0" smtClean="0"/>
+              <a:t>(anonymous) form for this called </a:t>
+            </a:r>
+            <a:r>
+              <a:rPr lang="en-US" b="1" i="1" dirty="0" smtClean="0"/>
+              <a:t>loop-recur</a:t>
+            </a:r>
+            <a:r>
+              <a:rPr lang="en-US" dirty="0"/>
+              <a:t>:</a:t>
+            </a:r>
+            <a:endParaRPr lang="ru-RU" b="1" i="1" dirty="0"/>
+          </a:p>
+        </p:txBody>
+      </p:sp>
+      <p:pic>
+        <p:nvPicPr>
+          <p:cNvPr id="3074" name="Picture 2"/>
+          <p:cNvPicPr>
+            <a:picLocks noChangeAspect="1" noChangeArrowheads="1"/>
+          </p:cNvPicPr>
+          <p:nvPr/>
+        </p:nvPicPr>
+        <p:blipFill>
+          <a:blip r:embed="rId2">
+            <a:extLst>
+              <a:ext uri="{28A0092B-C50C-407E-A947-70E740481C1C}">
+                <a14:useLocalDpi xmlns:a14="http://schemas.microsoft.com/office/drawing/2010/main" val="0"/>
+              </a:ext>
+            </a:extLst>
+          </a:blip>
+          <a:srcRect/>
+          <a:stretch>
+            <a:fillRect/>
+          </a:stretch>
+        </p:blipFill>
+        <p:spPr bwMode="auto">
+          <a:xfrm>
+            <a:off x="1835696" y="1818019"/>
+            <a:ext cx="4775939" cy="1296144"/>
+          </a:xfrm>
+          <a:prstGeom prst="rect">
+            <a:avLst/>
+          </a:prstGeom>
+          <a:noFill/>
+          <a:ln>
+            <a:noFill/>
+          </a:ln>
+          <a:effectLst/>
+          <a:extLst>
+            <a:ext uri="{909E8E84-426E-40DD-AFC4-6F175D3DCCD1}">
+              <a14:hiddenFill xmlns:a14="http://schemas.microsoft.com/office/drawing/2010/main">
+                <a:solidFill>
+                  <a:schemeClr val="accent1"/>
+                </a:solidFill>
+              </a14:hiddenFill>
+            </a:ext>
+            <a:ext uri="{91240B29-F687-4F45-9708-019B960494DF}">
+              <a14:hiddenLine xmlns:a14="http://schemas.microsoft.com/office/drawing/2010/main" w="9525">
+                <a:solidFill>
+                  <a:schemeClr val="tx1"/>
+                </a:solidFill>
+                <a:miter lim="800000"/>
+                <a:headEnd/>
+                <a:tailEnd/>
+              </a14:hiddenLine>
+            </a:ext>
+            <a:ext uri="{AF507438-7753-43E0-B8FC-AC1667EBCBE1}">
+              <a14:hiddenEffects xmlns:a14="http://schemas.microsoft.com/office/drawing/2010/main">
+                <a:effectLst>
+                  <a:outerShdw dist="35921" dir="2700000" algn="ctr" rotWithShape="0">
+                    <a:schemeClr val="bg2"/>
+                  </a:outerShdw>
+                </a:effectLst>
+              </a14:hiddenEffects>
+            </a:ext>
+          </a:extLst>
+        </p:spPr>
+      </p:pic>
+      <p:pic>
+        <p:nvPicPr>
+          <p:cNvPr id="3075" name="Picture 3"/>
+          <p:cNvPicPr>
+            <a:picLocks noChangeAspect="1" noChangeArrowheads="1"/>
+          </p:cNvPicPr>
+          <p:nvPr/>
+        </p:nvPicPr>
+        <p:blipFill>
+          <a:blip r:embed="rId3">
+            <a:extLst>
+              <a:ext uri="{28A0092B-C50C-407E-A947-70E740481C1C}">
+                <a14:useLocalDpi xmlns:a14="http://schemas.microsoft.com/office/drawing/2010/main" val="0"/>
+              </a:ext>
+            </a:extLst>
+          </a:blip>
+          <a:srcRect/>
+          <a:stretch>
+            <a:fillRect/>
+          </a:stretch>
+        </p:blipFill>
+        <p:spPr bwMode="auto">
+          <a:xfrm>
+            <a:off x="1835696" y="3291830"/>
+            <a:ext cx="4575304" cy="1353165"/>
+          </a:xfrm>
+          <a:prstGeom prst="rect">
+            <a:avLst/>
+          </a:prstGeom>
+          <a:noFill/>
+          <a:ln>
+            <a:noFill/>
+          </a:ln>
+          <a:effectLst/>
+          <a:extLst>
+            <a:ext uri="{909E8E84-426E-40DD-AFC4-6F175D3DCCD1}">
+              <a14:hiddenFill xmlns:a14="http://schemas.microsoft.com/office/drawing/2010/main">
+                <a:solidFill>
+                  <a:schemeClr val="accent1"/>
+                </a:solidFill>
+              </a14:hiddenFill>
+            </a:ext>
+            <a:ext uri="{91240B29-F687-4F45-9708-019B960494DF}">
+              <a14:hiddenLine xmlns:a14="http://schemas.microsoft.com/office/drawing/2010/main" w="9525">
+                <a:solidFill>
+                  <a:schemeClr val="tx1"/>
+                </a:solidFill>
+                <a:miter lim="800000"/>
+                <a:headEnd/>
+                <a:tailEnd/>
+              </a14:hiddenLine>
+            </a:ext>
+            <a:ext uri="{AF507438-7753-43E0-B8FC-AC1667EBCBE1}">
+              <a14:hiddenEffects xmlns:a14="http://schemas.microsoft.com/office/drawing/2010/main">
+                <a:effectLst>
+                  <a:outerShdw dist="35921" dir="2700000" algn="ctr" rotWithShape="0">
+                    <a:schemeClr val="bg2"/>
+                  </a:outerShdw>
+                </a:effectLst>
+              </a14:hiddenEffects>
+            </a:ext>
+          </a:extLst>
+        </p:spPr>
+      </p:pic>
+      <p:sp>
+        <p:nvSpPr>
+          <p:cNvPr id="5" name="Rectangle 1"/>
+          <p:cNvSpPr/>
+          <p:nvPr/>
+        </p:nvSpPr>
+        <p:spPr>
+          <a:xfrm>
+            <a:off x="539552" y="703448"/>
+            <a:ext cx="1900649" cy="461665"/>
+          </a:xfrm>
+          <a:prstGeom prst="rect">
+            <a:avLst/>
+          </a:prstGeom>
+        </p:spPr>
+        <p:txBody>
+          <a:bodyPr wrap="none">
+            <a:spAutoFit/>
+          </a:bodyPr>
+          <a:lstStyle/>
+          <a:p>
+            <a:r>
+              <a:rPr lang="en-US" sz="2400" dirty="0"/>
+              <a:t>Tail recursion</a:t>
+            </a:r>
           </a:p>
         </p:txBody>
       </p:sp>
     </p:spTree>
     <p:extLst>
       <p:ext uri="{BB962C8B-B14F-4D97-AF65-F5344CB8AC3E}">
-        <p14:creationId xmlns:p14="http://schemas.microsoft.com/office/powerpoint/2010/main" val="2471078317"/>
+        <p14:creationId xmlns:p14="http://schemas.microsoft.com/office/powerpoint/2010/main" val="1347993085"/>
       </p:ext>
     </p:extLst>
   </p:cSld>
@@ -15663,14 +15936,14 @@
       </p:grpSpPr>
       <p:sp>
         <p:nvSpPr>
-          <p:cNvPr id="2" name="TextBox 1"/>
+          <p:cNvPr id="3" name="TextBox 2"/>
           <p:cNvSpPr txBox="1"/>
           <p:nvPr/>
         </p:nvSpPr>
         <p:spPr>
           <a:xfrm>
-            <a:off x="683568" y="1196752"/>
-            <a:ext cx="2279791" cy="369332"/>
+            <a:off x="539552" y="699542"/>
+            <a:ext cx="3570208" cy="369332"/>
           </a:xfrm>
           <a:prstGeom prst="rect">
             <a:avLst/>
@@ -15685,16 +15958,40 @@
           <a:p>
             <a:r>
               <a:rPr lang="en-US" dirty="0" smtClean="0"/>
-              <a:t>Monoids and monads</a:t>
+              <a:t>Common operations on collections</a:t>
             </a:r>
             <a:endParaRPr lang="uk-UA" dirty="0"/>
           </a:p>
         </p:txBody>
       </p:sp>
+      <p:pic>
+        <p:nvPicPr>
+          <p:cNvPr id="4" name="Picture 3"/>
+          <p:cNvPicPr>
+            <a:picLocks noChangeAspect="1"/>
+          </p:cNvPicPr>
+          <p:nvPr/>
+        </p:nvPicPr>
+        <p:blipFill>
+          <a:blip r:embed="rId2"/>
+          <a:stretch>
+            <a:fillRect/>
+          </a:stretch>
+        </p:blipFill>
+        <p:spPr>
+          <a:xfrm>
+            <a:off x="611560" y="1131590"/>
+            <a:ext cx="4565009" cy="3672409"/>
+          </a:xfrm>
+          <a:prstGeom prst="rect">
+            <a:avLst/>
+          </a:prstGeom>
+        </p:spPr>
+      </p:pic>
     </p:spTree>
     <p:extLst>
       <p:ext uri="{BB962C8B-B14F-4D97-AF65-F5344CB8AC3E}">
-        <p14:creationId xmlns:p14="http://schemas.microsoft.com/office/powerpoint/2010/main" val="3559572917"/>
+        <p14:creationId xmlns:p14="http://schemas.microsoft.com/office/powerpoint/2010/main" val="1514419231"/>
       </p:ext>
     </p:extLst>
   </p:cSld>
@@ -15723,89 +16020,65 @@
       </p:grpSpPr>
       <p:sp>
         <p:nvSpPr>
-          <p:cNvPr id="2" name="Content Placeholder 1"/>
-          <p:cNvSpPr>
-            <a:spLocks noGrp="1"/>
-          </p:cNvSpPr>
-          <p:nvPr>
-            <p:ph idx="1"/>
-          </p:nvPr>
+          <p:cNvPr id="2" name="TextBox 1"/>
+          <p:cNvSpPr txBox="1"/>
+          <p:nvPr/>
         </p:nvSpPr>
-        <p:spPr/>
+        <p:spPr>
+          <a:xfrm>
+            <a:off x="755576" y="510826"/>
+            <a:ext cx="1944216" cy="584775"/>
+          </a:xfrm>
+          <a:prstGeom prst="rect">
+            <a:avLst/>
+          </a:prstGeom>
+          <a:noFill/>
+        </p:spPr>
         <p:txBody>
-          <a:bodyPr/>
+          <a:bodyPr wrap="square" rtlCol="0">
+            <a:spAutoFit/>
+          </a:bodyPr>
           <a:lstStyle/>
           <a:p>
-            <a:pPr marL="0" indent="0">
-              <a:buNone/>
-            </a:pPr>
             <a:r>
-              <a:rPr lang="en-US" dirty="0" smtClean="0"/>
-              <a:t>Let’s write a function that counts code lines given a project’s root folder.</a:t>
+              <a:rPr lang="en-US" sz="3200" dirty="0" smtClean="0"/>
+              <a:t>Currying</a:t>
             </a:r>
-          </a:p>
-          <a:p>
-            <a:pPr marL="0" indent="0">
-              <a:buNone/>
-            </a:pPr>
-            <a:r>
-              <a:rPr lang="en-US" dirty="0" smtClean="0"/>
-              <a:t>The signature of the function is defined as follows:</a:t>
-            </a:r>
-          </a:p>
-          <a:p>
-            <a:pPr marL="0" indent="0">
-              <a:buNone/>
-            </a:pPr>
-            <a:endParaRPr lang="en-US" dirty="0"/>
-          </a:p>
-          <a:p>
-            <a:pPr marL="0" indent="0">
-              <a:buNone/>
-            </a:pPr>
-            <a:endParaRPr lang="en-US" dirty="0" smtClean="0"/>
-          </a:p>
-          <a:p>
-            <a:pPr marL="0" indent="0">
-              <a:buNone/>
-            </a:pPr>
-            <a:endParaRPr lang="en-US" dirty="0"/>
-          </a:p>
-          <a:p>
-            <a:pPr marL="0" indent="0">
-              <a:buNone/>
-            </a:pPr>
-            <a:r>
-              <a:rPr lang="en-US" dirty="0" smtClean="0"/>
-              <a:t>All the following code would be defined inside this function.</a:t>
-            </a:r>
-          </a:p>
-          <a:p>
-            <a:pPr marL="0" indent="0">
-              <a:buNone/>
-            </a:pPr>
-            <a:endParaRPr lang="uk-UA" dirty="0"/>
+            <a:endParaRPr lang="uk-UA" sz="2400" dirty="0"/>
           </a:p>
         </p:txBody>
       </p:sp>
       <p:sp>
         <p:nvSpPr>
-          <p:cNvPr id="3" name="Title 2"/>
-          <p:cNvSpPr>
-            <a:spLocks noGrp="1"/>
-          </p:cNvSpPr>
-          <p:nvPr>
-            <p:ph type="title"/>
-          </p:nvPr>
+          <p:cNvPr id="3" name="TextBox 2"/>
+          <p:cNvSpPr txBox="1"/>
+          <p:nvPr/>
         </p:nvSpPr>
-        <p:spPr/>
+        <p:spPr>
+          <a:xfrm>
+            <a:off x="755576" y="1059582"/>
+            <a:ext cx="7856638" cy="646331"/>
+          </a:xfrm>
+          <a:prstGeom prst="rect">
+            <a:avLst/>
+          </a:prstGeom>
+          <a:noFill/>
+        </p:spPr>
         <p:txBody>
-          <a:bodyPr/>
+          <a:bodyPr wrap="none" rtlCol="0">
+            <a:spAutoFit/>
+          </a:bodyPr>
           <a:lstStyle/>
           <a:p>
             <a:r>
               <a:rPr lang="en-US" dirty="0" smtClean="0"/>
-              <a:t>Code Snippets</a:t>
+              <a:t>A technique of evaluating a function with multiple arguments as a sequence of </a:t>
+            </a:r>
+          </a:p>
+          <a:p>
+            <a:r>
+              <a:rPr lang="en-US" dirty="0" smtClean="0"/>
+              <a:t>functions with single argument.</a:t>
             </a:r>
             <a:endParaRPr lang="uk-UA" dirty="0"/>
           </a:p>
@@ -15813,32 +16086,166 @@
       </p:sp>
       <p:pic>
         <p:nvPicPr>
-          <p:cNvPr id="5" name="Picture 4"/>
+          <p:cNvPr id="1026" name="Picture 2"/>
           <p:cNvPicPr>
-            <a:picLocks noChangeAspect="1"/>
+            <a:picLocks noChangeAspect="1" noChangeArrowheads="1"/>
           </p:cNvPicPr>
           <p:nvPr/>
         </p:nvPicPr>
         <p:blipFill>
-          <a:blip r:embed="rId2"/>
+          <a:blip r:embed="rId2">
+            <a:extLst>
+              <a:ext uri="{28A0092B-C50C-407E-A947-70E740481C1C}">
+                <a14:useLocalDpi xmlns:a14="http://schemas.microsoft.com/office/drawing/2010/main" val="0"/>
+              </a:ext>
+            </a:extLst>
+          </a:blip>
+          <a:srcRect/>
           <a:stretch>
             <a:fillRect/>
           </a:stretch>
         </p:blipFill>
-        <p:spPr>
+        <p:spPr bwMode="auto">
           <a:xfrm>
-            <a:off x="971600" y="3975919"/>
-            <a:ext cx="5948545" cy="849792"/>
+            <a:off x="1727684" y="1737584"/>
+            <a:ext cx="5379250" cy="1294595"/>
           </a:xfrm>
           <a:prstGeom prst="rect">
             <a:avLst/>
           </a:prstGeom>
+          <a:noFill/>
+          <a:ln>
+            <a:noFill/>
+          </a:ln>
+          <a:effectLst/>
+          <a:extLst>
+            <a:ext uri="{909E8E84-426E-40DD-AFC4-6F175D3DCCD1}">
+              <a14:hiddenFill xmlns:a14="http://schemas.microsoft.com/office/drawing/2010/main">
+                <a:solidFill>
+                  <a:schemeClr val="accent1"/>
+                </a:solidFill>
+              </a14:hiddenFill>
+            </a:ext>
+            <a:ext uri="{91240B29-F687-4F45-9708-019B960494DF}">
+              <a14:hiddenLine xmlns:a14="http://schemas.microsoft.com/office/drawing/2010/main" w="9525">
+                <a:solidFill>
+                  <a:schemeClr val="tx1"/>
+                </a:solidFill>
+                <a:miter lim="800000"/>
+                <a:headEnd/>
+                <a:tailEnd/>
+              </a14:hiddenLine>
+            </a:ext>
+            <a:ext uri="{AF507438-7753-43E0-B8FC-AC1667EBCBE1}">
+              <a14:hiddenEffects xmlns:a14="http://schemas.microsoft.com/office/drawing/2010/main">
+                <a:effectLst>
+                  <a:outerShdw dist="35921" dir="2700000" algn="ctr" rotWithShape="0">
+                    <a:schemeClr val="bg2"/>
+                  </a:outerShdw>
+                </a:effectLst>
+              </a14:hiddenEffects>
+            </a:ext>
+          </a:extLst>
         </p:spPr>
       </p:pic>
+      <p:pic>
+        <p:nvPicPr>
+          <p:cNvPr id="4100" name="Picture 4"/>
+          <p:cNvPicPr>
+            <a:picLocks noChangeAspect="1" noChangeArrowheads="1"/>
+          </p:cNvPicPr>
+          <p:nvPr/>
+        </p:nvPicPr>
+        <p:blipFill>
+          <a:blip r:embed="rId3">
+            <a:extLst>
+              <a:ext uri="{28A0092B-C50C-407E-A947-70E740481C1C}">
+                <a14:useLocalDpi xmlns:a14="http://schemas.microsoft.com/office/drawing/2010/main" val="0"/>
+              </a:ext>
+            </a:extLst>
+          </a:blip>
+          <a:srcRect/>
+          <a:stretch>
+            <a:fillRect/>
+          </a:stretch>
+        </p:blipFill>
+        <p:spPr bwMode="auto">
+          <a:xfrm>
+            <a:off x="2339752" y="3158157"/>
+            <a:ext cx="6029127" cy="1742918"/>
+          </a:xfrm>
+          <a:prstGeom prst="rect">
+            <a:avLst/>
+          </a:prstGeom>
+          <a:noFill/>
+          <a:ln>
+            <a:noFill/>
+          </a:ln>
+          <a:effectLst/>
+          <a:extLst>
+            <a:ext uri="{909E8E84-426E-40DD-AFC4-6F175D3DCCD1}">
+              <a14:hiddenFill xmlns:a14="http://schemas.microsoft.com/office/drawing/2010/main">
+                <a:solidFill>
+                  <a:schemeClr val="accent1"/>
+                </a:solidFill>
+              </a14:hiddenFill>
+            </a:ext>
+            <a:ext uri="{91240B29-F687-4F45-9708-019B960494DF}">
+              <a14:hiddenLine xmlns:a14="http://schemas.microsoft.com/office/drawing/2010/main" w="9525">
+                <a:solidFill>
+                  <a:schemeClr val="tx1"/>
+                </a:solidFill>
+                <a:miter lim="800000"/>
+                <a:headEnd/>
+                <a:tailEnd/>
+              </a14:hiddenLine>
+            </a:ext>
+            <a:ext uri="{AF507438-7753-43E0-B8FC-AC1667EBCBE1}">
+              <a14:hiddenEffects xmlns:a14="http://schemas.microsoft.com/office/drawing/2010/main">
+                <a:effectLst>
+                  <a:outerShdw dist="35921" dir="2700000" algn="ctr" rotWithShape="0">
+                    <a:schemeClr val="bg2"/>
+                  </a:outerShdw>
+                </a:effectLst>
+              </a14:hiddenEffects>
+            </a:ext>
+          </a:extLst>
+        </p:spPr>
+      </p:pic>
+      <p:cxnSp>
+        <p:nvCxnSpPr>
+          <p:cNvPr id="5" name="Прямая соединительная линия 4"/>
+          <p:cNvCxnSpPr/>
+          <p:nvPr/>
+        </p:nvCxnSpPr>
+        <p:spPr>
+          <a:xfrm>
+            <a:off x="1187624" y="3115530"/>
+            <a:ext cx="6912768" cy="0"/>
+          </a:xfrm>
+          <a:prstGeom prst="line">
+            <a:avLst/>
+          </a:prstGeom>
+        </p:spPr>
+        <p:style>
+          <a:lnRef idx="1">
+            <a:schemeClr val="accent1"/>
+          </a:lnRef>
+          <a:fillRef idx="0">
+            <a:schemeClr val="accent1"/>
+          </a:fillRef>
+          <a:effectRef idx="0">
+            <a:schemeClr val="accent1"/>
+          </a:effectRef>
+          <a:fontRef idx="minor">
+            <a:schemeClr val="tx1"/>
+          </a:fontRef>
+        </p:style>
+      </p:cxnSp>
     </p:spTree>
     <p:extLst>
       <p:ext uri="{BB962C8B-B14F-4D97-AF65-F5344CB8AC3E}">
-        <p14:creationId xmlns:p14="http://schemas.microsoft.com/office/powerpoint/2010/main" val="4072517470"/>
+        <p14:creationId xmlns:p14="http://schemas.microsoft.com/office/powerpoint/2010/main" val="2695206265"/>
       </p:ext>
     </p:extLst>
   </p:cSld>
@@ -15865,40 +16272,16 @@
           <a:chExt cx="0" cy="0"/>
         </a:xfrm>
       </p:grpSpPr>
-      <p:pic>
-        <p:nvPicPr>
-          <p:cNvPr id="2" name="Picture 1"/>
-          <p:cNvPicPr>
-            <a:picLocks noChangeAspect="1"/>
-          </p:cNvPicPr>
-          <p:nvPr/>
-        </p:nvPicPr>
-        <p:blipFill>
-          <a:blip r:embed="rId3"/>
-          <a:stretch>
-            <a:fillRect/>
-          </a:stretch>
-        </p:blipFill>
-        <p:spPr>
-          <a:xfrm>
-            <a:off x="251520" y="1552384"/>
-            <a:ext cx="8640960" cy="986468"/>
-          </a:xfrm>
-          <a:prstGeom prst="rect">
-            <a:avLst/>
-          </a:prstGeom>
-        </p:spPr>
-      </p:pic>
       <p:sp>
         <p:nvSpPr>
-          <p:cNvPr id="3" name="TextBox 2"/>
+          <p:cNvPr id="2" name="TextBox 1"/>
           <p:cNvSpPr txBox="1"/>
           <p:nvPr/>
         </p:nvSpPr>
         <p:spPr>
           <a:xfrm>
-            <a:off x="225786" y="2840780"/>
-            <a:ext cx="7192995" cy="369332"/>
+            <a:off x="581987" y="699542"/>
+            <a:ext cx="1197764" cy="461665"/>
           </a:xfrm>
           <a:prstGeom prst="rect">
             <a:avLst/>
@@ -15912,41 +16295,186 @@
           <a:lstStyle/>
           <a:p>
             <a:r>
-              <a:rPr lang="en-US" dirty="0" smtClean="0"/>
-              <a:t>Function to iterate through file lines and ignore the multi-line comments:</a:t>
+              <a:rPr lang="en-US" sz="2400" dirty="0" err="1" smtClean="0"/>
+              <a:t>Functor</a:t>
             </a:r>
-            <a:endParaRPr lang="uk-UA" dirty="0"/>
+            <a:endParaRPr lang="uk-UA" sz="2400" dirty="0"/>
           </a:p>
         </p:txBody>
       </p:sp>
       <p:pic>
         <p:nvPicPr>
-          <p:cNvPr id="4" name="Picture 3"/>
+          <p:cNvPr id="1026" name="Picture 2"/>
           <p:cNvPicPr>
-            <a:picLocks noChangeAspect="1"/>
+            <a:picLocks noChangeAspect="1" noChangeArrowheads="1"/>
           </p:cNvPicPr>
           <p:nvPr/>
         </p:nvPicPr>
         <p:blipFill>
-          <a:blip r:embed="rId4"/>
+          <a:blip r:embed="rId2">
+            <a:extLst>
+              <a:ext uri="{28A0092B-C50C-407E-A947-70E740481C1C}">
+                <a14:useLocalDpi xmlns:a14="http://schemas.microsoft.com/office/drawing/2010/main" val="0"/>
+              </a:ext>
+            </a:extLst>
+          </a:blip>
+          <a:srcRect/>
           <a:stretch>
             <a:fillRect/>
           </a:stretch>
         </p:blipFill>
-        <p:spPr>
+        <p:spPr bwMode="auto">
           <a:xfrm>
-            <a:off x="251520" y="3356991"/>
-            <a:ext cx="8064896" cy="3055949"/>
+            <a:off x="581987" y="1221600"/>
+            <a:ext cx="4782101" cy="648072"/>
           </a:xfrm>
           <a:prstGeom prst="rect">
             <a:avLst/>
           </a:prstGeom>
+          <a:noFill/>
+          <a:ln>
+            <a:noFill/>
+          </a:ln>
+          <a:effectLst/>
+          <a:extLst>
+            <a:ext uri="{909E8E84-426E-40DD-AFC4-6F175D3DCCD1}">
+              <a14:hiddenFill xmlns:a14="http://schemas.microsoft.com/office/drawing/2010/main">
+                <a:solidFill>
+                  <a:schemeClr val="accent1"/>
+                </a:solidFill>
+              </a14:hiddenFill>
+            </a:ext>
+            <a:ext uri="{91240B29-F687-4F45-9708-019B960494DF}">
+              <a14:hiddenLine xmlns:a14="http://schemas.microsoft.com/office/drawing/2010/main" w="9525">
+                <a:solidFill>
+                  <a:schemeClr val="tx1"/>
+                </a:solidFill>
+                <a:miter lim="800000"/>
+                <a:headEnd/>
+                <a:tailEnd/>
+              </a14:hiddenLine>
+            </a:ext>
+            <a:ext uri="{AF507438-7753-43E0-B8FC-AC1667EBCBE1}">
+              <a14:hiddenEffects xmlns:a14="http://schemas.microsoft.com/office/drawing/2010/main">
+                <a:effectLst>
+                  <a:outerShdw dist="35921" dir="2700000" algn="ctr" rotWithShape="0">
+                    <a:schemeClr val="bg2"/>
+                  </a:outerShdw>
+                </a:effectLst>
+              </a14:hiddenEffects>
+            </a:ext>
+          </a:extLst>
+        </p:spPr>
+      </p:pic>
+      <p:pic>
+        <p:nvPicPr>
+          <p:cNvPr id="1027" name="Picture 3" descr="C:\Users\Admin\Desktop\fmap_just.png"/>
+          <p:cNvPicPr>
+            <a:picLocks noChangeAspect="1" noChangeArrowheads="1"/>
+          </p:cNvPicPr>
+          <p:nvPr/>
+        </p:nvPicPr>
+        <p:blipFill>
+          <a:blip r:embed="rId3">
+            <a:extLst>
+              <a:ext uri="{28A0092B-C50C-407E-A947-70E740481C1C}">
+                <a14:useLocalDpi xmlns:a14="http://schemas.microsoft.com/office/drawing/2010/main" val="0"/>
+              </a:ext>
+            </a:extLst>
+          </a:blip>
+          <a:srcRect/>
+          <a:stretch>
+            <a:fillRect/>
+          </a:stretch>
+        </p:blipFill>
+        <p:spPr bwMode="auto">
+          <a:xfrm>
+            <a:off x="707617" y="3219822"/>
+            <a:ext cx="7488832" cy="1700075"/>
+          </a:xfrm>
+          <a:prstGeom prst="rect">
+            <a:avLst/>
+          </a:prstGeom>
+          <a:noFill/>
+          <a:extLst>
+            <a:ext uri="{909E8E84-426E-40DD-AFC4-6F175D3DCCD1}">
+              <a14:hiddenFill xmlns:a14="http://schemas.microsoft.com/office/drawing/2010/main">
+                <a:solidFill>
+                  <a:srgbClr val="FFFFFF"/>
+                </a:solidFill>
+              </a14:hiddenFill>
+            </a:ext>
+          </a:extLst>
+        </p:spPr>
+      </p:pic>
+      <p:pic>
+        <p:nvPicPr>
+          <p:cNvPr id="1028" name="Picture 4"/>
+          <p:cNvPicPr>
+            <a:picLocks noChangeAspect="1" noChangeArrowheads="1"/>
+          </p:cNvPicPr>
+          <p:nvPr/>
+        </p:nvPicPr>
+        <p:blipFill>
+          <a:blip r:embed="rId4">
+            <a:extLst>
+              <a:ext uri="{28A0092B-C50C-407E-A947-70E740481C1C}">
+                <a14:useLocalDpi xmlns:a14="http://schemas.microsoft.com/office/drawing/2010/main" val="0"/>
+              </a:ext>
+            </a:extLst>
+          </a:blip>
+          <a:srcRect/>
+          <a:stretch>
+            <a:fillRect/>
+          </a:stretch>
+        </p:blipFill>
+        <p:spPr bwMode="auto">
+          <a:xfrm>
+            <a:off x="1643721" y="1699818"/>
+            <a:ext cx="5616624" cy="1481519"/>
+          </a:xfrm>
+          <a:prstGeom prst="rect">
+            <a:avLst/>
+          </a:prstGeom>
+          <a:noFill/>
+          <a:ln>
+            <a:noFill/>
+          </a:ln>
+          <a:effectLst/>
+          <a:extLst>
+            <a:ext uri="{909E8E84-426E-40DD-AFC4-6F175D3DCCD1}">
+              <a14:hiddenFill xmlns:a14="http://schemas.microsoft.com/office/drawing/2010/main">
+                <a:solidFill>
+                  <a:schemeClr val="accent1"/>
+                </a:solidFill>
+              </a14:hiddenFill>
+            </a:ext>
+            <a:ext uri="{91240B29-F687-4F45-9708-019B960494DF}">
+              <a14:hiddenLine xmlns:a14="http://schemas.microsoft.com/office/drawing/2010/main" w="9525">
+                <a:solidFill>
+                  <a:schemeClr val="tx1"/>
+                </a:solidFill>
+                <a:miter lim="800000"/>
+                <a:headEnd/>
+                <a:tailEnd/>
+              </a14:hiddenLine>
+            </a:ext>
+            <a:ext uri="{AF507438-7753-43E0-B8FC-AC1667EBCBE1}">
+              <a14:hiddenEffects xmlns:a14="http://schemas.microsoft.com/office/drawing/2010/main">
+                <a:effectLst>
+                  <a:outerShdw dist="35921" dir="2700000" algn="ctr" rotWithShape="0">
+                    <a:schemeClr val="bg2"/>
+                  </a:outerShdw>
+                </a:effectLst>
+              </a14:hiddenEffects>
+            </a:ext>
+          </a:extLst>
         </p:spPr>
       </p:pic>
     </p:spTree>
     <p:extLst>
       <p:ext uri="{BB962C8B-B14F-4D97-AF65-F5344CB8AC3E}">
-        <p14:creationId xmlns:p14="http://schemas.microsoft.com/office/powerpoint/2010/main" val="4022209896"/>
+        <p14:creationId xmlns:p14="http://schemas.microsoft.com/office/powerpoint/2010/main" val="2471078317"/>
       </p:ext>
     </p:extLst>
   </p:cSld>
@@ -15981,8 +16509,8 @@
         </p:nvSpPr>
         <p:spPr>
           <a:xfrm>
-            <a:off x="395536" y="1268760"/>
-            <a:ext cx="4357283" cy="4524315"/>
+            <a:off x="406089" y="681540"/>
+            <a:ext cx="1106393" cy="461665"/>
           </a:xfrm>
           <a:prstGeom prst="rect">
             <a:avLst/>
@@ -15996,112 +16524,221 @@
           <a:lstStyle/>
           <a:p>
             <a:r>
-              <a:rPr lang="en-US" dirty="0" smtClean="0"/>
-              <a:t>Iterate through directories:</a:t>
+              <a:rPr lang="en-US" sz="2400" dirty="0" smtClean="0"/>
+              <a:t>Monad</a:t>
             </a:r>
-          </a:p>
-          <a:p>
-            <a:endParaRPr lang="en-US" dirty="0"/>
-          </a:p>
-          <a:p>
-            <a:endParaRPr lang="en-US" dirty="0" smtClean="0"/>
-          </a:p>
-          <a:p>
-            <a:endParaRPr lang="en-US" dirty="0"/>
-          </a:p>
-          <a:p>
-            <a:endParaRPr lang="en-US" dirty="0" smtClean="0"/>
-          </a:p>
-          <a:p>
-            <a:endParaRPr lang="en-US" dirty="0"/>
-          </a:p>
-          <a:p>
-            <a:endParaRPr lang="en-US" dirty="0" smtClean="0"/>
-          </a:p>
-          <a:p>
-            <a:endParaRPr lang="en-US" dirty="0"/>
-          </a:p>
-          <a:p>
-            <a:endParaRPr lang="en-US" dirty="0" smtClean="0"/>
-          </a:p>
-          <a:p>
-            <a:endParaRPr lang="en-US" dirty="0"/>
-          </a:p>
-          <a:p>
-            <a:endParaRPr lang="en-US" dirty="0" smtClean="0"/>
-          </a:p>
-          <a:p>
-            <a:r>
-              <a:rPr lang="en-US" dirty="0" smtClean="0"/>
-              <a:t>Finally, a simple invocation of this function:</a:t>
-            </a:r>
-          </a:p>
-          <a:p>
-            <a:endParaRPr lang="en-US" dirty="0"/>
-          </a:p>
-          <a:p>
-            <a:endParaRPr lang="en-US" dirty="0" smtClean="0"/>
-          </a:p>
-          <a:p>
-            <a:endParaRPr lang="en-US" dirty="0" smtClean="0"/>
-          </a:p>
-          <a:p>
-            <a:endParaRPr lang="en-US" dirty="0"/>
+            <a:endParaRPr lang="ru-RU" sz="2400" dirty="0"/>
           </a:p>
         </p:txBody>
       </p:sp>
       <p:pic>
         <p:nvPicPr>
-          <p:cNvPr id="3" name="Picture 2"/>
+          <p:cNvPr id="2050" name="Picture 2"/>
           <p:cNvPicPr>
-            <a:picLocks noChangeAspect="1"/>
+            <a:picLocks noChangeAspect="1" noChangeArrowheads="1"/>
           </p:cNvPicPr>
           <p:nvPr/>
         </p:nvPicPr>
         <p:blipFill>
-          <a:blip r:embed="rId2"/>
+          <a:blip r:embed="rId2">
+            <a:extLst>
+              <a:ext uri="{28A0092B-C50C-407E-A947-70E740481C1C}">
+                <a14:useLocalDpi xmlns:a14="http://schemas.microsoft.com/office/drawing/2010/main" val="0"/>
+              </a:ext>
+            </a:extLst>
+          </a:blip>
+          <a:srcRect/>
           <a:stretch>
             <a:fillRect/>
           </a:stretch>
         </p:blipFill>
-        <p:spPr>
+        <p:spPr bwMode="auto">
           <a:xfrm>
-            <a:off x="539552" y="1727598"/>
-            <a:ext cx="7821384" cy="2421481"/>
+            <a:off x="323528" y="1132147"/>
+            <a:ext cx="5256584" cy="774086"/>
           </a:xfrm>
           <a:prstGeom prst="rect">
             <a:avLst/>
           </a:prstGeom>
+          <a:noFill/>
+          <a:ln>
+            <a:noFill/>
+          </a:ln>
+          <a:effectLst/>
+          <a:extLst>
+            <a:ext uri="{909E8E84-426E-40DD-AFC4-6F175D3DCCD1}">
+              <a14:hiddenFill xmlns:a14="http://schemas.microsoft.com/office/drawing/2010/main">
+                <a:solidFill>
+                  <a:schemeClr val="accent1"/>
+                </a:solidFill>
+              </a14:hiddenFill>
+            </a:ext>
+            <a:ext uri="{91240B29-F687-4F45-9708-019B960494DF}">
+              <a14:hiddenLine xmlns:a14="http://schemas.microsoft.com/office/drawing/2010/main" w="9525">
+                <a:solidFill>
+                  <a:schemeClr val="tx1"/>
+                </a:solidFill>
+                <a:miter lim="800000"/>
+                <a:headEnd/>
+                <a:tailEnd/>
+              </a14:hiddenLine>
+            </a:ext>
+            <a:ext uri="{AF507438-7753-43E0-B8FC-AC1667EBCBE1}">
+              <a14:hiddenEffects xmlns:a14="http://schemas.microsoft.com/office/drawing/2010/main">
+                <a:effectLst>
+                  <a:outerShdw dist="35921" dir="2700000" algn="ctr" rotWithShape="0">
+                    <a:schemeClr val="bg2"/>
+                  </a:outerShdw>
+                </a:effectLst>
+              </a14:hiddenEffects>
+            </a:ext>
+          </a:extLst>
         </p:spPr>
       </p:pic>
       <p:pic>
         <p:nvPicPr>
-          <p:cNvPr id="4" name="Picture 3"/>
+          <p:cNvPr id="2051" name="Picture 3" descr="C:\Users\Admin\Desktop\half.png"/>
           <p:cNvPicPr>
-            <a:picLocks noChangeAspect="1"/>
+            <a:picLocks noChangeAspect="1" noChangeArrowheads="1"/>
           </p:cNvPicPr>
           <p:nvPr/>
         </p:nvPicPr>
         <p:blipFill>
-          <a:blip r:embed="rId3"/>
+          <a:blip r:embed="rId3">
+            <a:extLst>
+              <a:ext uri="{28A0092B-C50C-407E-A947-70E740481C1C}">
+                <a14:useLocalDpi xmlns:a14="http://schemas.microsoft.com/office/drawing/2010/main" val="0"/>
+              </a:ext>
+            </a:extLst>
+          </a:blip>
+          <a:srcRect/>
           <a:stretch>
             <a:fillRect/>
           </a:stretch>
         </p:blipFill>
-        <p:spPr>
+        <p:spPr bwMode="auto">
           <a:xfrm>
-            <a:off x="683568" y="4809152"/>
-            <a:ext cx="3590925" cy="323850"/>
+            <a:off x="1547665" y="2978523"/>
+            <a:ext cx="2304255" cy="1458163"/>
           </a:xfrm>
           <a:prstGeom prst="rect">
             <a:avLst/>
           </a:prstGeom>
+          <a:noFill/>
+          <a:extLst>
+            <a:ext uri="{909E8E84-426E-40DD-AFC4-6F175D3DCCD1}">
+              <a14:hiddenFill xmlns:a14="http://schemas.microsoft.com/office/drawing/2010/main">
+                <a:solidFill>
+                  <a:srgbClr val="FFFFFF"/>
+                </a:solidFill>
+              </a14:hiddenFill>
+            </a:ext>
+          </a:extLst>
+        </p:spPr>
+      </p:pic>
+      <p:sp>
+        <p:nvSpPr>
+          <p:cNvPr id="3" name="TextBox 2"/>
+          <p:cNvSpPr txBox="1"/>
+          <p:nvPr/>
+        </p:nvSpPr>
+        <p:spPr>
+          <a:xfrm>
+            <a:off x="131892" y="2039928"/>
+            <a:ext cx="5173211" cy="923330"/>
+          </a:xfrm>
+          <a:prstGeom prst="rect">
+            <a:avLst/>
+          </a:prstGeom>
+          <a:noFill/>
+        </p:spPr>
+        <p:txBody>
+          <a:bodyPr wrap="none" rtlCol="0">
+            <a:spAutoFit/>
+          </a:bodyPr>
+          <a:lstStyle/>
+          <a:p>
+            <a:r>
+              <a:rPr lang="en-US" dirty="0" smtClean="0"/>
+              <a:t>For example if function ‘half’ </a:t>
+            </a:r>
+          </a:p>
+          <a:p>
+            <a:r>
+              <a:rPr lang="en-US" dirty="0" smtClean="0"/>
+              <a:t>returns a wrapped value then a Monad knows how </a:t>
+            </a:r>
+          </a:p>
+          <a:p>
+            <a:r>
+              <a:rPr lang="en-US" dirty="0" smtClean="0"/>
+              <a:t>to apply it to its value (to </a:t>
+            </a:r>
+            <a:r>
+              <a:rPr lang="en-US" b="1" i="1" dirty="0" err="1" smtClean="0"/>
+              <a:t>flatMap</a:t>
+            </a:r>
+            <a:r>
+              <a:rPr lang="en-US" dirty="0" smtClean="0"/>
+              <a:t> it or to </a:t>
+            </a:r>
+            <a:r>
+              <a:rPr lang="en-US" b="1" i="1" dirty="0" smtClean="0"/>
+              <a:t>bind</a:t>
+            </a:r>
+            <a:r>
+              <a:rPr lang="en-US" dirty="0" smtClean="0"/>
+              <a:t>).</a:t>
+            </a:r>
+            <a:endParaRPr lang="ru-RU" dirty="0"/>
+          </a:p>
+        </p:txBody>
+      </p:sp>
+      <p:pic>
+        <p:nvPicPr>
+          <p:cNvPr id="2052" name="Picture 4" descr="C:\Users\Admin\Desktop\monad_just.png"/>
+          <p:cNvPicPr>
+            <a:picLocks noChangeAspect="1" noChangeArrowheads="1"/>
+          </p:cNvPicPr>
+          <p:nvPr/>
+        </p:nvPicPr>
+        <p:blipFill>
+          <a:blip r:embed="rId4">
+            <a:extLst>
+              <a:ext uri="{28A0092B-C50C-407E-A947-70E740481C1C}">
+                <a14:useLocalDpi xmlns:a14="http://schemas.microsoft.com/office/drawing/2010/main" val="0"/>
+              </a:ext>
+            </a:extLst>
+          </a:blip>
+          <a:srcRect/>
+          <a:stretch>
+            <a:fillRect/>
+          </a:stretch>
+        </p:blipFill>
+        <p:spPr bwMode="auto">
+          <a:xfrm>
+            <a:off x="5220072" y="1707654"/>
+            <a:ext cx="3312367" cy="3240360"/>
+          </a:xfrm>
+          <a:prstGeom prst="rect">
+            <a:avLst/>
+          </a:prstGeom>
+          <a:noFill/>
+          <a:extLst>
+            <a:ext uri="{909E8E84-426E-40DD-AFC4-6F175D3DCCD1}">
+              <a14:hiddenFill xmlns:a14="http://schemas.microsoft.com/office/drawing/2010/main">
+                <a:solidFill>
+                  <a:srgbClr val="FFFFFF"/>
+                </a:solidFill>
+              </a14:hiddenFill>
+            </a:ext>
+          </a:extLst>
         </p:spPr>
       </p:pic>
     </p:spTree>
     <p:extLst>
       <p:ext uri="{BB962C8B-B14F-4D97-AF65-F5344CB8AC3E}">
-        <p14:creationId xmlns:p14="http://schemas.microsoft.com/office/powerpoint/2010/main" val="2673348524"/>
+        <p14:creationId xmlns:p14="http://schemas.microsoft.com/office/powerpoint/2010/main" val="838394650"/>
       </p:ext>
     </p:extLst>
   </p:cSld>
@@ -16136,8 +16773,8 @@
         </p:nvSpPr>
         <p:spPr>
           <a:xfrm>
-            <a:off x="539552" y="1340768"/>
-            <a:ext cx="8186857" cy="3970318"/>
+            <a:off x="683569" y="788758"/>
+            <a:ext cx="2678938" cy="461665"/>
           </a:xfrm>
           <a:prstGeom prst="rect">
             <a:avLst/>
@@ -16151,91 +16788,199 @@
           <a:lstStyle/>
           <a:p>
             <a:r>
-              <a:rPr lang="en-US" dirty="0" smtClean="0"/>
-              <a:t>Let’s try another example. </a:t>
+              <a:rPr lang="en-US" sz="2400" dirty="0" smtClean="0"/>
+              <a:t>Exception handling</a:t>
             </a:r>
-          </a:p>
+            <a:endParaRPr lang="ru-RU" sz="2400" dirty="0"/>
+          </a:p>
+        </p:txBody>
+      </p:sp>
+      <p:sp>
+        <p:nvSpPr>
+          <p:cNvPr id="3" name="TextBox 2"/>
+          <p:cNvSpPr txBox="1"/>
+          <p:nvPr/>
+        </p:nvSpPr>
+        <p:spPr>
+          <a:xfrm>
+            <a:off x="827584" y="1329612"/>
+            <a:ext cx="1423788" cy="2308324"/>
+          </a:xfrm>
+          <a:prstGeom prst="rect">
+            <a:avLst/>
+          </a:prstGeom>
+          <a:noFill/>
+        </p:spPr>
+        <p:txBody>
+          <a:bodyPr wrap="none" rtlCol="0">
+            <a:spAutoFit/>
+          </a:bodyPr>
+          <a:lstStyle/>
           <a:p>
             <a:r>
               <a:rPr lang="en-US" dirty="0" smtClean="0"/>
-              <a:t>Here we provide a functional-friendly implementation of a simple checkout system</a:t>
+              <a:t>Using Try:</a:t>
             </a:r>
+          </a:p>
+          <a:p>
+            <a:endParaRPr lang="en-US" dirty="0" smtClean="0"/>
+          </a:p>
+          <a:p>
+            <a:endParaRPr lang="en-US" dirty="0"/>
+          </a:p>
+          <a:p>
+            <a:endParaRPr lang="en-US" dirty="0" smtClean="0"/>
+          </a:p>
+          <a:p>
+            <a:endParaRPr lang="en-US" dirty="0"/>
+          </a:p>
+          <a:p>
+            <a:endParaRPr lang="en-US" dirty="0" smtClean="0"/>
+          </a:p>
+          <a:p>
+            <a:endParaRPr lang="en-US" dirty="0"/>
           </a:p>
           <a:p>
             <a:r>
               <a:rPr lang="en-US" dirty="0" smtClean="0"/>
-              <a:t>that handle the logic due to rules that look like this:</a:t>
+              <a:t>Using Either:</a:t>
             </a:r>
-          </a:p>
-          <a:p>
-            <a:endParaRPr lang="en-US" dirty="0"/>
-          </a:p>
-          <a:p>
-            <a:endParaRPr lang="en-US" dirty="0" smtClean="0"/>
-          </a:p>
-          <a:p>
-            <a:endParaRPr lang="en-US" dirty="0"/>
-          </a:p>
-          <a:p>
-            <a:endParaRPr lang="en-US" dirty="0" smtClean="0"/>
-          </a:p>
-          <a:p>
-            <a:endParaRPr lang="en-US" dirty="0"/>
-          </a:p>
-          <a:p>
-            <a:endParaRPr lang="en-US" dirty="0" smtClean="0"/>
-          </a:p>
-          <a:p>
-            <a:endParaRPr lang="en-US" dirty="0"/>
-          </a:p>
-          <a:p>
-            <a:endParaRPr lang="en-US" dirty="0" smtClean="0"/>
-          </a:p>
-          <a:p>
-            <a:r>
-              <a:rPr lang="en-US" dirty="0" smtClean="0"/>
-              <a:t>  Seems like a simple object-oriented task, but now we will create a functional</a:t>
-            </a:r>
-          </a:p>
-          <a:p>
-            <a:r>
-              <a:rPr lang="en-US" dirty="0" smtClean="0"/>
-              <a:t>implementation blending it with some of the Scala’s object-oriented features.</a:t>
-            </a:r>
-          </a:p>
-          <a:p>
-            <a:endParaRPr lang="uk-UA" dirty="0"/>
+            <a:endParaRPr lang="ru-RU" dirty="0"/>
           </a:p>
         </p:txBody>
       </p:sp>
       <p:pic>
         <p:nvPicPr>
-          <p:cNvPr id="3" name="Picture 2"/>
+          <p:cNvPr id="2050" name="Picture 2"/>
           <p:cNvPicPr>
-            <a:picLocks noChangeAspect="1"/>
+            <a:picLocks noChangeAspect="1" noChangeArrowheads="1"/>
           </p:cNvPicPr>
           <p:nvPr/>
         </p:nvPicPr>
         <p:blipFill>
-          <a:blip r:embed="rId2"/>
+          <a:blip r:embed="rId2">
+            <a:extLst>
+              <a:ext uri="{28A0092B-C50C-407E-A947-70E740481C1C}">
+                <a14:useLocalDpi xmlns:a14="http://schemas.microsoft.com/office/drawing/2010/main" val="0"/>
+              </a:ext>
+            </a:extLst>
+          </a:blip>
+          <a:srcRect/>
           <a:stretch>
             <a:fillRect/>
           </a:stretch>
         </p:blipFill>
-        <p:spPr>
+        <p:spPr bwMode="auto">
           <a:xfrm>
-            <a:off x="2771800" y="2276872"/>
-            <a:ext cx="3006253" cy="1752524"/>
+            <a:off x="827584" y="1653648"/>
+            <a:ext cx="4608512" cy="1080120"/>
           </a:xfrm>
           <a:prstGeom prst="rect">
             <a:avLst/>
           </a:prstGeom>
+          <a:noFill/>
+          <a:ln>
+            <a:noFill/>
+          </a:ln>
+          <a:effectLst/>
+          <a:extLst>
+            <a:ext uri="{909E8E84-426E-40DD-AFC4-6F175D3DCCD1}">
+              <a14:hiddenFill xmlns:a14="http://schemas.microsoft.com/office/drawing/2010/main">
+                <a:solidFill>
+                  <a:schemeClr val="accent1"/>
+                </a:solidFill>
+              </a14:hiddenFill>
+            </a:ext>
+            <a:ext uri="{91240B29-F687-4F45-9708-019B960494DF}">
+              <a14:hiddenLine xmlns:a14="http://schemas.microsoft.com/office/drawing/2010/main" w="9525">
+                <a:solidFill>
+                  <a:schemeClr val="tx1"/>
+                </a:solidFill>
+                <a:miter lim="800000"/>
+                <a:headEnd/>
+                <a:tailEnd/>
+              </a14:hiddenLine>
+            </a:ext>
+            <a:ext uri="{AF507438-7753-43E0-B8FC-AC1667EBCBE1}">
+              <a14:hiddenEffects xmlns:a14="http://schemas.microsoft.com/office/drawing/2010/main">
+                <a:effectLst>
+                  <a:outerShdw dist="35921" dir="2700000" algn="ctr" rotWithShape="0">
+                    <a:schemeClr val="bg2"/>
+                  </a:outerShdw>
+                </a:effectLst>
+              </a14:hiddenEffects>
+            </a:ext>
+          </a:extLst>
+        </p:spPr>
+      </p:pic>
+      <p:pic>
+        <p:nvPicPr>
+          <p:cNvPr id="2051" name="Picture 3"/>
+          <p:cNvPicPr>
+            <a:picLocks noChangeAspect="1" noChangeArrowheads="1"/>
+          </p:cNvPicPr>
+          <p:nvPr/>
+        </p:nvPicPr>
+        <p:blipFill>
+          <a:blip r:embed="rId3">
+            <a:extLst>
+              <a:ext uri="{28A0092B-C50C-407E-A947-70E740481C1C}">
+                <a14:useLocalDpi xmlns:a14="http://schemas.microsoft.com/office/drawing/2010/main" val="0"/>
+              </a:ext>
+            </a:extLst>
+          </a:blip>
+          <a:srcRect/>
+          <a:stretch>
+            <a:fillRect/>
+          </a:stretch>
+        </p:blipFill>
+        <p:spPr bwMode="auto">
+          <a:xfrm>
+            <a:off x="800737" y="3165817"/>
+            <a:ext cx="5427447" cy="1130870"/>
+          </a:xfrm>
+          <a:prstGeom prst="rect">
+            <a:avLst/>
+          </a:prstGeom>
+          <a:noFill/>
+          <a:ln>
+            <a:noFill/>
+          </a:ln>
+          <a:effectLst/>
+          <a:extLst>
+            <a:ext uri="{909E8E84-426E-40DD-AFC4-6F175D3DCCD1}">
+              <a14:hiddenFill xmlns:a14="http://schemas.microsoft.com/office/drawing/2010/main">
+                <a:solidFill>
+                  <a:schemeClr val="accent1"/>
+                </a:solidFill>
+              </a14:hiddenFill>
+            </a:ext>
+            <a:ext uri="{91240B29-F687-4F45-9708-019B960494DF}">
+              <a14:hiddenLine xmlns:a14="http://schemas.microsoft.com/office/drawing/2010/main" w="9525">
+                <a:solidFill>
+                  <a:schemeClr val="tx1"/>
+                </a:solidFill>
+                <a:miter lim="800000"/>
+                <a:headEnd/>
+                <a:tailEnd/>
+              </a14:hiddenLine>
+            </a:ext>
+            <a:ext uri="{AF507438-7753-43E0-B8FC-AC1667EBCBE1}">
+              <a14:hiddenEffects xmlns:a14="http://schemas.microsoft.com/office/drawing/2010/main">
+                <a:effectLst>
+                  <a:outerShdw dist="35921" dir="2700000" algn="ctr" rotWithShape="0">
+                    <a:schemeClr val="bg2"/>
+                  </a:outerShdw>
+                </a:effectLst>
+              </a14:hiddenEffects>
+            </a:ext>
+          </a:extLst>
         </p:spPr>
       </p:pic>
     </p:spTree>
     <p:extLst>
       <p:ext uri="{BB962C8B-B14F-4D97-AF65-F5344CB8AC3E}">
-        <p14:creationId xmlns:p14="http://schemas.microsoft.com/office/powerpoint/2010/main" val="2293637662"/>
+        <p14:creationId xmlns:p14="http://schemas.microsoft.com/office/powerpoint/2010/main" val="1400119497"/>
       </p:ext>
     </p:extLst>
   </p:cSld>
@@ -16262,34 +17007,377 @@
           <a:chExt cx="0" cy="0"/>
         </a:xfrm>
       </p:grpSpPr>
+      <p:sp>
+        <p:nvSpPr>
+          <p:cNvPr id="2" name="TextBox 1"/>
+          <p:cNvSpPr txBox="1"/>
+          <p:nvPr/>
+        </p:nvSpPr>
+        <p:spPr>
+          <a:xfrm>
+            <a:off x="559351" y="706161"/>
+            <a:ext cx="2441694" cy="461665"/>
+          </a:xfrm>
+          <a:prstGeom prst="rect">
+            <a:avLst/>
+          </a:prstGeom>
+          <a:noFill/>
+        </p:spPr>
+        <p:txBody>
+          <a:bodyPr wrap="none" rtlCol="0">
+            <a:spAutoFit/>
+          </a:bodyPr>
+          <a:lstStyle/>
+          <a:p>
+            <a:r>
+              <a:rPr lang="en-US" sz="2400" dirty="0" smtClean="0"/>
+              <a:t>Input and Output</a:t>
+            </a:r>
+            <a:endParaRPr lang="ru-RU" sz="2400" dirty="0"/>
+          </a:p>
+        </p:txBody>
+      </p:sp>
       <p:pic>
         <p:nvPicPr>
-          <p:cNvPr id="4" name="Picture 3"/>
+          <p:cNvPr id="3074" name="Picture 2"/>
           <p:cNvPicPr>
-            <a:picLocks noChangeAspect="1"/>
+            <a:picLocks noChangeAspect="1" noChangeArrowheads="1"/>
           </p:cNvPicPr>
           <p:nvPr/>
         </p:nvPicPr>
         <p:blipFill>
-          <a:blip r:embed="rId2"/>
+          <a:blip r:embed="rId2">
+            <a:extLst>
+              <a:ext uri="{28A0092B-C50C-407E-A947-70E740481C1C}">
+                <a14:useLocalDpi xmlns:a14="http://schemas.microsoft.com/office/drawing/2010/main" val="0"/>
+              </a:ext>
+            </a:extLst>
+          </a:blip>
+          <a:srcRect/>
           <a:stretch>
             <a:fillRect/>
           </a:stretch>
         </p:blipFill>
+        <p:spPr bwMode="auto">
+          <a:xfrm>
+            <a:off x="611560" y="1187478"/>
+            <a:ext cx="5688632" cy="3463949"/>
+          </a:xfrm>
+          <a:prstGeom prst="rect">
+            <a:avLst/>
+          </a:prstGeom>
+          <a:noFill/>
+          <a:ln>
+            <a:noFill/>
+          </a:ln>
+          <a:effectLst/>
+          <a:extLst>
+            <a:ext uri="{909E8E84-426E-40DD-AFC4-6F175D3DCCD1}">
+              <a14:hiddenFill xmlns:a14="http://schemas.microsoft.com/office/drawing/2010/main">
+                <a:solidFill>
+                  <a:schemeClr val="accent1"/>
+                </a:solidFill>
+              </a14:hiddenFill>
+            </a:ext>
+            <a:ext uri="{91240B29-F687-4F45-9708-019B960494DF}">
+              <a14:hiddenLine xmlns:a14="http://schemas.microsoft.com/office/drawing/2010/main" w="9525">
+                <a:solidFill>
+                  <a:schemeClr val="tx1"/>
+                </a:solidFill>
+                <a:miter lim="800000"/>
+                <a:headEnd/>
+                <a:tailEnd/>
+              </a14:hiddenLine>
+            </a:ext>
+            <a:ext uri="{AF507438-7753-43E0-B8FC-AC1667EBCBE1}">
+              <a14:hiddenEffects xmlns:a14="http://schemas.microsoft.com/office/drawing/2010/main">
+                <a:effectLst>
+                  <a:outerShdw dist="35921" dir="2700000" algn="ctr" rotWithShape="0">
+                    <a:schemeClr val="bg2"/>
+                  </a:outerShdw>
+                </a:effectLst>
+              </a14:hiddenEffects>
+            </a:ext>
+          </a:extLst>
+        </p:spPr>
+      </p:pic>
+    </p:spTree>
+    <p:extLst>
+      <p:ext uri="{BB962C8B-B14F-4D97-AF65-F5344CB8AC3E}">
+        <p14:creationId xmlns:p14="http://schemas.microsoft.com/office/powerpoint/2010/main" val="1415715513"/>
+      </p:ext>
+    </p:extLst>
+  </p:cSld>
+  <p:clrMapOvr>
+    <a:masterClrMapping/>
+  </p:clrMapOvr>
+</p:sld>
+</file>
+
+<file path=ppt/slides/slide19.xml><?xml version="1.0" encoding="utf-8"?>
+<p:sld xmlns:a="http://schemas.openxmlformats.org/drawingml/2006/main" xmlns:r="http://schemas.openxmlformats.org/officeDocument/2006/relationships" xmlns:p="http://schemas.openxmlformats.org/presentationml/2006/main">
+  <p:cSld>
+    <p:spTree>
+      <p:nvGrpSpPr>
+        <p:cNvPr id="1" name=""/>
+        <p:cNvGrpSpPr/>
+        <p:nvPr/>
+      </p:nvGrpSpPr>
+      <p:grpSpPr>
+        <a:xfrm>
+          <a:off x="0" y="0"/>
+          <a:ext cx="0" cy="0"/>
+          <a:chOff x="0" y="0"/>
+          <a:chExt cx="0" cy="0"/>
+        </a:xfrm>
+      </p:grpSpPr>
+      <p:sp>
+        <p:nvSpPr>
+          <p:cNvPr id="2" name="TextBox 1"/>
+          <p:cNvSpPr txBox="1"/>
+          <p:nvPr/>
+        </p:nvSpPr>
         <p:spPr>
           <a:xfrm>
-            <a:off x="467544" y="1236374"/>
-            <a:ext cx="12598255" cy="5589240"/>
+            <a:off x="539552" y="711261"/>
+            <a:ext cx="3345788" cy="461665"/>
+          </a:xfrm>
+          <a:prstGeom prst="rect">
+            <a:avLst/>
+          </a:prstGeom>
+          <a:noFill/>
+        </p:spPr>
+        <p:txBody>
+          <a:bodyPr wrap="none" rtlCol="0">
+            <a:spAutoFit/>
+          </a:bodyPr>
+          <a:lstStyle/>
+          <a:p>
+            <a:r>
+              <a:rPr lang="en-US" sz="2400" dirty="0" smtClean="0"/>
+              <a:t>Concurrency with actors</a:t>
+            </a:r>
+            <a:endParaRPr lang="ru-RU" sz="2400" dirty="0"/>
+          </a:p>
+        </p:txBody>
+      </p:sp>
+      <p:sp>
+        <p:nvSpPr>
+          <p:cNvPr id="3" name="Прямоугольник 2"/>
+          <p:cNvSpPr/>
+          <p:nvPr/>
+        </p:nvSpPr>
+        <p:spPr>
+          <a:xfrm>
+            <a:off x="395536" y="1190832"/>
+            <a:ext cx="8105802" cy="1200329"/>
           </a:xfrm>
           <a:prstGeom prst="rect">
             <a:avLst/>
           </a:prstGeom>
         </p:spPr>
+        <p:txBody>
+          <a:bodyPr wrap="square">
+            <a:spAutoFit/>
+          </a:bodyPr>
+          <a:lstStyle/>
+          <a:p>
+            <a:r>
+              <a:rPr lang="en-US" b="1" dirty="0" smtClean="0"/>
+              <a:t>			</a:t>
+            </a:r>
+            <a:r>
+              <a:rPr lang="en-US" b="1" dirty="0" err="1" smtClean="0"/>
+              <a:t>Akka</a:t>
+            </a:r>
+            <a:r>
+              <a:rPr lang="en-US" dirty="0" smtClean="0"/>
+              <a:t> </a:t>
+            </a:r>
+            <a:r>
+              <a:rPr lang="en-US" dirty="0"/>
+              <a:t>is a toolkit </a:t>
+            </a:r>
+            <a:r>
+              <a:rPr lang="en-US" dirty="0" smtClean="0"/>
+              <a:t>for </a:t>
+            </a:r>
+            <a:r>
+              <a:rPr lang="en-US" dirty="0"/>
+              <a:t>building highly concurrent,</a:t>
+            </a:r>
+            <a:br>
+              <a:rPr lang="en-US" dirty="0"/>
+            </a:br>
+            <a:r>
+              <a:rPr lang="en-US" dirty="0" smtClean="0"/>
+              <a:t>			distributed</a:t>
+            </a:r>
+            <a:r>
+              <a:rPr lang="en-US" dirty="0"/>
+              <a:t>, and </a:t>
+            </a:r>
+            <a:r>
+              <a:rPr lang="en-US" dirty="0" smtClean="0"/>
+              <a:t>resilient message-driven </a:t>
+            </a:r>
+            <a:r>
+              <a:rPr lang="en-US" dirty="0"/>
+              <a:t>applications</a:t>
+            </a:r>
+            <a:br>
+              <a:rPr lang="en-US" dirty="0"/>
+            </a:br>
+            <a:r>
+              <a:rPr lang="en-US" dirty="0"/>
+              <a:t>on the </a:t>
+            </a:r>
+            <a:r>
+              <a:rPr lang="en-US" dirty="0" smtClean="0"/>
+              <a:t>JVM that is based on </a:t>
+            </a:r>
+            <a:r>
+              <a:rPr lang="en-US" b="1" dirty="0" smtClean="0"/>
+              <a:t>actor model</a:t>
+            </a:r>
+            <a:r>
+              <a:rPr lang="en-US" dirty="0" smtClean="0"/>
+              <a:t>. </a:t>
+            </a:r>
+            <a:r>
+              <a:rPr lang="en-US" dirty="0" err="1" smtClean="0"/>
+              <a:t>Akka</a:t>
+            </a:r>
+            <a:r>
+              <a:rPr lang="en-US" dirty="0" smtClean="0"/>
+              <a:t> </a:t>
+            </a:r>
+            <a:r>
+              <a:rPr lang="en-US" dirty="0"/>
+              <a:t>is written in </a:t>
+            </a:r>
+            <a:r>
+              <a:rPr lang="en-US" dirty="0" err="1"/>
+              <a:t>Scala</a:t>
+            </a:r>
+            <a:r>
+              <a:rPr lang="en-US" dirty="0"/>
+              <a:t> and, as of </a:t>
+            </a:r>
+            <a:r>
+              <a:rPr lang="en-US" dirty="0" err="1"/>
+              <a:t>Scala</a:t>
+            </a:r>
+            <a:r>
+              <a:rPr lang="en-US" dirty="0"/>
+              <a:t> 2.10, </a:t>
+            </a:r>
+            <a:r>
+              <a:rPr lang="en-US" dirty="0" err="1"/>
+              <a:t>Akka's</a:t>
+            </a:r>
+            <a:r>
+              <a:rPr lang="en-US" dirty="0"/>
+              <a:t> actor implementation is included as part of the </a:t>
+            </a:r>
+            <a:r>
+              <a:rPr lang="en-US" dirty="0" err="1"/>
+              <a:t>Scala</a:t>
+            </a:r>
+            <a:r>
+              <a:rPr lang="en-US" dirty="0"/>
+              <a:t> standard library.</a:t>
+            </a:r>
+            <a:endParaRPr lang="ru-RU" dirty="0"/>
+          </a:p>
+        </p:txBody>
+      </p:sp>
+      <p:pic>
+        <p:nvPicPr>
+          <p:cNvPr id="1026" name="Picture 2" descr="C:\Users\Admin\Desktop\Akka_toolkit_logo.svg.png"/>
+          <p:cNvPicPr>
+            <a:picLocks noChangeAspect="1" noChangeArrowheads="1"/>
+          </p:cNvPicPr>
+          <p:nvPr/>
+        </p:nvPicPr>
+        <p:blipFill>
+          <a:blip r:embed="rId2">
+            <a:extLst>
+              <a:ext uri="{28A0092B-C50C-407E-A947-70E740481C1C}">
+                <a14:useLocalDpi xmlns:a14="http://schemas.microsoft.com/office/drawing/2010/main" val="0"/>
+              </a:ext>
+            </a:extLst>
+          </a:blip>
+          <a:srcRect/>
+          <a:stretch>
+            <a:fillRect/>
+          </a:stretch>
+        </p:blipFill>
+        <p:spPr bwMode="auto">
+          <a:xfrm>
+            <a:off x="755576" y="1059582"/>
+            <a:ext cx="2095500" cy="857250"/>
+          </a:xfrm>
+          <a:prstGeom prst="rect">
+            <a:avLst/>
+          </a:prstGeom>
+          <a:noFill/>
+          <a:extLst>
+            <a:ext uri="{909E8E84-426E-40DD-AFC4-6F175D3DCCD1}">
+              <a14:hiddenFill xmlns:a14="http://schemas.microsoft.com/office/drawing/2010/main">
+                <a:solidFill>
+                  <a:srgbClr val="FFFFFF"/>
+                </a:solidFill>
+              </a14:hiddenFill>
+            </a:ext>
+          </a:extLst>
+        </p:spPr>
+      </p:pic>
+      <p:pic>
+        <p:nvPicPr>
+          <p:cNvPr id="1027" name="Picture 3" descr="C:\Users\Admin\Desktop\0eb6f4180c304eef8e363d2f8d86bc2f.png"/>
+          <p:cNvPicPr>
+            <a:picLocks noChangeAspect="1" noChangeArrowheads="1"/>
+          </p:cNvPicPr>
+          <p:nvPr/>
+        </p:nvPicPr>
+        <p:blipFill>
+          <a:blip r:embed="rId3">
+            <a:extLst>
+              <a:ext uri="{28A0092B-C50C-407E-A947-70E740481C1C}">
+                <a14:useLocalDpi xmlns:a14="http://schemas.microsoft.com/office/drawing/2010/main" val="0"/>
+              </a:ext>
+            </a:extLst>
+          </a:blip>
+          <a:srcRect/>
+          <a:stretch>
+            <a:fillRect/>
+          </a:stretch>
+        </p:blipFill>
+        <p:spPr bwMode="auto">
+          <a:xfrm>
+            <a:off x="1240752" y="2643758"/>
+            <a:ext cx="6482720" cy="2016224"/>
+          </a:xfrm>
+          <a:prstGeom prst="rect">
+            <a:avLst/>
+          </a:prstGeom>
+          <a:noFill/>
+          <a:extLst>
+            <a:ext uri="{909E8E84-426E-40DD-AFC4-6F175D3DCCD1}">
+              <a14:hiddenFill xmlns:a14="http://schemas.microsoft.com/office/drawing/2010/main">
+                <a:solidFill>
+                  <a:srgbClr val="FFFFFF"/>
+                </a:solidFill>
+              </a14:hiddenFill>
+            </a:ext>
+          </a:extLst>
+        </p:spPr>
       </p:pic>
     </p:spTree>
     <p:extLst>
       <p:ext uri="{BB962C8B-B14F-4D97-AF65-F5344CB8AC3E}">
-        <p14:creationId xmlns:p14="http://schemas.microsoft.com/office/powerpoint/2010/main" val="499425018"/>
+        <p14:creationId xmlns:p14="http://schemas.microsoft.com/office/powerpoint/2010/main" val="3153947243"/>
       </p:ext>
     </p:extLst>
   </p:cSld>
@@ -16324,8 +17412,8 @@
         </p:nvSpPr>
         <p:spPr>
           <a:xfrm>
-            <a:off x="467544" y="764704"/>
-            <a:ext cx="4248472" cy="3570208"/>
+            <a:off x="467544" y="483518"/>
+            <a:ext cx="4248472" cy="3077766"/>
           </a:xfrm>
           <a:prstGeom prst="rect">
             <a:avLst/>
@@ -16344,7 +17432,7 @@
                   <a:schemeClr val="bg1"/>
                 </a:solidFill>
               </a:rPr>
-              <a:t>Summary</a:t>
+              <a:t>Agenda</a:t>
             </a:r>
           </a:p>
           <a:p>
@@ -16384,16 +17472,6 @@
             <a:r>
               <a:rPr lang="en-US" sz="3200" dirty="0" smtClean="0"/>
               <a:t>Code snippets</a:t>
-            </a:r>
-          </a:p>
-          <a:p>
-            <a:pPr marL="285750" indent="-285750">
-              <a:buFont typeface="Arial" pitchFamily="34" charset="0"/>
-              <a:buChar char="•"/>
-            </a:pPr>
-            <a:r>
-              <a:rPr lang="en-US" sz="3200" dirty="0" smtClean="0"/>
-              <a:t>FP in production</a:t>
             </a:r>
           </a:p>
         </p:txBody>
@@ -16408,6 +17486,1040 @@
   <p:clrMapOvr>
     <a:masterClrMapping/>
   </p:clrMapOvr>
+</p:sld>
+</file>
+
+<file path=ppt/slides/slide20.xml><?xml version="1.0" encoding="utf-8"?>
+<p:sld xmlns:a="http://schemas.openxmlformats.org/drawingml/2006/main" xmlns:r="http://schemas.openxmlformats.org/officeDocument/2006/relationships" xmlns:p="http://schemas.openxmlformats.org/presentationml/2006/main">
+  <p:cSld>
+    <p:spTree>
+      <p:nvGrpSpPr>
+        <p:cNvPr id="1" name=""/>
+        <p:cNvGrpSpPr/>
+        <p:nvPr/>
+      </p:nvGrpSpPr>
+      <p:grpSpPr>
+        <a:xfrm>
+          <a:off x="0" y="0"/>
+          <a:ext cx="0" cy="0"/>
+          <a:chOff x="0" y="0"/>
+          <a:chExt cx="0" cy="0"/>
+        </a:xfrm>
+      </p:grpSpPr>
+      <p:sp>
+        <p:nvSpPr>
+          <p:cNvPr id="2" name="TextBox 1"/>
+          <p:cNvSpPr txBox="1"/>
+          <p:nvPr/>
+        </p:nvSpPr>
+        <p:spPr>
+          <a:xfrm>
+            <a:off x="395536" y="711260"/>
+            <a:ext cx="8618065" cy="1292662"/>
+          </a:xfrm>
+          <a:prstGeom prst="rect">
+            <a:avLst/>
+          </a:prstGeom>
+          <a:noFill/>
+        </p:spPr>
+        <p:txBody>
+          <a:bodyPr wrap="none" rtlCol="0">
+            <a:spAutoFit/>
+          </a:bodyPr>
+          <a:lstStyle/>
+          <a:p>
+            <a:r>
+              <a:rPr lang="en-US" sz="2400" dirty="0" smtClean="0"/>
+              <a:t>Concurrency with actors</a:t>
+            </a:r>
+          </a:p>
+          <a:p>
+            <a:r>
+              <a:rPr lang="en-US" dirty="0"/>
+              <a:t> </a:t>
+            </a:r>
+            <a:r>
+              <a:rPr lang="en-US" dirty="0" smtClean="0"/>
+              <a:t>     Any object is suitable as a message for an actor, but typically you would want </a:t>
+            </a:r>
+          </a:p>
+          <a:p>
+            <a:r>
+              <a:rPr lang="en-US" dirty="0" smtClean="0"/>
+              <a:t>to define your own meaningful classes. A module </a:t>
+            </a:r>
+            <a:r>
+              <a:rPr lang="en-US" b="1" i="1" dirty="0" err="1" smtClean="0"/>
+              <a:t>akka</a:t>
+            </a:r>
+            <a:r>
+              <a:rPr lang="en-US" b="1" i="1" dirty="0" smtClean="0"/>
+              <a:t>-typed</a:t>
+            </a:r>
+            <a:r>
+              <a:rPr lang="en-US" dirty="0" smtClean="0"/>
+              <a:t>, that provides type-safety </a:t>
+            </a:r>
+          </a:p>
+          <a:p>
+            <a:r>
+              <a:rPr lang="en-US" dirty="0" smtClean="0"/>
+              <a:t>is currently under development.</a:t>
+            </a:r>
+            <a:endParaRPr lang="ru-RU" i="1" dirty="0"/>
+          </a:p>
+        </p:txBody>
+      </p:sp>
+      <p:pic>
+        <p:nvPicPr>
+          <p:cNvPr id="2051" name="Picture 3"/>
+          <p:cNvPicPr>
+            <a:picLocks noChangeAspect="1" noChangeArrowheads="1"/>
+          </p:cNvPicPr>
+          <p:nvPr/>
+        </p:nvPicPr>
+        <p:blipFill>
+          <a:blip r:embed="rId2">
+            <a:extLst>
+              <a:ext uri="{28A0092B-C50C-407E-A947-70E740481C1C}">
+                <a14:useLocalDpi xmlns:a14="http://schemas.microsoft.com/office/drawing/2010/main" val="0"/>
+              </a:ext>
+            </a:extLst>
+          </a:blip>
+          <a:srcRect/>
+          <a:stretch>
+            <a:fillRect/>
+          </a:stretch>
+        </p:blipFill>
+        <p:spPr bwMode="auto">
+          <a:xfrm>
+            <a:off x="1800992" y="2003922"/>
+            <a:ext cx="5807152" cy="2694570"/>
+          </a:xfrm>
+          <a:prstGeom prst="rect">
+            <a:avLst/>
+          </a:prstGeom>
+          <a:noFill/>
+          <a:ln>
+            <a:noFill/>
+          </a:ln>
+          <a:effectLst/>
+          <a:extLst>
+            <a:ext uri="{909E8E84-426E-40DD-AFC4-6F175D3DCCD1}">
+              <a14:hiddenFill xmlns:a14="http://schemas.microsoft.com/office/drawing/2010/main">
+                <a:solidFill>
+                  <a:schemeClr val="accent1"/>
+                </a:solidFill>
+              </a14:hiddenFill>
+            </a:ext>
+            <a:ext uri="{91240B29-F687-4F45-9708-019B960494DF}">
+              <a14:hiddenLine xmlns:a14="http://schemas.microsoft.com/office/drawing/2010/main" w="9525">
+                <a:solidFill>
+                  <a:schemeClr val="tx1"/>
+                </a:solidFill>
+                <a:miter lim="800000"/>
+                <a:headEnd/>
+                <a:tailEnd/>
+              </a14:hiddenLine>
+            </a:ext>
+            <a:ext uri="{AF507438-7753-43E0-B8FC-AC1667EBCBE1}">
+              <a14:hiddenEffects xmlns:a14="http://schemas.microsoft.com/office/drawing/2010/main">
+                <a:effectLst>
+                  <a:outerShdw dist="35921" dir="2700000" algn="ctr" rotWithShape="0">
+                    <a:schemeClr val="bg2"/>
+                  </a:outerShdw>
+                </a:effectLst>
+              </a14:hiddenEffects>
+            </a:ext>
+          </a:extLst>
+        </p:spPr>
+      </p:pic>
+    </p:spTree>
+    <p:extLst>
+      <p:ext uri="{BB962C8B-B14F-4D97-AF65-F5344CB8AC3E}">
+        <p14:creationId xmlns:p14="http://schemas.microsoft.com/office/powerpoint/2010/main" val="417804593"/>
+      </p:ext>
+    </p:extLst>
+  </p:cSld>
+  <p:clrMapOvr>
+    <a:masterClrMapping/>
+  </p:clrMapOvr>
+</p:sld>
+</file>
+
+<file path=ppt/slides/slide21.xml><?xml version="1.0" encoding="utf-8"?>
+<p:sld xmlns:a="http://schemas.openxmlformats.org/drawingml/2006/main" xmlns:r="http://schemas.openxmlformats.org/officeDocument/2006/relationships" xmlns:p="http://schemas.openxmlformats.org/presentationml/2006/main">
+  <p:cSld>
+    <p:spTree>
+      <p:nvGrpSpPr>
+        <p:cNvPr id="1" name=""/>
+        <p:cNvGrpSpPr/>
+        <p:nvPr/>
+      </p:nvGrpSpPr>
+      <p:grpSpPr>
+        <a:xfrm>
+          <a:off x="0" y="0"/>
+          <a:ext cx="0" cy="0"/>
+          <a:chOff x="0" y="0"/>
+          <a:chExt cx="0" cy="0"/>
+        </a:xfrm>
+      </p:grpSpPr>
+      <p:pic>
+        <p:nvPicPr>
+          <p:cNvPr id="3075" name="Picture 3"/>
+          <p:cNvPicPr>
+            <a:picLocks noChangeAspect="1" noChangeArrowheads="1"/>
+          </p:cNvPicPr>
+          <p:nvPr/>
+        </p:nvPicPr>
+        <p:blipFill>
+          <a:blip r:embed="rId2">
+            <a:extLst>
+              <a:ext uri="{28A0092B-C50C-407E-A947-70E740481C1C}">
+                <a14:useLocalDpi xmlns:a14="http://schemas.microsoft.com/office/drawing/2010/main" val="0"/>
+              </a:ext>
+            </a:extLst>
+          </a:blip>
+          <a:srcRect/>
+          <a:stretch>
+            <a:fillRect/>
+          </a:stretch>
+        </p:blipFill>
+        <p:spPr bwMode="auto">
+          <a:xfrm>
+            <a:off x="395536" y="699542"/>
+            <a:ext cx="8543653" cy="4165093"/>
+          </a:xfrm>
+          <a:prstGeom prst="rect">
+            <a:avLst/>
+          </a:prstGeom>
+          <a:noFill/>
+          <a:ln>
+            <a:noFill/>
+          </a:ln>
+          <a:effectLst/>
+          <a:extLst>
+            <a:ext uri="{909E8E84-426E-40DD-AFC4-6F175D3DCCD1}">
+              <a14:hiddenFill xmlns:a14="http://schemas.microsoft.com/office/drawing/2010/main">
+                <a:solidFill>
+                  <a:schemeClr val="accent1"/>
+                </a:solidFill>
+              </a14:hiddenFill>
+            </a:ext>
+            <a:ext uri="{91240B29-F687-4F45-9708-019B960494DF}">
+              <a14:hiddenLine xmlns:a14="http://schemas.microsoft.com/office/drawing/2010/main" w="9525">
+                <a:solidFill>
+                  <a:schemeClr val="tx1"/>
+                </a:solidFill>
+                <a:miter lim="800000"/>
+                <a:headEnd/>
+                <a:tailEnd/>
+              </a14:hiddenLine>
+            </a:ext>
+            <a:ext uri="{AF507438-7753-43E0-B8FC-AC1667EBCBE1}">
+              <a14:hiddenEffects xmlns:a14="http://schemas.microsoft.com/office/drawing/2010/main">
+                <a:effectLst>
+                  <a:outerShdw dist="35921" dir="2700000" algn="ctr" rotWithShape="0">
+                    <a:schemeClr val="bg2"/>
+                  </a:outerShdw>
+                </a:effectLst>
+              </a14:hiddenEffects>
+            </a:ext>
+          </a:extLst>
+        </p:spPr>
+      </p:pic>
+    </p:spTree>
+    <p:extLst>
+      <p:ext uri="{BB962C8B-B14F-4D97-AF65-F5344CB8AC3E}">
+        <p14:creationId xmlns:p14="http://schemas.microsoft.com/office/powerpoint/2010/main" val="237860753"/>
+      </p:ext>
+    </p:extLst>
+  </p:cSld>
+  <p:clrMapOvr>
+    <a:masterClrMapping/>
+  </p:clrMapOvr>
+</p:sld>
+</file>
+
+<file path=ppt/slides/slide22.xml><?xml version="1.0" encoding="utf-8"?>
+<p:sld xmlns:a="http://schemas.openxmlformats.org/drawingml/2006/main" xmlns:r="http://schemas.openxmlformats.org/officeDocument/2006/relationships" xmlns:p="http://schemas.openxmlformats.org/presentationml/2006/main">
+  <p:cSld>
+    <p:spTree>
+      <p:nvGrpSpPr>
+        <p:cNvPr id="1" name=""/>
+        <p:cNvGrpSpPr/>
+        <p:nvPr/>
+      </p:nvGrpSpPr>
+      <p:grpSpPr>
+        <a:xfrm>
+          <a:off x="0" y="0"/>
+          <a:ext cx="0" cy="0"/>
+          <a:chOff x="0" y="0"/>
+          <a:chExt cx="0" cy="0"/>
+        </a:xfrm>
+      </p:grpSpPr>
+      <p:sp>
+        <p:nvSpPr>
+          <p:cNvPr id="2" name="Content Placeholder 1"/>
+          <p:cNvSpPr>
+            <a:spLocks noGrp="1"/>
+          </p:cNvSpPr>
+          <p:nvPr>
+            <p:ph idx="1"/>
+          </p:nvPr>
+        </p:nvSpPr>
+        <p:spPr/>
+        <p:txBody>
+          <a:bodyPr>
+            <a:normAutofit fontScale="92500" lnSpcReduction="10000"/>
+          </a:bodyPr>
+          <a:lstStyle/>
+          <a:p>
+            <a:pPr marL="0" indent="0">
+              <a:buNone/>
+            </a:pPr>
+            <a:r>
+              <a:rPr lang="en-US" dirty="0" smtClean="0"/>
+              <a:t>Let’s write a function that counts code lines given a project’s root folder.</a:t>
+            </a:r>
+          </a:p>
+          <a:p>
+            <a:pPr marL="0" indent="0">
+              <a:buNone/>
+            </a:pPr>
+            <a:r>
+              <a:rPr lang="en-US" dirty="0" smtClean="0"/>
+              <a:t>The signature of the function is defined as follows:</a:t>
+            </a:r>
+          </a:p>
+          <a:p>
+            <a:pPr marL="0" indent="0">
+              <a:buNone/>
+            </a:pPr>
+            <a:endParaRPr lang="en-US" dirty="0"/>
+          </a:p>
+          <a:p>
+            <a:pPr marL="0" indent="0">
+              <a:buNone/>
+            </a:pPr>
+            <a:endParaRPr lang="en-US" dirty="0" smtClean="0"/>
+          </a:p>
+          <a:p>
+            <a:pPr marL="0" indent="0">
+              <a:buNone/>
+            </a:pPr>
+            <a:endParaRPr lang="en-US" dirty="0"/>
+          </a:p>
+          <a:p>
+            <a:pPr marL="0" indent="0">
+              <a:buNone/>
+            </a:pPr>
+            <a:r>
+              <a:rPr lang="en-US" dirty="0" smtClean="0"/>
+              <a:t>All the following code would be defined inside this function.</a:t>
+            </a:r>
+          </a:p>
+          <a:p>
+            <a:pPr marL="0" indent="0">
+              <a:buNone/>
+            </a:pPr>
+            <a:endParaRPr lang="uk-UA" dirty="0"/>
+          </a:p>
+        </p:txBody>
+      </p:sp>
+      <p:sp>
+        <p:nvSpPr>
+          <p:cNvPr id="3" name="Title 2"/>
+          <p:cNvSpPr>
+            <a:spLocks noGrp="1"/>
+          </p:cNvSpPr>
+          <p:nvPr>
+            <p:ph type="title"/>
+          </p:nvPr>
+        </p:nvSpPr>
+        <p:spPr/>
+        <p:txBody>
+          <a:bodyPr/>
+          <a:lstStyle/>
+          <a:p>
+            <a:r>
+              <a:rPr lang="en-US" dirty="0" smtClean="0"/>
+              <a:t>Code Snippets</a:t>
+            </a:r>
+            <a:endParaRPr lang="uk-UA" dirty="0"/>
+          </a:p>
+        </p:txBody>
+      </p:sp>
+      <p:pic>
+        <p:nvPicPr>
+          <p:cNvPr id="5" name="Picture 4"/>
+          <p:cNvPicPr>
+            <a:picLocks noChangeAspect="1"/>
+          </p:cNvPicPr>
+          <p:nvPr/>
+        </p:nvPicPr>
+        <p:blipFill>
+          <a:blip r:embed="rId2"/>
+          <a:stretch>
+            <a:fillRect/>
+          </a:stretch>
+        </p:blipFill>
+        <p:spPr>
+          <a:xfrm>
+            <a:off x="1941935" y="3147814"/>
+            <a:ext cx="4430265" cy="637344"/>
+          </a:xfrm>
+          <a:prstGeom prst="rect">
+            <a:avLst/>
+          </a:prstGeom>
+        </p:spPr>
+      </p:pic>
+    </p:spTree>
+    <p:extLst>
+      <p:ext uri="{BB962C8B-B14F-4D97-AF65-F5344CB8AC3E}">
+        <p14:creationId xmlns:p14="http://schemas.microsoft.com/office/powerpoint/2010/main" val="4072517470"/>
+      </p:ext>
+    </p:extLst>
+  </p:cSld>
+  <p:clrMapOvr>
+    <a:masterClrMapping/>
+  </p:clrMapOvr>
+</p:sld>
+</file>
+
+<file path=ppt/slides/slide23.xml><?xml version="1.0" encoding="utf-8"?>
+<p:sld xmlns:a="http://schemas.openxmlformats.org/drawingml/2006/main" xmlns:r="http://schemas.openxmlformats.org/officeDocument/2006/relationships" xmlns:p="http://schemas.openxmlformats.org/presentationml/2006/main">
+  <p:cSld>
+    <p:spTree>
+      <p:nvGrpSpPr>
+        <p:cNvPr id="1" name=""/>
+        <p:cNvGrpSpPr/>
+        <p:nvPr/>
+      </p:nvGrpSpPr>
+      <p:grpSpPr>
+        <a:xfrm>
+          <a:off x="0" y="0"/>
+          <a:ext cx="0" cy="0"/>
+          <a:chOff x="0" y="0"/>
+          <a:chExt cx="0" cy="0"/>
+        </a:xfrm>
+      </p:grpSpPr>
+      <p:pic>
+        <p:nvPicPr>
+          <p:cNvPr id="2" name="Picture 1"/>
+          <p:cNvPicPr>
+            <a:picLocks noChangeAspect="1"/>
+          </p:cNvPicPr>
+          <p:nvPr/>
+        </p:nvPicPr>
+        <p:blipFill>
+          <a:blip r:embed="rId3"/>
+          <a:stretch>
+            <a:fillRect/>
+          </a:stretch>
+        </p:blipFill>
+        <p:spPr>
+          <a:xfrm>
+            <a:off x="322221" y="1059582"/>
+            <a:ext cx="8393235" cy="899809"/>
+          </a:xfrm>
+          <a:prstGeom prst="rect">
+            <a:avLst/>
+          </a:prstGeom>
+        </p:spPr>
+      </p:pic>
+      <p:sp>
+        <p:nvSpPr>
+          <p:cNvPr id="3" name="TextBox 2"/>
+          <p:cNvSpPr txBox="1"/>
+          <p:nvPr/>
+        </p:nvSpPr>
+        <p:spPr>
+          <a:xfrm>
+            <a:off x="225787" y="2047881"/>
+            <a:ext cx="7242688" cy="369332"/>
+          </a:xfrm>
+          <a:prstGeom prst="rect">
+            <a:avLst/>
+          </a:prstGeom>
+          <a:noFill/>
+        </p:spPr>
+        <p:txBody>
+          <a:bodyPr wrap="none" rtlCol="0">
+            <a:spAutoFit/>
+          </a:bodyPr>
+          <a:lstStyle/>
+          <a:p>
+            <a:r>
+              <a:rPr lang="en-US" dirty="0" smtClean="0"/>
+              <a:t>Function to iterate through file lines and ignore the multi-line comments:</a:t>
+            </a:r>
+            <a:endParaRPr lang="uk-UA" dirty="0"/>
+          </a:p>
+        </p:txBody>
+      </p:sp>
+      <p:pic>
+        <p:nvPicPr>
+          <p:cNvPr id="4" name="Picture 3"/>
+          <p:cNvPicPr>
+            <a:picLocks noChangeAspect="1"/>
+          </p:cNvPicPr>
+          <p:nvPr/>
+        </p:nvPicPr>
+        <p:blipFill>
+          <a:blip r:embed="rId4"/>
+          <a:stretch>
+            <a:fillRect/>
+          </a:stretch>
+        </p:blipFill>
+        <p:spPr>
+          <a:xfrm>
+            <a:off x="1331640" y="2417213"/>
+            <a:ext cx="6408712" cy="2520105"/>
+          </a:xfrm>
+          <a:prstGeom prst="rect">
+            <a:avLst/>
+          </a:prstGeom>
+        </p:spPr>
+      </p:pic>
+    </p:spTree>
+    <p:extLst>
+      <p:ext uri="{BB962C8B-B14F-4D97-AF65-F5344CB8AC3E}">
+        <p14:creationId xmlns:p14="http://schemas.microsoft.com/office/powerpoint/2010/main" val="4022209896"/>
+      </p:ext>
+    </p:extLst>
+  </p:cSld>
+  <p:clrMapOvr>
+    <a:masterClrMapping/>
+  </p:clrMapOvr>
+</p:sld>
+</file>
+
+<file path=ppt/slides/slide24.xml><?xml version="1.0" encoding="utf-8"?>
+<p:sld xmlns:a="http://schemas.openxmlformats.org/drawingml/2006/main" xmlns:r="http://schemas.openxmlformats.org/officeDocument/2006/relationships" xmlns:p="http://schemas.openxmlformats.org/presentationml/2006/main">
+  <p:cSld>
+    <p:spTree>
+      <p:nvGrpSpPr>
+        <p:cNvPr id="1" name=""/>
+        <p:cNvGrpSpPr/>
+        <p:nvPr/>
+      </p:nvGrpSpPr>
+      <p:grpSpPr>
+        <a:xfrm>
+          <a:off x="0" y="0"/>
+          <a:ext cx="0" cy="0"/>
+          <a:chOff x="0" y="0"/>
+          <a:chExt cx="0" cy="0"/>
+        </a:xfrm>
+      </p:grpSpPr>
+      <p:sp>
+        <p:nvSpPr>
+          <p:cNvPr id="2" name="TextBox 1"/>
+          <p:cNvSpPr txBox="1"/>
+          <p:nvPr/>
+        </p:nvSpPr>
+        <p:spPr>
+          <a:xfrm>
+            <a:off x="395537" y="951571"/>
+            <a:ext cx="4357283" cy="3970318"/>
+          </a:xfrm>
+          <a:prstGeom prst="rect">
+            <a:avLst/>
+          </a:prstGeom>
+          <a:noFill/>
+        </p:spPr>
+        <p:txBody>
+          <a:bodyPr wrap="none" rtlCol="0">
+            <a:spAutoFit/>
+          </a:bodyPr>
+          <a:lstStyle/>
+          <a:p>
+            <a:r>
+              <a:rPr lang="en-US" dirty="0" smtClean="0"/>
+              <a:t>Iterate through directories:</a:t>
+            </a:r>
+          </a:p>
+          <a:p>
+            <a:endParaRPr lang="en-US" dirty="0"/>
+          </a:p>
+          <a:p>
+            <a:endParaRPr lang="en-US" dirty="0" smtClean="0"/>
+          </a:p>
+          <a:p>
+            <a:endParaRPr lang="en-US" dirty="0"/>
+          </a:p>
+          <a:p>
+            <a:endParaRPr lang="en-US" dirty="0" smtClean="0"/>
+          </a:p>
+          <a:p>
+            <a:endParaRPr lang="en-US" dirty="0"/>
+          </a:p>
+          <a:p>
+            <a:endParaRPr lang="en-US" dirty="0" smtClean="0"/>
+          </a:p>
+          <a:p>
+            <a:endParaRPr lang="en-US" dirty="0"/>
+          </a:p>
+          <a:p>
+            <a:endParaRPr lang="en-US" dirty="0" smtClean="0"/>
+          </a:p>
+          <a:p>
+            <a:r>
+              <a:rPr lang="en-US" dirty="0" smtClean="0"/>
+              <a:t>Finally, a simple invocation of this function:</a:t>
+            </a:r>
+          </a:p>
+          <a:p>
+            <a:endParaRPr lang="en-US" dirty="0"/>
+          </a:p>
+          <a:p>
+            <a:endParaRPr lang="en-US" dirty="0" smtClean="0"/>
+          </a:p>
+          <a:p>
+            <a:endParaRPr lang="en-US" dirty="0" smtClean="0"/>
+          </a:p>
+          <a:p>
+            <a:endParaRPr lang="en-US" dirty="0"/>
+          </a:p>
+        </p:txBody>
+      </p:sp>
+      <p:pic>
+        <p:nvPicPr>
+          <p:cNvPr id="3" name="Picture 2"/>
+          <p:cNvPicPr>
+            <a:picLocks noChangeAspect="1"/>
+          </p:cNvPicPr>
+          <p:nvPr/>
+        </p:nvPicPr>
+        <p:blipFill>
+          <a:blip r:embed="rId2"/>
+          <a:stretch>
+            <a:fillRect/>
+          </a:stretch>
+        </p:blipFill>
+        <p:spPr>
+          <a:xfrm>
+            <a:off x="539552" y="1295699"/>
+            <a:ext cx="6264696" cy="1816111"/>
+          </a:xfrm>
+          <a:prstGeom prst="rect">
+            <a:avLst/>
+          </a:prstGeom>
+        </p:spPr>
+      </p:pic>
+      <p:pic>
+        <p:nvPicPr>
+          <p:cNvPr id="4" name="Picture 3"/>
+          <p:cNvPicPr>
+            <a:picLocks noChangeAspect="1"/>
+          </p:cNvPicPr>
+          <p:nvPr/>
+        </p:nvPicPr>
+        <p:blipFill>
+          <a:blip r:embed="rId3"/>
+          <a:stretch>
+            <a:fillRect/>
+          </a:stretch>
+        </p:blipFill>
+        <p:spPr>
+          <a:xfrm>
+            <a:off x="539552" y="3849752"/>
+            <a:ext cx="2880319" cy="242888"/>
+          </a:xfrm>
+          <a:prstGeom prst="rect">
+            <a:avLst/>
+          </a:prstGeom>
+        </p:spPr>
+      </p:pic>
+    </p:spTree>
+    <p:extLst>
+      <p:ext uri="{BB962C8B-B14F-4D97-AF65-F5344CB8AC3E}">
+        <p14:creationId xmlns:p14="http://schemas.microsoft.com/office/powerpoint/2010/main" val="2673348524"/>
+      </p:ext>
+    </p:extLst>
+  </p:cSld>
+  <p:clrMapOvr>
+    <a:masterClrMapping/>
+  </p:clrMapOvr>
+</p:sld>
+</file>
+
+<file path=ppt/slides/slide25.xml><?xml version="1.0" encoding="utf-8"?>
+<p:sld xmlns:a="http://schemas.openxmlformats.org/drawingml/2006/main" xmlns:r="http://schemas.openxmlformats.org/officeDocument/2006/relationships" xmlns:p="http://schemas.openxmlformats.org/presentationml/2006/main">
+  <p:cSld>
+    <p:spTree>
+      <p:nvGrpSpPr>
+        <p:cNvPr id="1" name=""/>
+        <p:cNvGrpSpPr/>
+        <p:nvPr/>
+      </p:nvGrpSpPr>
+      <p:grpSpPr>
+        <a:xfrm>
+          <a:off x="0" y="0"/>
+          <a:ext cx="0" cy="0"/>
+          <a:chOff x="0" y="0"/>
+          <a:chExt cx="0" cy="0"/>
+        </a:xfrm>
+      </p:grpSpPr>
+      <p:sp>
+        <p:nvSpPr>
+          <p:cNvPr id="2" name="TextBox 1"/>
+          <p:cNvSpPr txBox="1"/>
+          <p:nvPr/>
+        </p:nvSpPr>
+        <p:spPr>
+          <a:xfrm>
+            <a:off x="539553" y="1005576"/>
+            <a:ext cx="8186857" cy="3970318"/>
+          </a:xfrm>
+          <a:prstGeom prst="rect">
+            <a:avLst/>
+          </a:prstGeom>
+          <a:noFill/>
+        </p:spPr>
+        <p:txBody>
+          <a:bodyPr wrap="none" rtlCol="0">
+            <a:spAutoFit/>
+          </a:bodyPr>
+          <a:lstStyle/>
+          <a:p>
+            <a:r>
+              <a:rPr lang="en-US" dirty="0" smtClean="0"/>
+              <a:t>Let’s try another example. </a:t>
+            </a:r>
+          </a:p>
+          <a:p>
+            <a:r>
+              <a:rPr lang="en-US" dirty="0" smtClean="0"/>
+              <a:t>Here we provide a functional-friendly implementation of a simple checkout system</a:t>
+            </a:r>
+          </a:p>
+          <a:p>
+            <a:r>
+              <a:rPr lang="en-US" dirty="0" smtClean="0"/>
+              <a:t>that handles the logic due to rules that look like this:</a:t>
+            </a:r>
+          </a:p>
+          <a:p>
+            <a:endParaRPr lang="en-US" dirty="0"/>
+          </a:p>
+          <a:p>
+            <a:endParaRPr lang="en-US" dirty="0" smtClean="0"/>
+          </a:p>
+          <a:p>
+            <a:endParaRPr lang="en-US" dirty="0"/>
+          </a:p>
+          <a:p>
+            <a:endParaRPr lang="en-US" dirty="0" smtClean="0"/>
+          </a:p>
+          <a:p>
+            <a:endParaRPr lang="en-US" dirty="0"/>
+          </a:p>
+          <a:p>
+            <a:endParaRPr lang="en-US" dirty="0" smtClean="0"/>
+          </a:p>
+          <a:p>
+            <a:endParaRPr lang="en-US" dirty="0"/>
+          </a:p>
+          <a:p>
+            <a:endParaRPr lang="en-US" dirty="0" smtClean="0"/>
+          </a:p>
+          <a:p>
+            <a:r>
+              <a:rPr lang="en-US" dirty="0" smtClean="0"/>
+              <a:t>  Seems like a simple object-oriented task, but now we will create a functional</a:t>
+            </a:r>
+          </a:p>
+          <a:p>
+            <a:r>
+              <a:rPr lang="en-US" dirty="0" smtClean="0"/>
+              <a:t>implementation blending it with some of the Scala’s object-oriented features.</a:t>
+            </a:r>
+          </a:p>
+          <a:p>
+            <a:endParaRPr lang="uk-UA" dirty="0"/>
+          </a:p>
+        </p:txBody>
+      </p:sp>
+      <p:pic>
+        <p:nvPicPr>
+          <p:cNvPr id="3" name="Picture 2"/>
+          <p:cNvPicPr>
+            <a:picLocks noChangeAspect="1"/>
+          </p:cNvPicPr>
+          <p:nvPr/>
+        </p:nvPicPr>
+        <p:blipFill>
+          <a:blip r:embed="rId2"/>
+          <a:stretch>
+            <a:fillRect/>
+          </a:stretch>
+        </p:blipFill>
+        <p:spPr>
+          <a:xfrm>
+            <a:off x="2915816" y="2283717"/>
+            <a:ext cx="2664295" cy="1314393"/>
+          </a:xfrm>
+          <a:prstGeom prst="rect">
+            <a:avLst/>
+          </a:prstGeom>
+        </p:spPr>
+      </p:pic>
+    </p:spTree>
+    <p:extLst>
+      <p:ext uri="{BB962C8B-B14F-4D97-AF65-F5344CB8AC3E}">
+        <p14:creationId xmlns:p14="http://schemas.microsoft.com/office/powerpoint/2010/main" val="2293637662"/>
+      </p:ext>
+    </p:extLst>
+  </p:cSld>
+  <p:clrMapOvr>
+    <a:masterClrMapping/>
+  </p:clrMapOvr>
+</p:sld>
+</file>
+
+<file path=ppt/slides/slide26.xml><?xml version="1.0" encoding="utf-8"?>
+<p:sld xmlns:a="http://schemas.openxmlformats.org/drawingml/2006/main" xmlns:r="http://schemas.openxmlformats.org/officeDocument/2006/relationships" xmlns:p="http://schemas.openxmlformats.org/presentationml/2006/main">
+  <p:cSld>
+    <p:spTree>
+      <p:nvGrpSpPr>
+        <p:cNvPr id="1" name=""/>
+        <p:cNvGrpSpPr/>
+        <p:nvPr/>
+      </p:nvGrpSpPr>
+      <p:grpSpPr>
+        <a:xfrm>
+          <a:off x="0" y="0"/>
+          <a:ext cx="0" cy="0"/>
+          <a:chOff x="0" y="0"/>
+          <a:chExt cx="0" cy="0"/>
+        </a:xfrm>
+      </p:grpSpPr>
+      <p:pic>
+        <p:nvPicPr>
+          <p:cNvPr id="4" name="Picture 3"/>
+          <p:cNvPicPr>
+            <a:picLocks noChangeAspect="1"/>
+          </p:cNvPicPr>
+          <p:nvPr/>
+        </p:nvPicPr>
+        <p:blipFill>
+          <a:blip r:embed="rId2"/>
+          <a:stretch>
+            <a:fillRect/>
+          </a:stretch>
+        </p:blipFill>
+        <p:spPr>
+          <a:xfrm>
+            <a:off x="467544" y="681540"/>
+            <a:ext cx="10156324" cy="4191930"/>
+          </a:xfrm>
+          <a:prstGeom prst="rect">
+            <a:avLst/>
+          </a:prstGeom>
+        </p:spPr>
+      </p:pic>
+    </p:spTree>
+    <p:extLst>
+      <p:ext uri="{BB962C8B-B14F-4D97-AF65-F5344CB8AC3E}">
+        <p14:creationId xmlns:p14="http://schemas.microsoft.com/office/powerpoint/2010/main" val="499425018"/>
+      </p:ext>
+    </p:extLst>
+  </p:cSld>
+  <p:clrMapOvr>
+    <a:masterClrMapping/>
+  </p:clrMapOvr>
+  <p:timing>
+    <p:tnLst>
+      <p:par>
+        <p:cTn id="1" dur="indefinite" restart="never" nodeType="tmRoot"/>
+      </p:par>
+    </p:tnLst>
+  </p:timing>
+</p:sld>
+</file>
+
+<file path=ppt/slides/slide27.xml><?xml version="1.0" encoding="utf-8"?>
+<p:sld xmlns:a="http://schemas.openxmlformats.org/drawingml/2006/main" xmlns:r="http://schemas.openxmlformats.org/officeDocument/2006/relationships" xmlns:p="http://schemas.openxmlformats.org/presentationml/2006/main">
+  <p:cSld>
+    <p:spTree>
+      <p:nvGrpSpPr>
+        <p:cNvPr id="1" name=""/>
+        <p:cNvGrpSpPr/>
+        <p:nvPr/>
+      </p:nvGrpSpPr>
+      <p:grpSpPr>
+        <a:xfrm>
+          <a:off x="0" y="0"/>
+          <a:ext cx="0" cy="0"/>
+          <a:chOff x="0" y="0"/>
+          <a:chExt cx="0" cy="0"/>
+        </a:xfrm>
+      </p:grpSpPr>
+      <p:sp>
+        <p:nvSpPr>
+          <p:cNvPr id="2" name="TextBox 1"/>
+          <p:cNvSpPr txBox="1"/>
+          <p:nvPr/>
+        </p:nvSpPr>
+        <p:spPr>
+          <a:xfrm>
+            <a:off x="471271" y="843558"/>
+            <a:ext cx="1672253" cy="461665"/>
+          </a:xfrm>
+          <a:prstGeom prst="rect">
+            <a:avLst/>
+          </a:prstGeom>
+          <a:noFill/>
+        </p:spPr>
+        <p:txBody>
+          <a:bodyPr wrap="none" rtlCol="0">
+            <a:spAutoFit/>
+          </a:bodyPr>
+          <a:lstStyle/>
+          <a:p>
+            <a:r>
+              <a:rPr lang="en-US" sz="2400" dirty="0" smtClean="0"/>
+              <a:t>Useful links</a:t>
+            </a:r>
+            <a:endParaRPr lang="ru-RU" sz="2400" dirty="0"/>
+          </a:p>
+        </p:txBody>
+      </p:sp>
+      <p:sp>
+        <p:nvSpPr>
+          <p:cNvPr id="4" name="TextBox 3"/>
+          <p:cNvSpPr txBox="1"/>
+          <p:nvPr/>
+        </p:nvSpPr>
+        <p:spPr>
+          <a:xfrm>
+            <a:off x="471270" y="1190917"/>
+            <a:ext cx="8369599" cy="1754326"/>
+          </a:xfrm>
+          <a:prstGeom prst="rect">
+            <a:avLst/>
+          </a:prstGeom>
+          <a:noFill/>
+        </p:spPr>
+        <p:txBody>
+          <a:bodyPr wrap="none" rtlCol="0">
+            <a:spAutoFit/>
+          </a:bodyPr>
+          <a:lstStyle/>
+          <a:p>
+            <a:r>
+              <a:rPr lang="en-US" dirty="0" smtClean="0">
+                <a:hlinkClick r:id="rId2"/>
+              </a:rPr>
+              <a:t>http://danielwestheide.com/scala/neophytes.html</a:t>
+            </a:r>
+          </a:p>
+          <a:p>
+            <a:r>
+              <a:rPr lang="en-US" dirty="0" smtClean="0">
+                <a:hlinkClick r:id="rId2"/>
+              </a:rPr>
+              <a:t>http://twitter.github.io/scala_school/index.html</a:t>
+            </a:r>
+            <a:endParaRPr lang="en-US" dirty="0" smtClean="0"/>
+          </a:p>
+          <a:p>
+            <a:r>
+              <a:rPr lang="en-US" dirty="0" smtClean="0">
+                <a:hlinkClick r:id="rId3"/>
+              </a:rPr>
+              <a:t>http://twitter.github.io/effectivescala/index.html</a:t>
+            </a:r>
+            <a:endParaRPr lang="en-US" dirty="0" smtClean="0"/>
+          </a:p>
+          <a:p>
+            <a:r>
+              <a:rPr lang="en-US" dirty="0" smtClean="0">
+                <a:hlinkClick r:id="rId4"/>
+              </a:rPr>
+              <a:t>http://eed3si9n.com/learning-scalaz/</a:t>
+            </a:r>
+            <a:endParaRPr lang="en-US" dirty="0"/>
+          </a:p>
+          <a:p>
+            <a:r>
+              <a:rPr lang="en-US" dirty="0" smtClean="0">
+                <a:hlinkClick r:id="rId5"/>
+              </a:rPr>
+              <a:t>http://adit.io/posts/2013-04-17-functors,_applicatives,_and_monads_in_pictures.html</a:t>
+            </a:r>
+            <a:endParaRPr lang="en-US" dirty="0" smtClean="0"/>
+          </a:p>
+          <a:p>
+            <a:r>
+              <a:rPr lang="en-US" dirty="0" smtClean="0">
+                <a:hlinkClick r:id="rId6"/>
+              </a:rPr>
+              <a:t>http://iloveponies.github.io/120-hour-epic-sax-marathon/index.html</a:t>
+            </a:r>
+            <a:endParaRPr lang="ru-RU" dirty="0"/>
+          </a:p>
+        </p:txBody>
+      </p:sp>
+      <p:sp>
+        <p:nvSpPr>
+          <p:cNvPr id="3" name="TextBox 2"/>
+          <p:cNvSpPr txBox="1"/>
+          <p:nvPr/>
+        </p:nvSpPr>
+        <p:spPr>
+          <a:xfrm>
+            <a:off x="471270" y="2783796"/>
+            <a:ext cx="7241085" cy="1107996"/>
+          </a:xfrm>
+          <a:prstGeom prst="rect">
+            <a:avLst/>
+          </a:prstGeom>
+          <a:noFill/>
+        </p:spPr>
+        <p:txBody>
+          <a:bodyPr wrap="none" rtlCol="0">
+            <a:spAutoFit/>
+          </a:bodyPr>
+          <a:lstStyle/>
+          <a:p>
+            <a:endParaRPr lang="en-US" sz="2400" dirty="0" smtClean="0"/>
+          </a:p>
+          <a:p>
+            <a:r>
+              <a:rPr lang="en-US" sz="2400" dirty="0" smtClean="0"/>
+              <a:t>Related literature:</a:t>
+            </a:r>
+          </a:p>
+          <a:p>
+            <a:r>
+              <a:rPr lang="en-US" dirty="0" smtClean="0">
+                <a:hlinkClick r:id="rId7"/>
+              </a:rPr>
+              <a:t>https://drive.google.com/open?id=0B2Re1JYCm9aNM2hzTU1QWGVLNms</a:t>
+            </a:r>
+            <a:endParaRPr lang="en-US" dirty="0"/>
+          </a:p>
+        </p:txBody>
+      </p:sp>
+    </p:spTree>
+    <p:extLst>
+      <p:ext uri="{BB962C8B-B14F-4D97-AF65-F5344CB8AC3E}">
+        <p14:creationId xmlns:p14="http://schemas.microsoft.com/office/powerpoint/2010/main" val="1731159474"/>
+      </p:ext>
+    </p:extLst>
+  </p:cSld>
+  <p:clrMapOvr>
+    <a:masterClrMapping/>
+  </p:clrMapOvr>
+  <p:timing>
+    <p:tnLst>
+      <p:par>
+        <p:cTn id="1" dur="indefinite" restart="never" nodeType="tmRoot"/>
+      </p:par>
+    </p:tnLst>
+  </p:timing>
 </p:sld>
 </file>
 
@@ -16440,8 +18552,8 @@
         </p:nvSpPr>
         <p:spPr>
           <a:xfrm>
-            <a:off x="755576" y="2420888"/>
-            <a:ext cx="7408333" cy="3777283"/>
+            <a:off x="755577" y="1815667"/>
+            <a:ext cx="7408333" cy="2832962"/>
           </a:xfrm>
         </p:spPr>
         <p:txBody>
@@ -16567,8 +18679,8 @@
         </p:nvSpPr>
         <p:spPr>
           <a:xfrm>
-            <a:off x="467544" y="1412776"/>
-            <a:ext cx="7408333" cy="3777283"/>
+            <a:off x="467545" y="1059583"/>
+            <a:ext cx="7408333" cy="2832962"/>
           </a:xfrm>
           <a:prstGeom prst="rect">
             <a:avLst/>
@@ -16867,27 +18979,24 @@
         </p:nvSpPr>
         <p:spPr>
           <a:xfrm>
-            <a:off x="919949" y="1819154"/>
-            <a:ext cx="7408333" cy="2257918"/>
+            <a:off x="919949" y="1364365"/>
+            <a:ext cx="7408333" cy="1693439"/>
           </a:xfrm>
         </p:spPr>
         <p:txBody>
-          <a:bodyPr/>
+          <a:bodyPr>
+            <a:normAutofit/>
+          </a:bodyPr>
           <a:lstStyle/>
           <a:p>
             <a:pPr marL="0" indent="0">
               <a:buNone/>
             </a:pPr>
             <a:r>
-              <a:rPr lang="en-US" sz="3200" dirty="0" smtClean="0"/>
+              <a:rPr lang="en-US" dirty="0" smtClean="0"/>
               <a:t>Pure function</a:t>
             </a:r>
-          </a:p>
-          <a:p>
-            <a:pPr marL="0" indent="0">
-              <a:buNone/>
-            </a:pPr>
-            <a:endParaRPr lang="en-US" dirty="0" smtClean="0"/>
+            <a:endParaRPr lang="en-US" sz="1800" dirty="0" smtClean="0"/>
           </a:p>
           <a:p>
             <a:pPr>
@@ -16895,7 +19004,7 @@
               <a:buChar char="ü"/>
             </a:pPr>
             <a:r>
-              <a:rPr lang="en-US" sz="2800" dirty="0" smtClean="0"/>
+              <a:rPr lang="en-US" sz="2000" dirty="0" smtClean="0"/>
               <a:t> Has no side-effects</a:t>
             </a:r>
           </a:p>
@@ -16905,7 +19014,7 @@
               <a:buChar char="ü"/>
             </a:pPr>
             <a:r>
-              <a:rPr lang="en-US" sz="2800" dirty="0" smtClean="0"/>
+              <a:rPr lang="en-US" sz="2000" dirty="0" smtClean="0"/>
               <a:t> Is referentially transparent</a:t>
             </a:r>
           </a:p>
@@ -16942,7 +19051,7 @@
         </p:nvSpPr>
         <p:spPr>
           <a:xfrm>
-            <a:off x="827584" y="5085184"/>
+            <a:off x="827585" y="3813888"/>
             <a:ext cx="184731" cy="369332"/>
           </a:xfrm>
           <a:prstGeom prst="rect">
@@ -16962,26 +19071,194 @@
       </p:sp>
       <p:pic>
         <p:nvPicPr>
-          <p:cNvPr id="7" name="Picture 6"/>
+          <p:cNvPr id="1026" name="Picture 2"/>
           <p:cNvPicPr>
-            <a:picLocks noChangeAspect="1"/>
+            <a:picLocks noChangeAspect="1" noChangeArrowheads="1"/>
           </p:cNvPicPr>
           <p:nvPr/>
         </p:nvPicPr>
         <p:blipFill>
-          <a:blip r:embed="rId2"/>
+          <a:blip r:embed="rId2">
+            <a:extLst>
+              <a:ext uri="{28A0092B-C50C-407E-A947-70E740481C1C}">
+                <a14:useLocalDpi xmlns:a14="http://schemas.microsoft.com/office/drawing/2010/main" val="0"/>
+              </a:ext>
+            </a:extLst>
+          </a:blip>
+          <a:srcRect/>
           <a:stretch>
             <a:fillRect/>
           </a:stretch>
         </p:blipFill>
-        <p:spPr>
+        <p:spPr bwMode="auto">
           <a:xfrm>
-            <a:off x="1012315" y="3969687"/>
-            <a:ext cx="6915150" cy="2600325"/>
+            <a:off x="827585" y="2571750"/>
+            <a:ext cx="7632847" cy="1152128"/>
           </a:xfrm>
           <a:prstGeom prst="rect">
             <a:avLst/>
           </a:prstGeom>
+          <a:noFill/>
+          <a:ln>
+            <a:noFill/>
+          </a:ln>
+          <a:effectLst/>
+          <a:extLst>
+            <a:ext uri="{909E8E84-426E-40DD-AFC4-6F175D3DCCD1}">
+              <a14:hiddenFill xmlns:a14="http://schemas.microsoft.com/office/drawing/2010/main">
+                <a:solidFill>
+                  <a:schemeClr val="accent1"/>
+                </a:solidFill>
+              </a14:hiddenFill>
+            </a:ext>
+            <a:ext uri="{91240B29-F687-4F45-9708-019B960494DF}">
+              <a14:hiddenLine xmlns:a14="http://schemas.microsoft.com/office/drawing/2010/main" w="9525">
+                <a:solidFill>
+                  <a:schemeClr val="tx1"/>
+                </a:solidFill>
+                <a:miter lim="800000"/>
+                <a:headEnd/>
+                <a:tailEnd/>
+              </a14:hiddenLine>
+            </a:ext>
+            <a:ext uri="{AF507438-7753-43E0-B8FC-AC1667EBCBE1}">
+              <a14:hiddenEffects xmlns:a14="http://schemas.microsoft.com/office/drawing/2010/main">
+                <a:effectLst>
+                  <a:outerShdw dist="35921" dir="2700000" algn="ctr" rotWithShape="0">
+                    <a:schemeClr val="bg2"/>
+                  </a:outerShdw>
+                </a:effectLst>
+              </a14:hiddenEffects>
+            </a:ext>
+          </a:extLst>
+        </p:spPr>
+      </p:pic>
+      <p:pic>
+        <p:nvPicPr>
+          <p:cNvPr id="1027" name="Picture 3"/>
+          <p:cNvPicPr>
+            <a:picLocks noChangeAspect="1" noChangeArrowheads="1"/>
+          </p:cNvPicPr>
+          <p:nvPr/>
+        </p:nvPicPr>
+        <p:blipFill>
+          <a:blip r:embed="rId3">
+            <a:extLst>
+              <a:ext uri="{28A0092B-C50C-407E-A947-70E740481C1C}">
+                <a14:useLocalDpi xmlns:a14="http://schemas.microsoft.com/office/drawing/2010/main" val="0"/>
+              </a:ext>
+            </a:extLst>
+          </a:blip>
+          <a:srcRect/>
+          <a:stretch>
+            <a:fillRect/>
+          </a:stretch>
+        </p:blipFill>
+        <p:spPr bwMode="auto">
+          <a:xfrm>
+            <a:off x="827585" y="3813887"/>
+            <a:ext cx="2602807" cy="623471"/>
+          </a:xfrm>
+          <a:prstGeom prst="rect">
+            <a:avLst/>
+          </a:prstGeom>
+          <a:noFill/>
+          <a:ln>
+            <a:noFill/>
+          </a:ln>
+          <a:effectLst/>
+          <a:extLst>
+            <a:ext uri="{909E8E84-426E-40DD-AFC4-6F175D3DCCD1}">
+              <a14:hiddenFill xmlns:a14="http://schemas.microsoft.com/office/drawing/2010/main">
+                <a:solidFill>
+                  <a:schemeClr val="accent1"/>
+                </a:solidFill>
+              </a14:hiddenFill>
+            </a:ext>
+            <a:ext uri="{91240B29-F687-4F45-9708-019B960494DF}">
+              <a14:hiddenLine xmlns:a14="http://schemas.microsoft.com/office/drawing/2010/main" w="9525">
+                <a:solidFill>
+                  <a:schemeClr val="tx1"/>
+                </a:solidFill>
+                <a:miter lim="800000"/>
+                <a:headEnd/>
+                <a:tailEnd/>
+              </a14:hiddenLine>
+            </a:ext>
+            <a:ext uri="{AF507438-7753-43E0-B8FC-AC1667EBCBE1}">
+              <a14:hiddenEffects xmlns:a14="http://schemas.microsoft.com/office/drawing/2010/main">
+                <a:effectLst>
+                  <a:outerShdw dist="35921" dir="2700000" algn="ctr" rotWithShape="0">
+                    <a:schemeClr val="bg2"/>
+                  </a:outerShdw>
+                </a:effectLst>
+              </a14:hiddenEffects>
+            </a:ext>
+          </a:extLst>
+        </p:spPr>
+      </p:pic>
+      <p:pic>
+        <p:nvPicPr>
+          <p:cNvPr id="1028" name="Picture 4"/>
+          <p:cNvPicPr>
+            <a:picLocks noChangeAspect="1" noChangeArrowheads="1"/>
+          </p:cNvPicPr>
+          <p:nvPr/>
+        </p:nvPicPr>
+        <p:blipFill>
+          <a:blip r:embed="rId4">
+            <a:extLst>
+              <a:ext uri="{28A0092B-C50C-407E-A947-70E740481C1C}">
+                <a14:useLocalDpi xmlns:a14="http://schemas.microsoft.com/office/drawing/2010/main" val="0"/>
+              </a:ext>
+            </a:extLst>
+          </a:blip>
+          <a:srcRect/>
+          <a:stretch>
+            <a:fillRect/>
+          </a:stretch>
+        </p:blipFill>
+        <p:spPr bwMode="auto">
+          <a:xfrm>
+            <a:off x="4067944" y="3807335"/>
+            <a:ext cx="3816424" cy="375885"/>
+          </a:xfrm>
+          <a:prstGeom prst="rect">
+            <a:avLst/>
+          </a:prstGeom>
+          <a:noFill/>
+          <a:ln>
+            <a:noFill/>
+          </a:ln>
+          <a:effectLst/>
+          <a:extLst>
+            <a:ext uri="{909E8E84-426E-40DD-AFC4-6F175D3DCCD1}">
+              <a14:hiddenFill xmlns:a14="http://schemas.microsoft.com/office/drawing/2010/main">
+                <a:solidFill>
+                  <a:schemeClr val="accent1"/>
+                </a:solidFill>
+              </a14:hiddenFill>
+            </a:ext>
+            <a:ext uri="{91240B29-F687-4F45-9708-019B960494DF}">
+              <a14:hiddenLine xmlns:a14="http://schemas.microsoft.com/office/drawing/2010/main" w="9525">
+                <a:solidFill>
+                  <a:schemeClr val="tx1"/>
+                </a:solidFill>
+                <a:miter lim="800000"/>
+                <a:headEnd/>
+                <a:tailEnd/>
+              </a14:hiddenLine>
+            </a:ext>
+            <a:ext uri="{AF507438-7753-43E0-B8FC-AC1667EBCBE1}">
+              <a14:hiddenEffects xmlns:a14="http://schemas.microsoft.com/office/drawing/2010/main">
+                <a:effectLst>
+                  <a:outerShdw dist="35921" dir="2700000" algn="ctr" rotWithShape="0">
+                    <a:schemeClr val="bg2"/>
+                  </a:outerShdw>
+                </a:effectLst>
+              </a14:hiddenEffects>
+            </a:ext>
+          </a:extLst>
         </p:spPr>
       </p:pic>
     </p:spTree>
@@ -17022,8 +19299,8 @@
         </p:nvSpPr>
         <p:spPr>
           <a:xfrm>
-            <a:off x="611560" y="1052736"/>
-            <a:ext cx="7031092" cy="3108543"/>
+            <a:off x="611560" y="699542"/>
+            <a:ext cx="5950668" cy="2862322"/>
           </a:xfrm>
           <a:prstGeom prst="rect">
             <a:avLst/>
@@ -17050,11 +19327,11 @@
               <a:buChar char="•"/>
             </a:pPr>
             <a:r>
-              <a:rPr lang="en-US" sz="2400" dirty="0" smtClean="0"/>
+              <a:rPr lang="en-US" sz="2000" dirty="0" smtClean="0"/>
               <a:t>A </a:t>
             </a:r>
             <a:r>
-              <a:rPr lang="en-US" sz="2400" dirty="0" err="1" smtClean="0">
+              <a:rPr lang="en-US" sz="2000" dirty="0" err="1" smtClean="0">
                 <a:solidFill>
                   <a:srgbClr val="00B050"/>
                 </a:solidFill>
@@ -17062,7 +19339,7 @@
               <a:t>val</a:t>
             </a:r>
             <a:r>
-              <a:rPr lang="en-US" sz="2400" dirty="0" smtClean="0">
+              <a:rPr lang="en-US" sz="2000" dirty="0" smtClean="0">
                 <a:solidFill>
                   <a:srgbClr val="00B050"/>
                 </a:solidFill>
@@ -17070,19 +19347,19 @@
               <a:t> </a:t>
             </a:r>
             <a:r>
-              <a:rPr lang="en-US" sz="2400" dirty="0" smtClean="0"/>
+              <a:rPr lang="en-US" sz="2000" dirty="0" smtClean="0"/>
               <a:t>(final) is </a:t>
             </a:r>
             <a:r>
-              <a:rPr lang="en-US" sz="2400" b="1" dirty="0" smtClean="0"/>
+              <a:rPr lang="en-US" sz="2000" b="1" dirty="0" smtClean="0"/>
               <a:t>always </a:t>
             </a:r>
             <a:r>
-              <a:rPr lang="en-US" sz="2400" dirty="0" smtClean="0"/>
+              <a:rPr lang="en-US" sz="2000" dirty="0" smtClean="0"/>
               <a:t>preferred to a </a:t>
             </a:r>
             <a:r>
-              <a:rPr lang="en-US" sz="2400" dirty="0" err="1" smtClean="0">
+              <a:rPr lang="en-US" sz="2000" dirty="0" err="1" smtClean="0">
                 <a:solidFill>
                   <a:srgbClr val="FF0000"/>
                 </a:solidFill>
@@ -17090,7 +19367,7 @@
               <a:t>var</a:t>
             </a:r>
             <a:r>
-              <a:rPr lang="en-US" sz="2400" dirty="0" smtClean="0">
+              <a:rPr lang="en-US" sz="2000" dirty="0" smtClean="0">
                 <a:solidFill>
                   <a:srgbClr val="FF0000"/>
                 </a:solidFill>
@@ -17098,10 +19375,10 @@
               <a:t> </a:t>
             </a:r>
             <a:r>
-              <a:rPr lang="en-US" sz="2400" dirty="0" smtClean="0"/>
+              <a:rPr lang="en-US" sz="2000" dirty="0" smtClean="0"/>
               <a:t>(non-final)</a:t>
             </a:r>
-            <a:endParaRPr lang="en-US" sz="2400" b="1" dirty="0"/>
+            <a:endParaRPr lang="en-US" sz="2000" b="1" dirty="0"/>
           </a:p>
           <a:p>
             <a:pPr marL="342900" indent="-342900">
@@ -17109,7 +19386,7 @@
               <a:buChar char="•"/>
             </a:pPr>
             <a:r>
-              <a:rPr lang="en-US" sz="2400" dirty="0" smtClean="0"/>
+              <a:rPr lang="en-US" sz="2000" dirty="0" smtClean="0"/>
               <a:t>Collections are immutable by default</a:t>
             </a:r>
           </a:p>
@@ -17125,16 +19402,16 @@
               <a:buChar char="•"/>
             </a:pPr>
             <a:r>
-              <a:rPr lang="en-US" sz="2400" dirty="0" smtClean="0"/>
+              <a:rPr lang="en-US" sz="2000" dirty="0" smtClean="0"/>
               <a:t>Case classes (useful functional data structure) are </a:t>
             </a:r>
           </a:p>
           <a:p>
             <a:r>
-              <a:rPr lang="en-US" sz="2400" dirty="0" smtClean="0"/>
+              <a:rPr lang="en-US" sz="2000" dirty="0" smtClean="0"/>
               <a:t>immutable by default</a:t>
             </a:r>
-            <a:endParaRPr lang="uk-UA" sz="2400" dirty="0"/>
+            <a:endParaRPr lang="uk-UA" sz="2000" dirty="0"/>
           </a:p>
         </p:txBody>
       </p:sp>
@@ -17154,8 +19431,8 @@
         </p:blipFill>
         <p:spPr>
           <a:xfrm>
-            <a:off x="899517" y="4221088"/>
-            <a:ext cx="7000875" cy="1676400"/>
+            <a:off x="901167" y="3660020"/>
+            <a:ext cx="5371454" cy="1296139"/>
           </a:xfrm>
           <a:prstGeom prst="rect">
             <a:avLst/>
@@ -17178,8 +19455,8 @@
         </p:blipFill>
         <p:spPr>
           <a:xfrm>
-            <a:off x="899592" y="2576230"/>
-            <a:ext cx="4152900" cy="619125"/>
+            <a:off x="899592" y="2381089"/>
+            <a:ext cx="3024336" cy="500063"/>
           </a:xfrm>
           <a:prstGeom prst="rect">
             <a:avLst/>
@@ -17196,6 +19473,13 @@
   <p:clrMapOvr>
     <a:masterClrMapping/>
   </p:clrMapOvr>
+  <p:timing>
+    <p:tnLst>
+      <p:par>
+        <p:cTn id="1" dur="indefinite" restart="never" nodeType="tmRoot"/>
+      </p:par>
+    </p:tnLst>
+  </p:timing>
 </p:sld>
 </file>
 
@@ -17224,8 +19508,8 @@
         </p:nvSpPr>
         <p:spPr>
           <a:xfrm>
-            <a:off x="467544" y="908720"/>
-            <a:ext cx="2448106" cy="769441"/>
+            <a:off x="467544" y="681540"/>
+            <a:ext cx="2448106" cy="461665"/>
           </a:xfrm>
           <a:prstGeom prst="rect">
             <a:avLst/>
@@ -17243,42 +19527,11 @@
               <a:t>Pattern matching</a:t>
             </a:r>
           </a:p>
-          <a:p>
-            <a:r>
-              <a:rPr lang="en-US" sz="2000" dirty="0" smtClean="0"/>
-              <a:t>Examples:</a:t>
-            </a:r>
-            <a:endParaRPr lang="uk-UA" sz="2000" dirty="0"/>
-          </a:p>
         </p:txBody>
       </p:sp>
       <p:pic>
         <p:nvPicPr>
           <p:cNvPr id="4" name="Picture 3"/>
-          <p:cNvPicPr>
-            <a:picLocks noChangeAspect="1"/>
-          </p:cNvPicPr>
-          <p:nvPr/>
-        </p:nvPicPr>
-        <p:blipFill>
-          <a:blip r:embed="rId2"/>
-          <a:stretch>
-            <a:fillRect/>
-          </a:stretch>
-        </p:blipFill>
-        <p:spPr>
-          <a:xfrm>
-            <a:off x="467544" y="1861740"/>
-            <a:ext cx="8430276" cy="1887736"/>
-          </a:xfrm>
-          <a:prstGeom prst="rect">
-            <a:avLst/>
-          </a:prstGeom>
-        </p:spPr>
-      </p:pic>
-      <p:pic>
-        <p:nvPicPr>
-          <p:cNvPr id="6" name="Picture 5"/>
           <p:cNvPicPr>
             <a:picLocks noChangeAspect="1"/>
           </p:cNvPicPr>
@@ -17292,12 +19545,76 @@
         </p:blipFill>
         <p:spPr>
           <a:xfrm>
-            <a:off x="453379" y="3897638"/>
-            <a:ext cx="8583117" cy="2174088"/>
+            <a:off x="559836" y="3416393"/>
+            <a:ext cx="7198912" cy="1547008"/>
           </a:xfrm>
           <a:prstGeom prst="rect">
             <a:avLst/>
           </a:prstGeom>
+        </p:spPr>
+      </p:pic>
+      <p:pic>
+        <p:nvPicPr>
+          <p:cNvPr id="2051" name="Picture 3"/>
+          <p:cNvPicPr>
+            <a:picLocks noChangeAspect="1" noChangeArrowheads="1"/>
+          </p:cNvPicPr>
+          <p:nvPr/>
+        </p:nvPicPr>
+        <p:blipFill>
+          <a:blip r:embed="rId4">
+            <a:extLst>
+              <a:ext uri="{28A0092B-C50C-407E-A947-70E740481C1C}">
+                <a14:useLocalDpi xmlns:a14="http://schemas.microsoft.com/office/drawing/2010/main" val="0"/>
+              </a:ext>
+            </a:extLst>
+          </a:blip>
+          <a:srcRect/>
+          <a:stretch>
+            <a:fillRect/>
+          </a:stretch>
+        </p:blipFill>
+        <p:spPr bwMode="auto">
+          <a:xfrm>
+            <a:off x="530859" y="1059582"/>
+            <a:ext cx="6472497" cy="2190037"/>
+          </a:xfrm>
+          <a:prstGeom prst="rect">
+            <a:avLst/>
+          </a:prstGeom>
+          <a:noFill/>
+          <a:ln>
+            <a:noFill/>
+          </a:ln>
+          <a:effectLst/>
+          <a:extLst>
+            <a:ext uri="{909E8E84-426E-40DD-AFC4-6F175D3DCCD1}">
+              <a14:hiddenFill xmlns:a14="http://schemas.microsoft.com/office/drawing/2010/main">
+                <a:solidFill>
+                  <a:schemeClr val="accent1"/>
+                </a:solidFill>
+              </a14:hiddenFill>
+            </a:ext>
+            <a:ext uri="{91240B29-F687-4F45-9708-019B960494DF}">
+              <a14:hiddenLine xmlns:a14="http://schemas.microsoft.com/office/drawing/2010/main" w="9525">
+                <a:solidFill>
+                  <a:schemeClr val="tx1"/>
+                </a:solidFill>
+                <a:miter lim="800000"/>
+                <a:headEnd/>
+                <a:tailEnd/>
+              </a14:hiddenLine>
+            </a:ext>
+            <a:ext uri="{AF507438-7753-43E0-B8FC-AC1667EBCBE1}">
+              <a14:hiddenEffects xmlns:a14="http://schemas.microsoft.com/office/drawing/2010/main">
+                <a:effectLst>
+                  <a:outerShdw dist="35921" dir="2700000" algn="ctr" rotWithShape="0">
+                    <a:schemeClr val="bg2"/>
+                  </a:outerShdw>
+                </a:effectLst>
+              </a14:hiddenEffects>
+            </a:ext>
+          </a:extLst>
         </p:spPr>
       </p:pic>
     </p:spTree>
@@ -17310,6 +19627,13 @@
   <p:clrMapOvr>
     <a:masterClrMapping/>
   </p:clrMapOvr>
+  <p:timing>
+    <p:tnLst>
+      <p:par>
+        <p:cTn id="1" dur="indefinite" restart="never" nodeType="tmRoot"/>
+      </p:par>
+    </p:tnLst>
+  </p:timing>
 </p:sld>
 </file>
 
@@ -17330,68 +19654,9 @@
           <a:chExt cx="0" cy="0"/>
         </a:xfrm>
       </p:grpSpPr>
-      <p:sp>
-        <p:nvSpPr>
-          <p:cNvPr id="2" name="TextBox 1"/>
-          <p:cNvSpPr txBox="1"/>
-          <p:nvPr/>
-        </p:nvSpPr>
-        <p:spPr>
-          <a:xfrm>
-            <a:off x="323528" y="980728"/>
-            <a:ext cx="2795958" cy="461665"/>
-          </a:xfrm>
-          <a:prstGeom prst="rect">
-            <a:avLst/>
-          </a:prstGeom>
-          <a:noFill/>
-        </p:spPr>
-        <p:txBody>
-          <a:bodyPr wrap="none" rtlCol="0">
-            <a:spAutoFit/>
-          </a:bodyPr>
-          <a:lstStyle/>
-          <a:p>
-            <a:r>
-              <a:rPr lang="en-US" sz="2400" dirty="0" smtClean="0"/>
-              <a:t>Looping is recursion</a:t>
-            </a:r>
-            <a:endParaRPr lang="uk-UA" sz="2400" dirty="0"/>
-          </a:p>
-        </p:txBody>
-      </p:sp>
-      <p:sp>
-        <p:nvSpPr>
-          <p:cNvPr id="3" name="TextBox 2"/>
-          <p:cNvSpPr txBox="1"/>
-          <p:nvPr/>
-        </p:nvSpPr>
-        <p:spPr>
-          <a:xfrm>
-            <a:off x="323528" y="1628800"/>
-            <a:ext cx="6200736" cy="369332"/>
-          </a:xfrm>
-          <a:prstGeom prst="rect">
-            <a:avLst/>
-          </a:prstGeom>
-          <a:noFill/>
-        </p:spPr>
-        <p:txBody>
-          <a:bodyPr wrap="none" rtlCol="0">
-            <a:spAutoFit/>
-          </a:bodyPr>
-          <a:lstStyle/>
-          <a:p>
-            <a:r>
-              <a:rPr lang="en-US" dirty="0" smtClean="0"/>
-              <a:t>The purely functional way of making any iteration is recursion.</a:t>
-            </a:r>
-          </a:p>
-        </p:txBody>
-      </p:sp>
       <p:pic>
         <p:nvPicPr>
-          <p:cNvPr id="6" name="Picture 5"/>
+          <p:cNvPr id="3" name="Picture 5"/>
           <p:cNvPicPr>
             <a:picLocks noChangeAspect="1"/>
           </p:cNvPicPr>
@@ -17405,18 +19670,82 @@
         </p:blipFill>
         <p:spPr>
           <a:xfrm>
-            <a:off x="899592" y="2017794"/>
-            <a:ext cx="6480720" cy="3976219"/>
+            <a:off x="446548" y="2787774"/>
+            <a:ext cx="8583117" cy="2116620"/>
           </a:xfrm>
           <a:prstGeom prst="rect">
             <a:avLst/>
           </a:prstGeom>
         </p:spPr>
       </p:pic>
+      <p:pic>
+        <p:nvPicPr>
+          <p:cNvPr id="3076" name="Picture 4"/>
+          <p:cNvPicPr>
+            <a:picLocks noChangeAspect="1" noChangeArrowheads="1"/>
+          </p:cNvPicPr>
+          <p:nvPr/>
+        </p:nvPicPr>
+        <p:blipFill>
+          <a:blip r:embed="rId3">
+            <a:extLst>
+              <a:ext uri="{28A0092B-C50C-407E-A947-70E740481C1C}">
+                <a14:useLocalDpi xmlns:a14="http://schemas.microsoft.com/office/drawing/2010/main" val="0"/>
+              </a:ext>
+            </a:extLst>
+          </a:blip>
+          <a:srcRect/>
+          <a:stretch>
+            <a:fillRect/>
+          </a:stretch>
+        </p:blipFill>
+        <p:spPr bwMode="auto">
+          <a:xfrm>
+            <a:off x="395536" y="851975"/>
+            <a:ext cx="9666114" cy="1900729"/>
+          </a:xfrm>
+          <a:prstGeom prst="rect">
+            <a:avLst/>
+          </a:prstGeom>
+          <a:noFill/>
+          <a:ln>
+            <a:noFill/>
+          </a:ln>
+          <a:effectLst/>
+          <a:extLst>
+            <a:ext uri="{909E8E84-426E-40DD-AFC4-6F175D3DCCD1}">
+              <a14:hiddenFill xmlns:a14="http://schemas.microsoft.com/office/drawing/2010/main">
+                <a:solidFill>
+                  <a:schemeClr val="accent1"/>
+                </a:solidFill>
+              </a14:hiddenFill>
+            </a:ext>
+            <a:ext uri="{91240B29-F687-4F45-9708-019B960494DF}">
+              <a14:hiddenLine xmlns:a14="http://schemas.microsoft.com/office/drawing/2010/main" w="9525">
+                <a:solidFill>
+                  <a:schemeClr val="tx1"/>
+                </a:solidFill>
+                <a:miter lim="800000"/>
+                <a:headEnd/>
+                <a:tailEnd/>
+              </a14:hiddenLine>
+            </a:ext>
+            <a:ext uri="{AF507438-7753-43E0-B8FC-AC1667EBCBE1}">
+              <a14:hiddenEffects xmlns:a14="http://schemas.microsoft.com/office/drawing/2010/main">
+                <a:effectLst>
+                  <a:outerShdw dist="35921" dir="2700000" algn="ctr" rotWithShape="0">
+                    <a:schemeClr val="bg2"/>
+                  </a:outerShdw>
+                </a:effectLst>
+              </a14:hiddenEffects>
+            </a:ext>
+          </a:extLst>
+        </p:spPr>
+      </p:pic>
     </p:spTree>
     <p:extLst>
       <p:ext uri="{BB962C8B-B14F-4D97-AF65-F5344CB8AC3E}">
-        <p14:creationId xmlns:p14="http://schemas.microsoft.com/office/powerpoint/2010/main" val="2919114084"/>
+        <p14:creationId xmlns:p14="http://schemas.microsoft.com/office/powerpoint/2010/main" val="3160970936"/>
       </p:ext>
     </p:extLst>
   </p:cSld>
@@ -17451,8 +19780,8 @@
         </p:nvSpPr>
         <p:spPr>
           <a:xfrm>
-            <a:off x="539552" y="1052736"/>
-            <a:ext cx="3993401" cy="2000548"/>
+            <a:off x="323528" y="735546"/>
+            <a:ext cx="2795958" cy="461665"/>
           </a:xfrm>
           <a:prstGeom prst="rect">
             <a:avLst/>
@@ -17467,79 +19796,216 @@
           <a:p>
             <a:r>
               <a:rPr lang="en-US" sz="2400" dirty="0" smtClean="0"/>
-              <a:t>Tail recursion</a:t>
+              <a:t>Looping is recursion</a:t>
             </a:r>
-          </a:p>
-          <a:p>
-            <a:endParaRPr lang="en-US" sz="2000" dirty="0" smtClean="0"/>
-          </a:p>
-          <a:p>
-            <a:pPr marL="342900" indent="-342900">
-              <a:buFont typeface="Wingdings" panose="05000000000000000000" pitchFamily="2" charset="2"/>
-              <a:buChar char="§"/>
-            </a:pPr>
+            <a:endParaRPr lang="uk-UA" sz="2400" dirty="0"/>
+          </a:p>
+        </p:txBody>
+      </p:sp>
+      <p:sp>
+        <p:nvSpPr>
+          <p:cNvPr id="3" name="TextBox 2"/>
+          <p:cNvSpPr txBox="1"/>
+          <p:nvPr/>
+        </p:nvSpPr>
+        <p:spPr>
+          <a:xfrm>
+            <a:off x="323528" y="1221600"/>
+            <a:ext cx="6200736" cy="369332"/>
+          </a:xfrm>
+          <a:prstGeom prst="rect">
+            <a:avLst/>
+          </a:prstGeom>
+          <a:noFill/>
+        </p:spPr>
+        <p:txBody>
+          <a:bodyPr wrap="none" rtlCol="0">
+            <a:spAutoFit/>
+          </a:bodyPr>
+          <a:lstStyle/>
+          <a:p>
             <a:r>
-              <a:rPr lang="en-US" sz="2000" dirty="0" smtClean="0"/>
-              <a:t>Significantly boost performance</a:t>
+              <a:rPr lang="en-US" dirty="0" smtClean="0"/>
+              <a:t>The purely functional way of making any iteration is recursion.</a:t>
             </a:r>
-          </a:p>
-          <a:p>
-            <a:pPr marL="342900" indent="-342900">
-              <a:buFont typeface="Wingdings" panose="05000000000000000000" pitchFamily="2" charset="2"/>
-              <a:buChar char="§"/>
-            </a:pPr>
-            <a:r>
-              <a:rPr lang="en-US" sz="2000" dirty="0" smtClean="0"/>
-              <a:t>Avoid </a:t>
-            </a:r>
-            <a:r>
-              <a:rPr lang="en-US" sz="2000" dirty="0" err="1" smtClean="0"/>
-              <a:t>StackOverflowException</a:t>
-            </a:r>
-            <a:endParaRPr lang="en-US" sz="2000" dirty="0" smtClean="0"/>
-          </a:p>
-          <a:p>
-            <a:endParaRPr lang="en-US" sz="2000" dirty="0"/>
-          </a:p>
-          <a:p>
-            <a:endParaRPr lang="en-US" sz="2000" dirty="0"/>
           </a:p>
         </p:txBody>
       </p:sp>
       <p:pic>
         <p:nvPicPr>
-          <p:cNvPr id="3" name="Picture 2"/>
+          <p:cNvPr id="1027" name="Picture 3"/>
           <p:cNvPicPr>
-            <a:picLocks noChangeAspect="1"/>
+            <a:picLocks noChangeAspect="1" noChangeArrowheads="1"/>
           </p:cNvPicPr>
           <p:nvPr/>
         </p:nvPicPr>
         <p:blipFill>
-          <a:blip r:embed="rId2"/>
+          <a:blip r:embed="rId2">
+            <a:extLst>
+              <a:ext uri="{28A0092B-C50C-407E-A947-70E740481C1C}">
+                <a14:useLocalDpi xmlns:a14="http://schemas.microsoft.com/office/drawing/2010/main" val="0"/>
+              </a:ext>
+            </a:extLst>
+          </a:blip>
+          <a:srcRect/>
           <a:stretch>
             <a:fillRect/>
           </a:stretch>
         </p:blipFill>
-        <p:spPr>
+        <p:spPr bwMode="auto">
           <a:xfrm>
-            <a:off x="587591" y="2492896"/>
-            <a:ext cx="7054230" cy="4064029"/>
+            <a:off x="395536" y="1565139"/>
+            <a:ext cx="8534400" cy="1895475"/>
           </a:xfrm>
           <a:prstGeom prst="rect">
             <a:avLst/>
           </a:prstGeom>
+          <a:noFill/>
+          <a:ln>
+            <a:noFill/>
+          </a:ln>
+          <a:effectLst/>
+          <a:extLst>
+            <a:ext uri="{909E8E84-426E-40DD-AFC4-6F175D3DCCD1}">
+              <a14:hiddenFill xmlns:a14="http://schemas.microsoft.com/office/drawing/2010/main">
+                <a:solidFill>
+                  <a:schemeClr val="accent1"/>
+                </a:solidFill>
+              </a14:hiddenFill>
+            </a:ext>
+            <a:ext uri="{91240B29-F687-4F45-9708-019B960494DF}">
+              <a14:hiddenLine xmlns:a14="http://schemas.microsoft.com/office/drawing/2010/main" w="9525">
+                <a:solidFill>
+                  <a:schemeClr val="tx1"/>
+                </a:solidFill>
+                <a:miter lim="800000"/>
+                <a:headEnd/>
+                <a:tailEnd/>
+              </a14:hiddenLine>
+            </a:ext>
+            <a:ext uri="{AF507438-7753-43E0-B8FC-AC1667EBCBE1}">
+              <a14:hiddenEffects xmlns:a14="http://schemas.microsoft.com/office/drawing/2010/main">
+                <a:effectLst>
+                  <a:outerShdw dist="35921" dir="2700000" algn="ctr" rotWithShape="0">
+                    <a:schemeClr val="bg2"/>
+                  </a:outerShdw>
+                </a:effectLst>
+              </a14:hiddenEffects>
+            </a:ext>
+          </a:extLst>
+        </p:spPr>
+      </p:pic>
+      <p:cxnSp>
+        <p:nvCxnSpPr>
+          <p:cNvPr id="7" name="Прямая соединительная линия 6"/>
+          <p:cNvCxnSpPr/>
+          <p:nvPr/>
+        </p:nvCxnSpPr>
+        <p:spPr>
+          <a:xfrm>
+            <a:off x="323528" y="3647781"/>
+            <a:ext cx="8712968" cy="0"/>
+          </a:xfrm>
+          <a:prstGeom prst="line">
+            <a:avLst/>
+          </a:prstGeom>
+        </p:spPr>
+        <p:style>
+          <a:lnRef idx="1">
+            <a:schemeClr val="accent1"/>
+          </a:lnRef>
+          <a:fillRef idx="0">
+            <a:schemeClr val="accent1"/>
+          </a:fillRef>
+          <a:effectRef idx="0">
+            <a:schemeClr val="accent1"/>
+          </a:effectRef>
+          <a:fontRef idx="minor">
+            <a:schemeClr val="tx1"/>
+          </a:fontRef>
+        </p:style>
+      </p:cxnSp>
+      <p:pic>
+        <p:nvPicPr>
+          <p:cNvPr id="1030" name="Picture 6"/>
+          <p:cNvPicPr>
+            <a:picLocks noChangeAspect="1" noChangeArrowheads="1"/>
+          </p:cNvPicPr>
+          <p:nvPr/>
+        </p:nvPicPr>
+        <p:blipFill>
+          <a:blip r:embed="rId3">
+            <a:extLst>
+              <a:ext uri="{28A0092B-C50C-407E-A947-70E740481C1C}">
+                <a14:useLocalDpi xmlns:a14="http://schemas.microsoft.com/office/drawing/2010/main" val="0"/>
+              </a:ext>
+            </a:extLst>
+          </a:blip>
+          <a:srcRect/>
+          <a:stretch>
+            <a:fillRect/>
+          </a:stretch>
+        </p:blipFill>
+        <p:spPr bwMode="auto">
+          <a:xfrm>
+            <a:off x="2006516" y="3804153"/>
+            <a:ext cx="4536504" cy="1212521"/>
+          </a:xfrm>
+          <a:prstGeom prst="rect">
+            <a:avLst/>
+          </a:prstGeom>
+          <a:noFill/>
+          <a:ln>
+            <a:noFill/>
+          </a:ln>
+          <a:effectLst/>
+          <a:extLst>
+            <a:ext uri="{909E8E84-426E-40DD-AFC4-6F175D3DCCD1}">
+              <a14:hiddenFill xmlns:a14="http://schemas.microsoft.com/office/drawing/2010/main">
+                <a:solidFill>
+                  <a:schemeClr val="accent1"/>
+                </a:solidFill>
+              </a14:hiddenFill>
+            </a:ext>
+            <a:ext uri="{91240B29-F687-4F45-9708-019B960494DF}">
+              <a14:hiddenLine xmlns:a14="http://schemas.microsoft.com/office/drawing/2010/main" w="9525">
+                <a:solidFill>
+                  <a:schemeClr val="tx1"/>
+                </a:solidFill>
+                <a:miter lim="800000"/>
+                <a:headEnd/>
+                <a:tailEnd/>
+              </a14:hiddenLine>
+            </a:ext>
+            <a:ext uri="{AF507438-7753-43E0-B8FC-AC1667EBCBE1}">
+              <a14:hiddenEffects xmlns:a14="http://schemas.microsoft.com/office/drawing/2010/main">
+                <a:effectLst>
+                  <a:outerShdw dist="35921" dir="2700000" algn="ctr" rotWithShape="0">
+                    <a:schemeClr val="bg2"/>
+                  </a:outerShdw>
+                </a:effectLst>
+              </a14:hiddenEffects>
+            </a:ext>
+          </a:extLst>
         </p:spPr>
       </p:pic>
     </p:spTree>
     <p:extLst>
       <p:ext uri="{BB962C8B-B14F-4D97-AF65-F5344CB8AC3E}">
-        <p14:creationId xmlns:p14="http://schemas.microsoft.com/office/powerpoint/2010/main" val="1859288455"/>
+        <p14:creationId xmlns:p14="http://schemas.microsoft.com/office/powerpoint/2010/main" val="2919114084"/>
       </p:ext>
     </p:extLst>
   </p:cSld>
   <p:clrMapOvr>
     <a:masterClrMapping/>
   </p:clrMapOvr>
+  <p:timing>
+    <p:tnLst>
+      <p:par>
+        <p:cTn id="1" dur="indefinite" restart="never" nodeType="tmRoot"/>
+      </p:par>
+    </p:tnLst>
+  </p:timing>
 </p:sld>
 </file>
 
@@ -17882,7 +20348,7 @@
     </a:clrScheme>
     <a:fontScheme name="Office">
       <a:majorFont>
-        <a:latin typeface="Calibri Light" panose="020F0302020204030204"/>
+        <a:latin typeface="Calibri Light"/>
         <a:ea typeface=""/>
         <a:cs typeface=""/>
         <a:font script="Jpan" typeface="ＭＳ Ｐゴシック"/>
@@ -17917,7 +20383,7 @@
         <a:font script="Geor" typeface="Sylfaen"/>
       </a:majorFont>
       <a:minorFont>
-        <a:latin typeface="Calibri" panose="020F0502020204030204"/>
+        <a:latin typeface="Calibri"/>
         <a:ea typeface=""/>
         <a:cs typeface=""/>
         <a:font script="Jpan" typeface="ＭＳ Ｐゴシック"/>
